--- a/Documents/VentureCapital_Nick.pptx
+++ b/Documents/VentureCapital_Nick.pptx
@@ -5,10 +5,10 @@
     <p:sldMasterId id="2147483664" r:id="rId1"/>
   </p:sldMasterIdLst>
   <p:notesMasterIdLst>
-    <p:notesMasterId r:id="rId15"/>
+    <p:notesMasterId r:id="rId14"/>
   </p:notesMasterIdLst>
   <p:handoutMasterIdLst>
-    <p:handoutMasterId r:id="rId16"/>
+    <p:handoutMasterId r:id="rId15"/>
   </p:handoutMasterIdLst>
   <p:sldIdLst>
     <p:sldId id="256" r:id="rId2"/>
@@ -23,7 +23,6 @@
     <p:sldId id="266" r:id="rId11"/>
     <p:sldId id="270" r:id="rId12"/>
     <p:sldId id="271" r:id="rId13"/>
-    <p:sldId id="264" r:id="rId14"/>
   </p:sldIdLst>
   <p:sldSz cx="9144000" cy="6858000" type="screen4x3"/>
   <p:notesSz cx="6858000" cy="9144000"/>
@@ -264,7 +263,7 @@
               <a:pPr>
                 <a:defRPr/>
               </a:pPr>
-              <a:t>11/11/2009</a:t>
+              <a:t>11/12/2009</a:t>
             </a:fld>
             <a:endParaRPr lang="en-US"/>
           </a:p>
@@ -478,7 +477,7 @@
               <a:pPr>
                 <a:defRPr/>
               </a:pPr>
-              <a:t>11/11/2009</a:t>
+              <a:t>11/12/2009</a:t>
             </a:fld>
             <a:endParaRPr lang="en-US"/>
           </a:p>
@@ -920,7 +919,7 @@
                 </a:spcAft>
                 <a:defRPr/>
               </a:pPr>
-              <a:t>11/11/2009</a:t>
+              <a:t>11/12/2009</a:t>
             </a:fld>
             <a:endParaRPr lang="en-US" altLang="zh-TW">
               <a:ea typeface="新細明體" charset="-120"/>
@@ -1060,6 +1059,963 @@
             <a:endParaRPr lang="en-US" altLang="zh-TW" smtClean="0">
               <a:ea typeface="新細明體" charset="-120"/>
             </a:endParaRPr>
+          </a:p>
+        </p:txBody>
+      </p:sp>
+    </p:spTree>
+  </p:cSld>
+  <p:clrMapOvr>
+    <a:masterClrMapping/>
+  </p:clrMapOvr>
+</p:notes>
+</file>
+
+<file path=ppt/notesSlides/notesSlide10.xml><?xml version="1.0" encoding="utf-8"?>
+<p:notes xmlns:a="http://schemas.openxmlformats.org/drawingml/2006/main" xmlns:r="http://schemas.openxmlformats.org/officeDocument/2006/relationships" xmlns:p="http://schemas.openxmlformats.org/presentationml/2006/main">
+  <p:cSld>
+    <p:spTree>
+      <p:nvGrpSpPr>
+        <p:cNvPr id="1" name=""/>
+        <p:cNvGrpSpPr/>
+        <p:nvPr/>
+      </p:nvGrpSpPr>
+      <p:grpSpPr>
+        <a:xfrm>
+          <a:off x="0" y="0"/>
+          <a:ext cx="0" cy="0"/>
+          <a:chOff x="0" y="0"/>
+          <a:chExt cx="0" cy="0"/>
+        </a:xfrm>
+      </p:grpSpPr>
+      <p:sp>
+        <p:nvSpPr>
+          <p:cNvPr id="2" name="Slide Image Placeholder 1"/>
+          <p:cNvSpPr>
+            <a:spLocks noGrp="1" noRot="1" noChangeAspect="1"/>
+          </p:cNvSpPr>
+          <p:nvPr>
+            <p:ph type="sldImg"/>
+          </p:nvPr>
+        </p:nvSpPr>
+        <p:spPr/>
+      </p:sp>
+      <p:sp>
+        <p:nvSpPr>
+          <p:cNvPr id="3" name="Notes Placeholder 2"/>
+          <p:cNvSpPr>
+            <a:spLocks noGrp="1"/>
+          </p:cNvSpPr>
+          <p:nvPr>
+            <p:ph type="body" idx="1"/>
+          </p:nvPr>
+        </p:nvSpPr>
+        <p:spPr/>
+        <p:txBody>
+          <a:bodyPr>
+            <a:normAutofit/>
+          </a:bodyPr>
+          <a:lstStyle/>
+          <a:p>
+            <a:endParaRPr lang="en-US"/>
+          </a:p>
+        </p:txBody>
+      </p:sp>
+      <p:sp>
+        <p:nvSpPr>
+          <p:cNvPr id="4" name="Slide Number Placeholder 3"/>
+          <p:cNvSpPr>
+            <a:spLocks noGrp="1"/>
+          </p:cNvSpPr>
+          <p:nvPr>
+            <p:ph type="sldNum" sz="quarter" idx="10"/>
+          </p:nvPr>
+        </p:nvSpPr>
+        <p:spPr/>
+        <p:txBody>
+          <a:bodyPr/>
+          <a:lstStyle/>
+          <a:p>
+            <a:pPr>
+              <a:defRPr/>
+            </a:pPr>
+            <a:fld id="{4B68A8C2-9CD2-406D-99DF-30C836CC7831}" type="slidenum">
+              <a:rPr lang="en-US" smtClean="0"/>
+              <a:pPr>
+                <a:defRPr/>
+              </a:pPr>
+              <a:t>10</a:t>
+            </a:fld>
+            <a:endParaRPr lang="en-US"/>
+          </a:p>
+        </p:txBody>
+      </p:sp>
+    </p:spTree>
+  </p:cSld>
+  <p:clrMapOvr>
+    <a:masterClrMapping/>
+  </p:clrMapOvr>
+</p:notes>
+</file>
+
+<file path=ppt/notesSlides/notesSlide11.xml><?xml version="1.0" encoding="utf-8"?>
+<p:notes xmlns:a="http://schemas.openxmlformats.org/drawingml/2006/main" xmlns:r="http://schemas.openxmlformats.org/officeDocument/2006/relationships" xmlns:p="http://schemas.openxmlformats.org/presentationml/2006/main">
+  <p:cSld>
+    <p:spTree>
+      <p:nvGrpSpPr>
+        <p:cNvPr id="1" name=""/>
+        <p:cNvGrpSpPr/>
+        <p:nvPr/>
+      </p:nvGrpSpPr>
+      <p:grpSpPr>
+        <a:xfrm>
+          <a:off x="0" y="0"/>
+          <a:ext cx="0" cy="0"/>
+          <a:chOff x="0" y="0"/>
+          <a:chExt cx="0" cy="0"/>
+        </a:xfrm>
+      </p:grpSpPr>
+      <p:sp>
+        <p:nvSpPr>
+          <p:cNvPr id="2" name="Slide Image Placeholder 1"/>
+          <p:cNvSpPr>
+            <a:spLocks noGrp="1" noRot="1" noChangeAspect="1"/>
+          </p:cNvSpPr>
+          <p:nvPr>
+            <p:ph type="sldImg"/>
+          </p:nvPr>
+        </p:nvSpPr>
+        <p:spPr/>
+      </p:sp>
+      <p:sp>
+        <p:nvSpPr>
+          <p:cNvPr id="3" name="Notes Placeholder 2"/>
+          <p:cNvSpPr>
+            <a:spLocks noGrp="1"/>
+          </p:cNvSpPr>
+          <p:nvPr>
+            <p:ph type="body" idx="1"/>
+          </p:nvPr>
+        </p:nvSpPr>
+        <p:spPr/>
+        <p:txBody>
+          <a:bodyPr>
+            <a:normAutofit/>
+          </a:bodyPr>
+          <a:lstStyle/>
+          <a:p>
+            <a:endParaRPr lang="en-US"/>
+          </a:p>
+        </p:txBody>
+      </p:sp>
+      <p:sp>
+        <p:nvSpPr>
+          <p:cNvPr id="4" name="Slide Number Placeholder 3"/>
+          <p:cNvSpPr>
+            <a:spLocks noGrp="1"/>
+          </p:cNvSpPr>
+          <p:nvPr>
+            <p:ph type="sldNum" sz="quarter" idx="10"/>
+          </p:nvPr>
+        </p:nvSpPr>
+        <p:spPr/>
+        <p:txBody>
+          <a:bodyPr/>
+          <a:lstStyle/>
+          <a:p>
+            <a:pPr>
+              <a:defRPr/>
+            </a:pPr>
+            <a:fld id="{4B68A8C2-9CD2-406D-99DF-30C836CC7831}" type="slidenum">
+              <a:rPr lang="en-US" smtClean="0"/>
+              <a:pPr>
+                <a:defRPr/>
+              </a:pPr>
+              <a:t>11</a:t>
+            </a:fld>
+            <a:endParaRPr lang="en-US"/>
+          </a:p>
+        </p:txBody>
+      </p:sp>
+    </p:spTree>
+  </p:cSld>
+  <p:clrMapOvr>
+    <a:masterClrMapping/>
+  </p:clrMapOvr>
+</p:notes>
+</file>
+
+<file path=ppt/notesSlides/notesSlide12.xml><?xml version="1.0" encoding="utf-8"?>
+<p:notes xmlns:a="http://schemas.openxmlformats.org/drawingml/2006/main" xmlns:r="http://schemas.openxmlformats.org/officeDocument/2006/relationships" xmlns:p="http://schemas.openxmlformats.org/presentationml/2006/main">
+  <p:cSld>
+    <p:spTree>
+      <p:nvGrpSpPr>
+        <p:cNvPr id="1" name=""/>
+        <p:cNvGrpSpPr/>
+        <p:nvPr/>
+      </p:nvGrpSpPr>
+      <p:grpSpPr>
+        <a:xfrm>
+          <a:off x="0" y="0"/>
+          <a:ext cx="0" cy="0"/>
+          <a:chOff x="0" y="0"/>
+          <a:chExt cx="0" cy="0"/>
+        </a:xfrm>
+      </p:grpSpPr>
+      <p:sp>
+        <p:nvSpPr>
+          <p:cNvPr id="2" name="Slide Image Placeholder 1"/>
+          <p:cNvSpPr>
+            <a:spLocks noGrp="1" noRot="1" noChangeAspect="1"/>
+          </p:cNvSpPr>
+          <p:nvPr>
+            <p:ph type="sldImg"/>
+          </p:nvPr>
+        </p:nvSpPr>
+        <p:spPr/>
+      </p:sp>
+      <p:sp>
+        <p:nvSpPr>
+          <p:cNvPr id="3" name="Notes Placeholder 2"/>
+          <p:cNvSpPr>
+            <a:spLocks noGrp="1"/>
+          </p:cNvSpPr>
+          <p:nvPr>
+            <p:ph type="body" idx="1"/>
+          </p:nvPr>
+        </p:nvSpPr>
+        <p:spPr/>
+        <p:txBody>
+          <a:bodyPr>
+            <a:normAutofit/>
+          </a:bodyPr>
+          <a:lstStyle/>
+          <a:p>
+            <a:endParaRPr lang="en-US"/>
+          </a:p>
+        </p:txBody>
+      </p:sp>
+      <p:sp>
+        <p:nvSpPr>
+          <p:cNvPr id="4" name="Slide Number Placeholder 3"/>
+          <p:cNvSpPr>
+            <a:spLocks noGrp="1"/>
+          </p:cNvSpPr>
+          <p:nvPr>
+            <p:ph type="sldNum" sz="quarter" idx="10"/>
+          </p:nvPr>
+        </p:nvSpPr>
+        <p:spPr/>
+        <p:txBody>
+          <a:bodyPr/>
+          <a:lstStyle/>
+          <a:p>
+            <a:pPr>
+              <a:defRPr/>
+            </a:pPr>
+            <a:fld id="{4B68A8C2-9CD2-406D-99DF-30C836CC7831}" type="slidenum">
+              <a:rPr lang="en-US" smtClean="0"/>
+              <a:pPr>
+                <a:defRPr/>
+              </a:pPr>
+              <a:t>12</a:t>
+            </a:fld>
+            <a:endParaRPr lang="en-US"/>
+          </a:p>
+        </p:txBody>
+      </p:sp>
+    </p:spTree>
+  </p:cSld>
+  <p:clrMapOvr>
+    <a:masterClrMapping/>
+  </p:clrMapOvr>
+</p:notes>
+</file>
+
+<file path=ppt/notesSlides/notesSlide2.xml><?xml version="1.0" encoding="utf-8"?>
+<p:notes xmlns:a="http://schemas.openxmlformats.org/drawingml/2006/main" xmlns:r="http://schemas.openxmlformats.org/officeDocument/2006/relationships" xmlns:p="http://schemas.openxmlformats.org/presentationml/2006/main">
+  <p:cSld>
+    <p:spTree>
+      <p:nvGrpSpPr>
+        <p:cNvPr id="1" name=""/>
+        <p:cNvGrpSpPr/>
+        <p:nvPr/>
+      </p:nvGrpSpPr>
+      <p:grpSpPr>
+        <a:xfrm>
+          <a:off x="0" y="0"/>
+          <a:ext cx="0" cy="0"/>
+          <a:chOff x="0" y="0"/>
+          <a:chExt cx="0" cy="0"/>
+        </a:xfrm>
+      </p:grpSpPr>
+      <p:sp>
+        <p:nvSpPr>
+          <p:cNvPr id="2" name="Slide Image Placeholder 1"/>
+          <p:cNvSpPr>
+            <a:spLocks noGrp="1" noRot="1" noChangeAspect="1"/>
+          </p:cNvSpPr>
+          <p:nvPr>
+            <p:ph type="sldImg"/>
+          </p:nvPr>
+        </p:nvSpPr>
+        <p:spPr/>
+      </p:sp>
+      <p:sp>
+        <p:nvSpPr>
+          <p:cNvPr id="3" name="Notes Placeholder 2"/>
+          <p:cNvSpPr>
+            <a:spLocks noGrp="1"/>
+          </p:cNvSpPr>
+          <p:nvPr>
+            <p:ph type="body" idx="1"/>
+          </p:nvPr>
+        </p:nvSpPr>
+        <p:spPr/>
+        <p:txBody>
+          <a:bodyPr>
+            <a:normAutofit/>
+          </a:bodyPr>
+          <a:lstStyle/>
+          <a:p>
+            <a:endParaRPr lang="en-US"/>
+          </a:p>
+        </p:txBody>
+      </p:sp>
+      <p:sp>
+        <p:nvSpPr>
+          <p:cNvPr id="4" name="Slide Number Placeholder 3"/>
+          <p:cNvSpPr>
+            <a:spLocks noGrp="1"/>
+          </p:cNvSpPr>
+          <p:nvPr>
+            <p:ph type="sldNum" sz="quarter" idx="10"/>
+          </p:nvPr>
+        </p:nvSpPr>
+        <p:spPr/>
+        <p:txBody>
+          <a:bodyPr/>
+          <a:lstStyle/>
+          <a:p>
+            <a:pPr>
+              <a:defRPr/>
+            </a:pPr>
+            <a:fld id="{4B68A8C2-9CD2-406D-99DF-30C836CC7831}" type="slidenum">
+              <a:rPr lang="en-US" smtClean="0"/>
+              <a:pPr>
+                <a:defRPr/>
+              </a:pPr>
+              <a:t>2</a:t>
+            </a:fld>
+            <a:endParaRPr lang="en-US"/>
+          </a:p>
+        </p:txBody>
+      </p:sp>
+    </p:spTree>
+  </p:cSld>
+  <p:clrMapOvr>
+    <a:masterClrMapping/>
+  </p:clrMapOvr>
+</p:notes>
+</file>
+
+<file path=ppt/notesSlides/notesSlide3.xml><?xml version="1.0" encoding="utf-8"?>
+<p:notes xmlns:a="http://schemas.openxmlformats.org/drawingml/2006/main" xmlns:r="http://schemas.openxmlformats.org/officeDocument/2006/relationships" xmlns:p="http://schemas.openxmlformats.org/presentationml/2006/main">
+  <p:cSld>
+    <p:spTree>
+      <p:nvGrpSpPr>
+        <p:cNvPr id="1" name=""/>
+        <p:cNvGrpSpPr/>
+        <p:nvPr/>
+      </p:nvGrpSpPr>
+      <p:grpSpPr>
+        <a:xfrm>
+          <a:off x="0" y="0"/>
+          <a:ext cx="0" cy="0"/>
+          <a:chOff x="0" y="0"/>
+          <a:chExt cx="0" cy="0"/>
+        </a:xfrm>
+      </p:grpSpPr>
+      <p:sp>
+        <p:nvSpPr>
+          <p:cNvPr id="2" name="Slide Image Placeholder 1"/>
+          <p:cNvSpPr>
+            <a:spLocks noGrp="1" noRot="1" noChangeAspect="1"/>
+          </p:cNvSpPr>
+          <p:nvPr>
+            <p:ph type="sldImg"/>
+          </p:nvPr>
+        </p:nvSpPr>
+        <p:spPr/>
+      </p:sp>
+      <p:sp>
+        <p:nvSpPr>
+          <p:cNvPr id="3" name="Notes Placeholder 2"/>
+          <p:cNvSpPr>
+            <a:spLocks noGrp="1"/>
+          </p:cNvSpPr>
+          <p:nvPr>
+            <p:ph type="body" idx="1"/>
+          </p:nvPr>
+        </p:nvSpPr>
+        <p:spPr/>
+        <p:txBody>
+          <a:bodyPr>
+            <a:normAutofit/>
+          </a:bodyPr>
+          <a:lstStyle/>
+          <a:p>
+            <a:endParaRPr lang="en-US"/>
+          </a:p>
+        </p:txBody>
+      </p:sp>
+      <p:sp>
+        <p:nvSpPr>
+          <p:cNvPr id="4" name="Slide Number Placeholder 3"/>
+          <p:cNvSpPr>
+            <a:spLocks noGrp="1"/>
+          </p:cNvSpPr>
+          <p:nvPr>
+            <p:ph type="sldNum" sz="quarter" idx="10"/>
+          </p:nvPr>
+        </p:nvSpPr>
+        <p:spPr/>
+        <p:txBody>
+          <a:bodyPr/>
+          <a:lstStyle/>
+          <a:p>
+            <a:pPr>
+              <a:defRPr/>
+            </a:pPr>
+            <a:fld id="{4B68A8C2-9CD2-406D-99DF-30C836CC7831}" type="slidenum">
+              <a:rPr lang="en-US" smtClean="0"/>
+              <a:pPr>
+                <a:defRPr/>
+              </a:pPr>
+              <a:t>3</a:t>
+            </a:fld>
+            <a:endParaRPr lang="en-US"/>
+          </a:p>
+        </p:txBody>
+      </p:sp>
+    </p:spTree>
+  </p:cSld>
+  <p:clrMapOvr>
+    <a:masterClrMapping/>
+  </p:clrMapOvr>
+</p:notes>
+</file>
+
+<file path=ppt/notesSlides/notesSlide4.xml><?xml version="1.0" encoding="utf-8"?>
+<p:notes xmlns:a="http://schemas.openxmlformats.org/drawingml/2006/main" xmlns:r="http://schemas.openxmlformats.org/officeDocument/2006/relationships" xmlns:p="http://schemas.openxmlformats.org/presentationml/2006/main">
+  <p:cSld>
+    <p:spTree>
+      <p:nvGrpSpPr>
+        <p:cNvPr id="1" name=""/>
+        <p:cNvGrpSpPr/>
+        <p:nvPr/>
+      </p:nvGrpSpPr>
+      <p:grpSpPr>
+        <a:xfrm>
+          <a:off x="0" y="0"/>
+          <a:ext cx="0" cy="0"/>
+          <a:chOff x="0" y="0"/>
+          <a:chExt cx="0" cy="0"/>
+        </a:xfrm>
+      </p:grpSpPr>
+      <p:sp>
+        <p:nvSpPr>
+          <p:cNvPr id="2" name="Slide Image Placeholder 1"/>
+          <p:cNvSpPr>
+            <a:spLocks noGrp="1" noRot="1" noChangeAspect="1"/>
+          </p:cNvSpPr>
+          <p:nvPr>
+            <p:ph type="sldImg"/>
+          </p:nvPr>
+        </p:nvSpPr>
+        <p:spPr/>
+      </p:sp>
+      <p:sp>
+        <p:nvSpPr>
+          <p:cNvPr id="3" name="Notes Placeholder 2"/>
+          <p:cNvSpPr>
+            <a:spLocks noGrp="1"/>
+          </p:cNvSpPr>
+          <p:nvPr>
+            <p:ph type="body" idx="1"/>
+          </p:nvPr>
+        </p:nvSpPr>
+        <p:spPr/>
+        <p:txBody>
+          <a:bodyPr>
+            <a:normAutofit/>
+          </a:bodyPr>
+          <a:lstStyle/>
+          <a:p>
+            <a:endParaRPr lang="en-US"/>
+          </a:p>
+        </p:txBody>
+      </p:sp>
+      <p:sp>
+        <p:nvSpPr>
+          <p:cNvPr id="4" name="Slide Number Placeholder 3"/>
+          <p:cNvSpPr>
+            <a:spLocks noGrp="1"/>
+          </p:cNvSpPr>
+          <p:nvPr>
+            <p:ph type="sldNum" sz="quarter" idx="10"/>
+          </p:nvPr>
+        </p:nvSpPr>
+        <p:spPr/>
+        <p:txBody>
+          <a:bodyPr/>
+          <a:lstStyle/>
+          <a:p>
+            <a:pPr>
+              <a:defRPr/>
+            </a:pPr>
+            <a:fld id="{4B68A8C2-9CD2-406D-99DF-30C836CC7831}" type="slidenum">
+              <a:rPr lang="en-US" smtClean="0"/>
+              <a:pPr>
+                <a:defRPr/>
+              </a:pPr>
+              <a:t>4</a:t>
+            </a:fld>
+            <a:endParaRPr lang="en-US"/>
+          </a:p>
+        </p:txBody>
+      </p:sp>
+    </p:spTree>
+  </p:cSld>
+  <p:clrMapOvr>
+    <a:masterClrMapping/>
+  </p:clrMapOvr>
+</p:notes>
+</file>
+
+<file path=ppt/notesSlides/notesSlide5.xml><?xml version="1.0" encoding="utf-8"?>
+<p:notes xmlns:a="http://schemas.openxmlformats.org/drawingml/2006/main" xmlns:r="http://schemas.openxmlformats.org/officeDocument/2006/relationships" xmlns:p="http://schemas.openxmlformats.org/presentationml/2006/main">
+  <p:cSld>
+    <p:spTree>
+      <p:nvGrpSpPr>
+        <p:cNvPr id="1" name=""/>
+        <p:cNvGrpSpPr/>
+        <p:nvPr/>
+      </p:nvGrpSpPr>
+      <p:grpSpPr>
+        <a:xfrm>
+          <a:off x="0" y="0"/>
+          <a:ext cx="0" cy="0"/>
+          <a:chOff x="0" y="0"/>
+          <a:chExt cx="0" cy="0"/>
+        </a:xfrm>
+      </p:grpSpPr>
+      <p:sp>
+        <p:nvSpPr>
+          <p:cNvPr id="2" name="Slide Image Placeholder 1"/>
+          <p:cNvSpPr>
+            <a:spLocks noGrp="1" noRot="1" noChangeAspect="1"/>
+          </p:cNvSpPr>
+          <p:nvPr>
+            <p:ph type="sldImg"/>
+          </p:nvPr>
+        </p:nvSpPr>
+        <p:spPr/>
+      </p:sp>
+      <p:sp>
+        <p:nvSpPr>
+          <p:cNvPr id="3" name="Notes Placeholder 2"/>
+          <p:cNvSpPr>
+            <a:spLocks noGrp="1"/>
+          </p:cNvSpPr>
+          <p:nvPr>
+            <p:ph type="body" idx="1"/>
+          </p:nvPr>
+        </p:nvSpPr>
+        <p:spPr/>
+        <p:txBody>
+          <a:bodyPr>
+            <a:normAutofit/>
+          </a:bodyPr>
+          <a:lstStyle/>
+          <a:p>
+            <a:endParaRPr lang="en-US"/>
+          </a:p>
+        </p:txBody>
+      </p:sp>
+      <p:sp>
+        <p:nvSpPr>
+          <p:cNvPr id="4" name="Slide Number Placeholder 3"/>
+          <p:cNvSpPr>
+            <a:spLocks noGrp="1"/>
+          </p:cNvSpPr>
+          <p:nvPr>
+            <p:ph type="sldNum" sz="quarter" idx="10"/>
+          </p:nvPr>
+        </p:nvSpPr>
+        <p:spPr/>
+        <p:txBody>
+          <a:bodyPr/>
+          <a:lstStyle/>
+          <a:p>
+            <a:pPr>
+              <a:defRPr/>
+            </a:pPr>
+            <a:fld id="{4B68A8C2-9CD2-406D-99DF-30C836CC7831}" type="slidenum">
+              <a:rPr lang="en-US" smtClean="0"/>
+              <a:pPr>
+                <a:defRPr/>
+              </a:pPr>
+              <a:t>5</a:t>
+            </a:fld>
+            <a:endParaRPr lang="en-US"/>
+          </a:p>
+        </p:txBody>
+      </p:sp>
+    </p:spTree>
+  </p:cSld>
+  <p:clrMapOvr>
+    <a:masterClrMapping/>
+  </p:clrMapOvr>
+</p:notes>
+</file>
+
+<file path=ppt/notesSlides/notesSlide6.xml><?xml version="1.0" encoding="utf-8"?>
+<p:notes xmlns:a="http://schemas.openxmlformats.org/drawingml/2006/main" xmlns:r="http://schemas.openxmlformats.org/officeDocument/2006/relationships" xmlns:p="http://schemas.openxmlformats.org/presentationml/2006/main">
+  <p:cSld>
+    <p:spTree>
+      <p:nvGrpSpPr>
+        <p:cNvPr id="1" name=""/>
+        <p:cNvGrpSpPr/>
+        <p:nvPr/>
+      </p:nvGrpSpPr>
+      <p:grpSpPr>
+        <a:xfrm>
+          <a:off x="0" y="0"/>
+          <a:ext cx="0" cy="0"/>
+          <a:chOff x="0" y="0"/>
+          <a:chExt cx="0" cy="0"/>
+        </a:xfrm>
+      </p:grpSpPr>
+      <p:sp>
+        <p:nvSpPr>
+          <p:cNvPr id="2" name="Slide Image Placeholder 1"/>
+          <p:cNvSpPr>
+            <a:spLocks noGrp="1" noRot="1" noChangeAspect="1"/>
+          </p:cNvSpPr>
+          <p:nvPr>
+            <p:ph type="sldImg"/>
+          </p:nvPr>
+        </p:nvSpPr>
+        <p:spPr/>
+      </p:sp>
+      <p:sp>
+        <p:nvSpPr>
+          <p:cNvPr id="3" name="Notes Placeholder 2"/>
+          <p:cNvSpPr>
+            <a:spLocks noGrp="1"/>
+          </p:cNvSpPr>
+          <p:nvPr>
+            <p:ph type="body" idx="1"/>
+          </p:nvPr>
+        </p:nvSpPr>
+        <p:spPr/>
+        <p:txBody>
+          <a:bodyPr>
+            <a:normAutofit/>
+          </a:bodyPr>
+          <a:lstStyle/>
+          <a:p>
+            <a:endParaRPr lang="en-US"/>
+          </a:p>
+        </p:txBody>
+      </p:sp>
+      <p:sp>
+        <p:nvSpPr>
+          <p:cNvPr id="4" name="Slide Number Placeholder 3"/>
+          <p:cNvSpPr>
+            <a:spLocks noGrp="1"/>
+          </p:cNvSpPr>
+          <p:nvPr>
+            <p:ph type="sldNum" sz="quarter" idx="10"/>
+          </p:nvPr>
+        </p:nvSpPr>
+        <p:spPr/>
+        <p:txBody>
+          <a:bodyPr/>
+          <a:lstStyle/>
+          <a:p>
+            <a:pPr>
+              <a:defRPr/>
+            </a:pPr>
+            <a:fld id="{4B68A8C2-9CD2-406D-99DF-30C836CC7831}" type="slidenum">
+              <a:rPr lang="en-US" smtClean="0"/>
+              <a:pPr>
+                <a:defRPr/>
+              </a:pPr>
+              <a:t>6</a:t>
+            </a:fld>
+            <a:endParaRPr lang="en-US"/>
+          </a:p>
+        </p:txBody>
+      </p:sp>
+    </p:spTree>
+  </p:cSld>
+  <p:clrMapOvr>
+    <a:masterClrMapping/>
+  </p:clrMapOvr>
+</p:notes>
+</file>
+
+<file path=ppt/notesSlides/notesSlide7.xml><?xml version="1.0" encoding="utf-8"?>
+<p:notes xmlns:a="http://schemas.openxmlformats.org/drawingml/2006/main" xmlns:r="http://schemas.openxmlformats.org/officeDocument/2006/relationships" xmlns:p="http://schemas.openxmlformats.org/presentationml/2006/main">
+  <p:cSld>
+    <p:spTree>
+      <p:nvGrpSpPr>
+        <p:cNvPr id="1" name=""/>
+        <p:cNvGrpSpPr/>
+        <p:nvPr/>
+      </p:nvGrpSpPr>
+      <p:grpSpPr>
+        <a:xfrm>
+          <a:off x="0" y="0"/>
+          <a:ext cx="0" cy="0"/>
+          <a:chOff x="0" y="0"/>
+          <a:chExt cx="0" cy="0"/>
+        </a:xfrm>
+      </p:grpSpPr>
+      <p:sp>
+        <p:nvSpPr>
+          <p:cNvPr id="2" name="Slide Image Placeholder 1"/>
+          <p:cNvSpPr>
+            <a:spLocks noGrp="1" noRot="1" noChangeAspect="1"/>
+          </p:cNvSpPr>
+          <p:nvPr>
+            <p:ph type="sldImg"/>
+          </p:nvPr>
+        </p:nvSpPr>
+        <p:spPr/>
+      </p:sp>
+      <p:sp>
+        <p:nvSpPr>
+          <p:cNvPr id="3" name="Notes Placeholder 2"/>
+          <p:cNvSpPr>
+            <a:spLocks noGrp="1"/>
+          </p:cNvSpPr>
+          <p:nvPr>
+            <p:ph type="body" idx="1"/>
+          </p:nvPr>
+        </p:nvSpPr>
+        <p:spPr/>
+        <p:txBody>
+          <a:bodyPr>
+            <a:normAutofit/>
+          </a:bodyPr>
+          <a:lstStyle/>
+          <a:p>
+            <a:endParaRPr lang="en-US"/>
+          </a:p>
+        </p:txBody>
+      </p:sp>
+      <p:sp>
+        <p:nvSpPr>
+          <p:cNvPr id="4" name="Slide Number Placeholder 3"/>
+          <p:cNvSpPr>
+            <a:spLocks noGrp="1"/>
+          </p:cNvSpPr>
+          <p:nvPr>
+            <p:ph type="sldNum" sz="quarter" idx="10"/>
+          </p:nvPr>
+        </p:nvSpPr>
+        <p:spPr/>
+        <p:txBody>
+          <a:bodyPr/>
+          <a:lstStyle/>
+          <a:p>
+            <a:pPr>
+              <a:defRPr/>
+            </a:pPr>
+            <a:fld id="{4B68A8C2-9CD2-406D-99DF-30C836CC7831}" type="slidenum">
+              <a:rPr lang="en-US" smtClean="0"/>
+              <a:pPr>
+                <a:defRPr/>
+              </a:pPr>
+              <a:t>7</a:t>
+            </a:fld>
+            <a:endParaRPr lang="en-US"/>
+          </a:p>
+        </p:txBody>
+      </p:sp>
+    </p:spTree>
+  </p:cSld>
+  <p:clrMapOvr>
+    <a:masterClrMapping/>
+  </p:clrMapOvr>
+</p:notes>
+</file>
+
+<file path=ppt/notesSlides/notesSlide8.xml><?xml version="1.0" encoding="utf-8"?>
+<p:notes xmlns:a="http://schemas.openxmlformats.org/drawingml/2006/main" xmlns:r="http://schemas.openxmlformats.org/officeDocument/2006/relationships" xmlns:p="http://schemas.openxmlformats.org/presentationml/2006/main">
+  <p:cSld>
+    <p:spTree>
+      <p:nvGrpSpPr>
+        <p:cNvPr id="1" name=""/>
+        <p:cNvGrpSpPr/>
+        <p:nvPr/>
+      </p:nvGrpSpPr>
+      <p:grpSpPr>
+        <a:xfrm>
+          <a:off x="0" y="0"/>
+          <a:ext cx="0" cy="0"/>
+          <a:chOff x="0" y="0"/>
+          <a:chExt cx="0" cy="0"/>
+        </a:xfrm>
+      </p:grpSpPr>
+      <p:sp>
+        <p:nvSpPr>
+          <p:cNvPr id="2" name="Slide Image Placeholder 1"/>
+          <p:cNvSpPr>
+            <a:spLocks noGrp="1" noRot="1" noChangeAspect="1"/>
+          </p:cNvSpPr>
+          <p:nvPr>
+            <p:ph type="sldImg"/>
+          </p:nvPr>
+        </p:nvSpPr>
+        <p:spPr/>
+      </p:sp>
+      <p:sp>
+        <p:nvSpPr>
+          <p:cNvPr id="3" name="Notes Placeholder 2"/>
+          <p:cNvSpPr>
+            <a:spLocks noGrp="1"/>
+          </p:cNvSpPr>
+          <p:nvPr>
+            <p:ph type="body" idx="1"/>
+          </p:nvPr>
+        </p:nvSpPr>
+        <p:spPr/>
+        <p:txBody>
+          <a:bodyPr>
+            <a:normAutofit/>
+          </a:bodyPr>
+          <a:lstStyle/>
+          <a:p>
+            <a:endParaRPr lang="en-US"/>
+          </a:p>
+        </p:txBody>
+      </p:sp>
+      <p:sp>
+        <p:nvSpPr>
+          <p:cNvPr id="4" name="Slide Number Placeholder 3"/>
+          <p:cNvSpPr>
+            <a:spLocks noGrp="1"/>
+          </p:cNvSpPr>
+          <p:nvPr>
+            <p:ph type="sldNum" sz="quarter" idx="10"/>
+          </p:nvPr>
+        </p:nvSpPr>
+        <p:spPr/>
+        <p:txBody>
+          <a:bodyPr/>
+          <a:lstStyle/>
+          <a:p>
+            <a:pPr>
+              <a:defRPr/>
+            </a:pPr>
+            <a:fld id="{4B68A8C2-9CD2-406D-99DF-30C836CC7831}" type="slidenum">
+              <a:rPr lang="en-US" smtClean="0"/>
+              <a:pPr>
+                <a:defRPr/>
+              </a:pPr>
+              <a:t>8</a:t>
+            </a:fld>
+            <a:endParaRPr lang="en-US"/>
+          </a:p>
+        </p:txBody>
+      </p:sp>
+    </p:spTree>
+  </p:cSld>
+  <p:clrMapOvr>
+    <a:masterClrMapping/>
+  </p:clrMapOvr>
+</p:notes>
+</file>
+
+<file path=ppt/notesSlides/notesSlide9.xml><?xml version="1.0" encoding="utf-8"?>
+<p:notes xmlns:a="http://schemas.openxmlformats.org/drawingml/2006/main" xmlns:r="http://schemas.openxmlformats.org/officeDocument/2006/relationships" xmlns:p="http://schemas.openxmlformats.org/presentationml/2006/main">
+  <p:cSld>
+    <p:spTree>
+      <p:nvGrpSpPr>
+        <p:cNvPr id="1" name=""/>
+        <p:cNvGrpSpPr/>
+        <p:nvPr/>
+      </p:nvGrpSpPr>
+      <p:grpSpPr>
+        <a:xfrm>
+          <a:off x="0" y="0"/>
+          <a:ext cx="0" cy="0"/>
+          <a:chOff x="0" y="0"/>
+          <a:chExt cx="0" cy="0"/>
+        </a:xfrm>
+      </p:grpSpPr>
+      <p:sp>
+        <p:nvSpPr>
+          <p:cNvPr id="2" name="Slide Image Placeholder 1"/>
+          <p:cNvSpPr>
+            <a:spLocks noGrp="1" noRot="1" noChangeAspect="1"/>
+          </p:cNvSpPr>
+          <p:nvPr>
+            <p:ph type="sldImg"/>
+          </p:nvPr>
+        </p:nvSpPr>
+        <p:spPr/>
+      </p:sp>
+      <p:sp>
+        <p:nvSpPr>
+          <p:cNvPr id="3" name="Notes Placeholder 2"/>
+          <p:cNvSpPr>
+            <a:spLocks noGrp="1"/>
+          </p:cNvSpPr>
+          <p:nvPr>
+            <p:ph type="body" idx="1"/>
+          </p:nvPr>
+        </p:nvSpPr>
+        <p:spPr/>
+        <p:txBody>
+          <a:bodyPr>
+            <a:normAutofit/>
+          </a:bodyPr>
+          <a:lstStyle/>
+          <a:p>
+            <a:endParaRPr lang="en-US"/>
+          </a:p>
+        </p:txBody>
+      </p:sp>
+      <p:sp>
+        <p:nvSpPr>
+          <p:cNvPr id="4" name="Slide Number Placeholder 3"/>
+          <p:cNvSpPr>
+            <a:spLocks noGrp="1"/>
+          </p:cNvSpPr>
+          <p:nvPr>
+            <p:ph type="sldNum" sz="quarter" idx="10"/>
+          </p:nvPr>
+        </p:nvSpPr>
+        <p:spPr/>
+        <p:txBody>
+          <a:bodyPr/>
+          <a:lstStyle/>
+          <a:p>
+            <a:pPr>
+              <a:defRPr/>
+            </a:pPr>
+            <a:fld id="{4B68A8C2-9CD2-406D-99DF-30C836CC7831}" type="slidenum">
+              <a:rPr lang="en-US" smtClean="0"/>
+              <a:pPr>
+                <a:defRPr/>
+              </a:pPr>
+              <a:t>9</a:t>
+            </a:fld>
+            <a:endParaRPr lang="en-US"/>
           </a:p>
         </p:txBody>
       </p:sp>
@@ -1181,7 +2137,7 @@
           <p:nvPr userDrawn="1"/>
         </p:nvPicPr>
         <p:blipFill>
-          <a:blip r:embed="rId2"/>
+          <a:blip r:embed="rId2" cstate="print"/>
           <a:srcRect/>
           <a:stretch>
             <a:fillRect/>
@@ -1376,7 +2332,7 @@
               <a:pPr>
                 <a:defRPr/>
               </a:pPr>
-              <a:t>Wednesday, November 11, 2009</a:t>
+              <a:t>Thursday, November 12, 2009</a:t>
             </a:fld>
             <a:endParaRPr lang="en-US" dirty="0"/>
           </a:p>
@@ -1632,7 +2588,7 @@
               <a:pPr>
                 <a:defRPr/>
               </a:pPr>
-              <a:t>Wednesday, November 11, 2009</a:t>
+              <a:t>Thursday, November 12, 2009</a:t>
             </a:fld>
             <a:endParaRPr lang="en-US" dirty="0"/>
           </a:p>
@@ -2606,7 +3562,7 @@
               <a:pPr>
                 <a:defRPr/>
               </a:pPr>
-              <a:t>Wednesday, November 11, 2009</a:t>
+              <a:t>Thursday, November 12, 2009</a:t>
             </a:fld>
             <a:endParaRPr lang="en-US" dirty="0"/>
           </a:p>
@@ -3267,38 +4223,6 @@
           </a:p>
         </p:txBody>
       </p:sp>
-      <p:pic>
-        <p:nvPicPr>
-          <p:cNvPr id="16387" name="Picture 4"/>
-          <p:cNvPicPr>
-            <a:picLocks noChangeAspect="1" noChangeArrowheads="1"/>
-          </p:cNvPicPr>
-          <p:nvPr/>
-        </p:nvPicPr>
-        <p:blipFill>
-          <a:blip r:embed="rId2"/>
-          <a:srcRect/>
-          <a:stretch>
-            <a:fillRect/>
-          </a:stretch>
-        </p:blipFill>
-        <p:spPr bwMode="auto">
-          <a:xfrm>
-            <a:off x="4495800" y="1676400"/>
-            <a:ext cx="4486275" cy="4152900"/>
-          </a:xfrm>
-          <a:prstGeom prst="rect">
-            <a:avLst/>
-          </a:prstGeom>
-          <a:noFill/>
-          <a:ln w="9525">
-            <a:noFill/>
-            <a:miter lim="800000"/>
-            <a:headEnd/>
-            <a:tailEnd/>
-          </a:ln>
-        </p:spPr>
-      </p:pic>
     </p:spTree>
   </p:cSld>
   <p:clrMapOvr>
@@ -3379,8 +4303,8 @@
         </p:nvSpPr>
         <p:spPr>
           <a:xfrm>
-            <a:off x="304800" y="1554163"/>
-            <a:ext cx="4114800" cy="4525962"/>
+            <a:off x="304800" y="1676399"/>
+            <a:ext cx="4114800" cy="4403725"/>
           </a:xfrm>
         </p:spPr>
         <p:txBody>
@@ -3393,10 +4317,10 @@
               </a:lnSpc>
             </a:pPr>
             <a:r>
-              <a:rPr lang="en-US" altLang="zh-TW" sz="1800" smtClean="0">
+              <a:rPr lang="en-US" altLang="zh-TW" sz="2000" dirty="0" smtClean="0">
                 <a:ea typeface="新細明體" charset="-120"/>
               </a:rPr>
-              <a:t>Wireless over TCP/IP</a:t>
+              <a:t>Ability to develop WinCE network program with OOSD. </a:t>
             </a:r>
           </a:p>
           <a:p>
@@ -3406,10 +4330,29 @@
               </a:lnSpc>
             </a:pPr>
             <a:r>
-              <a:rPr lang="en-US" altLang="zh-TW" sz="1600" smtClean="0">
+              <a:rPr lang="en-US" altLang="zh-TW" sz="1800" dirty="0" smtClean="0">
                 <a:ea typeface="新細明體" charset="-120"/>
               </a:rPr>
-              <a:t>Adopt wireless on WinCE embedded system for remote control. Therefore, the robot can be easily deployed.</a:t>
+              <a:t>Robot </a:t>
+            </a:r>
+            <a:r>
+              <a:rPr lang="en-US" altLang="zh-TW" sz="1800" dirty="0" smtClean="0">
+                <a:ea typeface="新細明體" charset="-120"/>
+              </a:rPr>
+              <a:t>can be easily deployed.</a:t>
+            </a:r>
+          </a:p>
+          <a:p>
+            <a:pPr>
+              <a:lnSpc>
+                <a:spcPct val="80000"/>
+              </a:lnSpc>
+            </a:pPr>
+            <a:r>
+              <a:rPr lang="en-US" altLang="zh-TW" sz="1800" dirty="0" smtClean="0">
+                <a:ea typeface="新細明體" charset="-120"/>
+              </a:rPr>
+              <a:t>Ability to customize communication protocols</a:t>
             </a:r>
           </a:p>
           <a:p>
@@ -3419,11 +4362,14 @@
               </a:lnSpc>
             </a:pPr>
             <a:r>
-              <a:rPr lang="en-US" altLang="zh-TW" sz="1600" smtClean="0">
+              <a:rPr lang="en-US" altLang="zh-TW" sz="1800" dirty="0" smtClean="0">
                 <a:ea typeface="新細明體" charset="-120"/>
               </a:rPr>
-              <a:t>Ability to develop WinCE network program with OOSD. </a:t>
-            </a:r>
+              <a:t>Easy to extend.</a:t>
+            </a:r>
+            <a:endParaRPr lang="en-US" altLang="zh-TW" sz="1800" dirty="0" smtClean="0">
+              <a:ea typeface="新細明體" charset="-120"/>
+            </a:endParaRPr>
           </a:p>
           <a:p>
             <a:pPr>
@@ -3432,10 +4378,10 @@
               </a:lnSpc>
             </a:pPr>
             <a:r>
-              <a:rPr lang="en-US" altLang="zh-TW" sz="1800" smtClean="0">
+              <a:rPr lang="en-US" altLang="zh-TW" sz="1800" dirty="0" smtClean="0">
                 <a:ea typeface="新細明體" charset="-120"/>
               </a:rPr>
-              <a:t>Customized communication protocols</a:t>
+              <a:t>Proven robot’s driving functions in embedded computer with manual control without host.</a:t>
             </a:r>
           </a:p>
           <a:p>
@@ -3445,10 +4391,26 @@
               </a:lnSpc>
             </a:pPr>
             <a:r>
-              <a:rPr lang="en-US" altLang="zh-TW" sz="1600" smtClean="0">
+              <a:rPr lang="en-US" altLang="zh-TW" sz="1800" dirty="0" smtClean="0">
                 <a:ea typeface="新細明體" charset="-120"/>
               </a:rPr>
-              <a:t>Protocols between control host and robot. (TCP)</a:t>
+              <a:t>Ready to self-tests</a:t>
+            </a:r>
+            <a:endParaRPr lang="en-US" altLang="zh-TW" sz="1800" dirty="0" smtClean="0">
+              <a:ea typeface="新細明體" charset="-120"/>
+            </a:endParaRPr>
+          </a:p>
+          <a:p>
+            <a:pPr>
+              <a:lnSpc>
+                <a:spcPct val="80000"/>
+              </a:lnSpc>
+            </a:pPr>
+            <a:r>
+              <a:rPr lang="en-US" altLang="zh-TW" sz="1800" dirty="0" smtClean="0">
+                <a:ea typeface="新細明體" charset="-120"/>
+              </a:rPr>
+              <a:t>Ability to develop PLC-like (microchip) programs on driving control unit.</a:t>
             </a:r>
           </a:p>
           <a:p>
@@ -3458,11 +4420,32 @@
               </a:lnSpc>
             </a:pPr>
             <a:r>
-              <a:rPr lang="en-US" altLang="zh-TW" sz="1600" smtClean="0">
+              <a:rPr lang="en-US" altLang="zh-TW" sz="1800" dirty="0" smtClean="0">
                 <a:ea typeface="新細明體" charset="-120"/>
               </a:rPr>
-              <a:t>Protocols between embedded system and driving control unit. (RS-232)</a:t>
-            </a:r>
+              <a:t>Full control of robot movements.</a:t>
+            </a:r>
+          </a:p>
+          <a:p>
+            <a:pPr lvl="1">
+              <a:lnSpc>
+                <a:spcPct val="80000"/>
+              </a:lnSpc>
+              <a:buNone/>
+            </a:pPr>
+            <a:endParaRPr lang="en-US" altLang="zh-TW" sz="1800" dirty="0" smtClean="0">
+              <a:ea typeface="新細明體" charset="-120"/>
+            </a:endParaRPr>
+          </a:p>
+          <a:p>
+            <a:pPr lvl="1">
+              <a:lnSpc>
+                <a:spcPct val="80000"/>
+              </a:lnSpc>
+            </a:pPr>
+            <a:endParaRPr lang="en-US" altLang="zh-TW" sz="1400" dirty="0" smtClean="0">
+              <a:ea typeface="新細明體" charset="-120"/>
+            </a:endParaRPr>
           </a:p>
           <a:p>
             <a:pPr>
@@ -3470,33 +4453,7 @@
                 <a:spcPct val="80000"/>
               </a:lnSpc>
             </a:pPr>
-            <a:r>
-              <a:rPr lang="en-US" altLang="zh-TW" sz="1800" smtClean="0">
-                <a:ea typeface="新細明體" charset="-120"/>
-              </a:rPr>
-              <a:t>Ability to develop PLC-like (microchip) programs on driving control unit.</a:t>
-            </a:r>
-          </a:p>
-          <a:p>
-            <a:pPr>
-              <a:lnSpc>
-                <a:spcPct val="80000"/>
-              </a:lnSpc>
-            </a:pPr>
-            <a:r>
-              <a:rPr lang="en-US" altLang="zh-TW" sz="1800" smtClean="0">
-                <a:ea typeface="新細明體" charset="-120"/>
-              </a:rPr>
-              <a:t>Proven robot’s driving functions with manual control without host.</a:t>
-            </a:r>
-          </a:p>
-          <a:p>
-            <a:pPr>
-              <a:lnSpc>
-                <a:spcPct val="80000"/>
-              </a:lnSpc>
-            </a:pPr>
-            <a:endParaRPr lang="en-US" altLang="zh-TW" sz="1800" smtClean="0">
+            <a:endParaRPr lang="en-US" altLang="zh-TW" sz="1800" dirty="0" smtClean="0">
               <a:ea typeface="新細明體" charset="-120"/>
             </a:endParaRPr>
           </a:p>
@@ -3511,7 +4468,7 @@
           <p:nvPr/>
         </p:nvPicPr>
         <p:blipFill>
-          <a:blip r:embed="rId2"/>
+          <a:blip r:embed="rId3" cstate="print"/>
           <a:srcRect/>
           <a:stretch>
             <a:fillRect/>
@@ -3534,91 +4491,6 @@
           </a:ln>
         </p:spPr>
       </p:pic>
-    </p:spTree>
-  </p:cSld>
-  <p:clrMapOvr>
-    <a:masterClrMapping/>
-  </p:clrMapOvr>
-  <p:timing>
-    <p:tnLst>
-      <p:par>
-        <p:cTn id="1" dur="indefinite" restart="never" nodeType="tmRoot"/>
-      </p:par>
-    </p:tnLst>
-  </p:timing>
-</p:sld>
-</file>
-
-<file path=ppt/slides/slide13.xml><?xml version="1.0" encoding="utf-8"?>
-<p:sld xmlns:a="http://schemas.openxmlformats.org/drawingml/2006/main" xmlns:r="http://schemas.openxmlformats.org/officeDocument/2006/relationships" xmlns:p="http://schemas.openxmlformats.org/presentationml/2006/main">
-  <p:cSld>
-    <p:spTree>
-      <p:nvGrpSpPr>
-        <p:cNvPr id="1" name=""/>
-        <p:cNvGrpSpPr/>
-        <p:nvPr/>
-      </p:nvGrpSpPr>
-      <p:grpSpPr>
-        <a:xfrm>
-          <a:off x="0" y="0"/>
-          <a:ext cx="0" cy="0"/>
-          <a:chOff x="0" y="0"/>
-          <a:chExt cx="0" cy="0"/>
-        </a:xfrm>
-      </p:grpSpPr>
-      <p:sp>
-        <p:nvSpPr>
-          <p:cNvPr id="18433" name="Rectangle 2"/>
-          <p:cNvSpPr>
-            <a:spLocks noGrp="1"/>
-          </p:cNvSpPr>
-          <p:nvPr>
-            <p:ph type="title" idx="4294967295"/>
-          </p:nvPr>
-        </p:nvSpPr>
-        <p:spPr bwMode="auto">
-          <a:noFill/>
-        </p:spPr>
-        <p:txBody>
-          <a:bodyPr wrap="square" lIns="91440" tIns="45720" rIns="91440" bIns="45720" numCol="1" anchorCtr="0" compatLnSpc="1">
-            <a:prstTxWarp prst="textNoShape">
-              <a:avLst/>
-            </a:prstTxWarp>
-          </a:bodyPr>
-          <a:lstStyle/>
-          <a:p>
-            <a:pPr algn="ctr"/>
-            <a:r>
-              <a:rPr lang="en-US" altLang="zh-TW" cap="none" smtClean="0">
-                <a:effectLst/>
-                <a:ea typeface="新細明體" charset="-120"/>
-              </a:rPr>
-              <a:t>Future</a:t>
-            </a:r>
-          </a:p>
-        </p:txBody>
-      </p:sp>
-      <p:sp>
-        <p:nvSpPr>
-          <p:cNvPr id="18434" name="Rectangle 3"/>
-          <p:cNvSpPr>
-            <a:spLocks noGrp="1"/>
-          </p:cNvSpPr>
-          <p:nvPr>
-            <p:ph type="body" idx="4294967295"/>
-          </p:nvPr>
-        </p:nvSpPr>
-        <p:spPr/>
-        <p:txBody>
-          <a:bodyPr/>
-          <a:lstStyle/>
-          <a:p>
-            <a:endParaRPr lang="zh-TW" altLang="en-US" smtClean="0">
-              <a:ea typeface="新細明體" charset="-120"/>
-            </a:endParaRPr>
-          </a:p>
-        </p:txBody>
-      </p:sp>
     </p:spTree>
   </p:cSld>
   <p:clrMapOvr>
@@ -4029,7 +4901,7 @@
           <p:nvPr/>
         </p:nvPicPr>
         <p:blipFill>
-          <a:blip r:embed="rId2"/>
+          <a:blip r:embed="rId3" cstate="print"/>
           <a:srcRect r="29854" b="58836"/>
           <a:stretch>
             <a:fillRect/>
@@ -4137,7 +5009,7 @@
           <p:nvPr/>
         </p:nvPicPr>
         <p:blipFill>
-          <a:blip r:embed="rId3"/>
+          <a:blip r:embed="rId4" cstate="print"/>
           <a:srcRect t="8696" r="36884" b="43478"/>
           <a:stretch>
             <a:fillRect/>
@@ -5969,7 +6841,7 @@
           <p:nvPr/>
         </p:nvPicPr>
         <p:blipFill>
-          <a:blip r:embed="rId4"/>
+          <a:blip r:embed="rId5" cstate="print"/>
           <a:srcRect r="29958" b="59396"/>
           <a:stretch>
             <a:fillRect/>
@@ -6412,7 +7284,7 @@
           <p:nvPr/>
         </p:nvPicPr>
         <p:blipFill>
-          <a:blip r:embed="rId5"/>
+          <a:blip r:embed="rId6" cstate="print"/>
           <a:srcRect/>
           <a:stretch>
             <a:fillRect/>
@@ -6820,7 +7692,7 @@
           </p:nvPr>
         </p:nvPicPr>
         <p:blipFill>
-          <a:blip r:embed="rId2"/>
+          <a:blip r:embed="rId3" cstate="print"/>
           <a:srcRect l="57204" t="16837" r="12531" b="22554"/>
           <a:stretch>
             <a:fillRect/>

--- a/Documents/VentureCapital_Nick.pptx
+++ b/Documents/VentureCapital_Nick.pptx
@@ -4078,6 +4078,13 @@
   <p:clrMapOvr>
     <a:masterClrMapping/>
   </p:clrMapOvr>
+  <p:timing>
+    <p:tnLst>
+      <p:par>
+        <p:cTn id="1" dur="indefinite" restart="never" nodeType="tmRoot"/>
+      </p:par>
+    </p:tnLst>
+  </p:timing>
 </p:sld>
 </file>
 
@@ -4155,7 +4162,7 @@
           <a:lstStyle/>
           <a:p>
             <a:r>
-              <a:rPr lang="en-US" altLang="zh-TW" sz="2800" smtClean="0">
+              <a:rPr lang="en-US" altLang="zh-TW" sz="2800" dirty="0" smtClean="0">
                 <a:ea typeface="新細明體" charset="-120"/>
               </a:rPr>
               <a:t>Requirements</a:t>
@@ -4163,7 +4170,7 @@
           </a:p>
           <a:p>
             <a:r>
-              <a:rPr lang="en-US" altLang="zh-TW" sz="2800" smtClean="0">
+              <a:rPr lang="en-US" altLang="zh-TW" sz="2800" dirty="0" smtClean="0">
                 <a:ea typeface="新細明體" charset="-120"/>
               </a:rPr>
               <a:t>Architecture/Design</a:t>
@@ -4171,10 +4178,37 @@
           </a:p>
           <a:p>
             <a:r>
-              <a:rPr lang="en-US" altLang="zh-TW" sz="2800" smtClean="0">
+              <a:rPr lang="en-US" altLang="zh-TW" sz="2800" dirty="0" smtClean="0">
                 <a:ea typeface="新細明體" charset="-120"/>
               </a:rPr>
               <a:t>Technical Docs</a:t>
+            </a:r>
+          </a:p>
+          <a:p>
+            <a:pPr lvl="1"/>
+            <a:r>
+              <a:rPr lang="en-US" altLang="zh-TW" sz="2400" dirty="0" smtClean="0">
+                <a:ea typeface="新細明體" charset="-120"/>
+              </a:rPr>
+              <a:t>Code </a:t>
+            </a:r>
+          </a:p>
+          <a:p>
+            <a:pPr lvl="1"/>
+            <a:r>
+              <a:rPr lang="en-US" altLang="zh-TW" sz="2400" dirty="0" smtClean="0">
+                <a:ea typeface="新細明體" charset="-120"/>
+              </a:rPr>
+              <a:t>Algorithms</a:t>
+            </a:r>
+          </a:p>
+          <a:p>
+            <a:pPr lvl="1"/>
+            <a:r>
+              <a:rPr lang="en-US" altLang="zh-TW" sz="2400" dirty="0" smtClean="0">
+                <a:ea typeface="新細明體" charset="-120"/>
+              </a:rPr>
+              <a:t>Interfaces</a:t>
             </a:r>
           </a:p>
           <a:p>
@@ -4183,39 +4217,15 @@
               <a:rPr lang="en-US" altLang="zh-TW" sz="2400" smtClean="0">
                 <a:ea typeface="新細明體" charset="-120"/>
               </a:rPr>
-              <a:t>Code </a:t>
+              <a:t>APIs </a:t>
             </a:r>
-          </a:p>
-          <a:p>
-            <a:pPr lvl="1"/>
+            <a:endParaRPr lang="en-US" altLang="zh-TW" sz="2400" smtClean="0">
+              <a:ea typeface="新細明體" charset="-120"/>
+            </a:endParaRPr>
+          </a:p>
+          <a:p>
             <a:r>
-              <a:rPr lang="en-US" altLang="zh-TW" sz="2400" smtClean="0">
-                <a:ea typeface="新細明體" charset="-120"/>
-              </a:rPr>
-              <a:t>Algorithms</a:t>
-            </a:r>
-          </a:p>
-          <a:p>
-            <a:pPr lvl="1"/>
-            <a:r>
-              <a:rPr lang="en-US" altLang="zh-TW" sz="2400" smtClean="0">
-                <a:ea typeface="新細明體" charset="-120"/>
-              </a:rPr>
-              <a:t>Interfaces</a:t>
-            </a:r>
-          </a:p>
-          <a:p>
-            <a:pPr lvl="1"/>
-            <a:r>
-              <a:rPr lang="en-US" altLang="zh-TW" sz="2400" smtClean="0">
-                <a:ea typeface="新細明體" charset="-120"/>
-              </a:rPr>
-              <a:t>APIs. </a:t>
-            </a:r>
-          </a:p>
-          <a:p>
-            <a:r>
-              <a:rPr lang="en-US" altLang="zh-TW" sz="2800" smtClean="0">
+              <a:rPr lang="en-US" altLang="zh-TW" sz="2800" dirty="0" smtClean="0">
                 <a:ea typeface="新細明體" charset="-120"/>
               </a:rPr>
               <a:t>User Manual </a:t>
@@ -4333,13 +4343,7 @@
               <a:rPr lang="en-US" altLang="zh-TW" sz="1800" dirty="0" smtClean="0">
                 <a:ea typeface="新細明體" charset="-120"/>
               </a:rPr>
-              <a:t>Robot </a:t>
-            </a:r>
-            <a:r>
-              <a:rPr lang="en-US" altLang="zh-TW" sz="1800" dirty="0" smtClean="0">
-                <a:ea typeface="新細明體" charset="-120"/>
-              </a:rPr>
-              <a:t>can be easily deployed.</a:t>
+              <a:t>Robot can be easily deployed.</a:t>
             </a:r>
           </a:p>
           <a:p>
@@ -4367,9 +4371,6 @@
               </a:rPr>
               <a:t>Easy to extend.</a:t>
             </a:r>
-            <a:endParaRPr lang="en-US" altLang="zh-TW" sz="1800" dirty="0" smtClean="0">
-              <a:ea typeface="新細明體" charset="-120"/>
-            </a:endParaRPr>
           </a:p>
           <a:p>
             <a:pPr>
@@ -4396,9 +4397,6 @@
               </a:rPr>
               <a:t>Ready to self-tests</a:t>
             </a:r>
-            <a:endParaRPr lang="en-US" altLang="zh-TW" sz="1800" dirty="0" smtClean="0">
-              <a:ea typeface="新細明體" charset="-120"/>
-            </a:endParaRPr>
           </a:p>
           <a:p>
             <a:pPr>
@@ -4892,2528 +4890,3178 @@
           </a:p>
         </p:txBody>
       </p:sp>
-      <p:pic>
-        <p:nvPicPr>
-          <p:cNvPr id="11266" name="Picture 5" descr="third_floor_map"/>
-          <p:cNvPicPr>
-            <a:picLocks noChangeAspect="1" noChangeArrowheads="1"/>
-          </p:cNvPicPr>
+      <p:grpSp>
+        <p:nvGrpSpPr>
+          <p:cNvPr id="72" name="Group 71"/>
+          <p:cNvGrpSpPr/>
           <p:nvPr/>
-        </p:nvPicPr>
-        <p:blipFill>
-          <a:blip r:embed="rId3" cstate="print"/>
-          <a:srcRect r="29854" b="58836"/>
-          <a:stretch>
-            <a:fillRect/>
-          </a:stretch>
-        </p:blipFill>
-        <p:spPr bwMode="auto">
+        </p:nvGrpSpPr>
+        <p:grpSpPr>
           <a:xfrm>
             <a:off x="228600" y="1524000"/>
-            <a:ext cx="3200400" cy="1752600"/>
+            <a:ext cx="3276600" cy="2119313"/>
+            <a:chOff x="228600" y="1524000"/>
+            <a:chExt cx="3276600" cy="2119313"/>
           </a:xfrm>
-          <a:prstGeom prst="rect">
-            <a:avLst/>
-          </a:prstGeom>
-          <a:noFill/>
-          <a:ln w="9525">
+        </p:grpSpPr>
+        <p:pic>
+          <p:nvPicPr>
+            <p:cNvPr id="11266" name="Picture 5" descr="third_floor_map"/>
+            <p:cNvPicPr>
+              <a:picLocks noChangeAspect="1" noChangeArrowheads="1"/>
+            </p:cNvPicPr>
+            <p:nvPr/>
+          </p:nvPicPr>
+          <p:blipFill>
+            <a:blip r:embed="rId3" cstate="print"/>
+            <a:srcRect r="29854" b="58836"/>
+            <a:stretch>
+              <a:fillRect/>
+            </a:stretch>
+          </p:blipFill>
+          <p:spPr bwMode="auto">
+            <a:xfrm>
+              <a:off x="228600" y="1524000"/>
+              <a:ext cx="3200400" cy="1752600"/>
+            </a:xfrm>
+            <a:prstGeom prst="rect">
+              <a:avLst/>
+            </a:prstGeom>
             <a:noFill/>
-            <a:miter lim="800000"/>
-            <a:headEnd/>
-            <a:tailEnd/>
-          </a:ln>
-        </p:spPr>
-      </p:pic>
-      <p:sp>
-        <p:nvSpPr>
-          <p:cNvPr id="11267" name="Text Box 6"/>
-          <p:cNvSpPr txBox="1">
-            <a:spLocks noChangeArrowheads="1"/>
-          </p:cNvSpPr>
+            <a:ln w="9525">
+              <a:noFill/>
+              <a:miter lim="800000"/>
+              <a:headEnd/>
+              <a:tailEnd/>
+            </a:ln>
+          </p:spPr>
+        </p:pic>
+        <p:sp>
+          <p:nvSpPr>
+            <p:cNvPr id="11267" name="Text Box 6"/>
+            <p:cNvSpPr txBox="1">
+              <a:spLocks noChangeArrowheads="1"/>
+            </p:cNvSpPr>
+            <p:nvPr/>
+          </p:nvSpPr>
+          <p:spPr bwMode="auto">
+            <a:xfrm>
+              <a:off x="228600" y="3276600"/>
+              <a:ext cx="3276600" cy="366713"/>
+            </a:xfrm>
+            <a:prstGeom prst="rect">
+              <a:avLst/>
+            </a:prstGeom>
+            <a:noFill/>
+            <a:ln w="9525">
+              <a:noFill/>
+              <a:miter lim="800000"/>
+              <a:headEnd/>
+              <a:tailEnd/>
+            </a:ln>
+          </p:spPr>
+          <p:txBody>
+            <a:bodyPr>
+              <a:spAutoFit/>
+            </a:bodyPr>
+            <a:lstStyle/>
+            <a:p>
+              <a:pPr>
+                <a:spcBef>
+                  <a:spcPct val="50000"/>
+                </a:spcBef>
+              </a:pPr>
+              <a:r>
+                <a:rPr lang="en-US" altLang="zh-TW"/>
+                <a:t>Science Building – 3F (image)</a:t>
+              </a:r>
+            </a:p>
+          </p:txBody>
+        </p:sp>
+      </p:grpSp>
+      <p:grpSp>
+        <p:nvGrpSpPr>
+          <p:cNvPr id="75" name="Group 74"/>
+          <p:cNvGrpSpPr/>
           <p:nvPr/>
-        </p:nvSpPr>
-        <p:spPr bwMode="auto">
+        </p:nvGrpSpPr>
+        <p:grpSpPr>
           <a:xfrm>
-            <a:off x="228600" y="3276600"/>
-            <a:ext cx="3276600" cy="366713"/>
+            <a:off x="6096000" y="3581400"/>
+            <a:ext cx="2438400" cy="1143000"/>
+            <a:chOff x="6096000" y="3581400"/>
+            <a:chExt cx="2438400" cy="1143000"/>
           </a:xfrm>
-          <a:prstGeom prst="rect">
-            <a:avLst/>
-          </a:prstGeom>
-          <a:noFill/>
-          <a:ln w="9525">
+        </p:grpSpPr>
+        <p:sp>
+          <p:nvSpPr>
+            <p:cNvPr id="11279" name="Line 23"/>
+            <p:cNvSpPr>
+              <a:spLocks noChangeShapeType="1"/>
+            </p:cNvSpPr>
+            <p:nvPr/>
+          </p:nvSpPr>
+          <p:spPr bwMode="auto">
+            <a:xfrm>
+              <a:off x="6096000" y="3581400"/>
+              <a:ext cx="0" cy="1143000"/>
+            </a:xfrm>
+            <a:prstGeom prst="line">
+              <a:avLst/>
+            </a:prstGeom>
             <a:noFill/>
-            <a:miter lim="800000"/>
-            <a:headEnd/>
-            <a:tailEnd/>
-          </a:ln>
-        </p:spPr>
-        <p:txBody>
-          <a:bodyPr>
-            <a:spAutoFit/>
-          </a:bodyPr>
-          <a:lstStyle/>
-          <a:p>
-            <a:pPr>
-              <a:spcBef>
-                <a:spcPct val="50000"/>
-              </a:spcBef>
-            </a:pPr>
-            <a:r>
-              <a:rPr lang="en-US" altLang="zh-TW"/>
-              <a:t>Science Building – 3F (image)</a:t>
-            </a:r>
-          </a:p>
-        </p:txBody>
-      </p:sp>
-      <p:sp>
-        <p:nvSpPr>
-          <p:cNvPr id="11268" name="Line 7"/>
-          <p:cNvSpPr>
-            <a:spLocks noChangeShapeType="1"/>
-          </p:cNvSpPr>
+            <a:ln w="9525">
+              <a:solidFill>
+                <a:schemeClr val="tx1"/>
+              </a:solidFill>
+              <a:round/>
+              <a:headEnd/>
+              <a:tailEnd type="triangle" w="med" len="med"/>
+            </a:ln>
+          </p:spPr>
+          <p:txBody>
+            <a:bodyPr/>
+            <a:lstStyle/>
+            <a:p>
+              <a:endParaRPr lang="zh-TW" altLang="en-US"/>
+            </a:p>
+          </p:txBody>
+        </p:sp>
+        <p:sp>
+          <p:nvSpPr>
+            <p:cNvPr id="11280" name="Text Box 24"/>
+            <p:cNvSpPr txBox="1">
+              <a:spLocks noChangeArrowheads="1"/>
+            </p:cNvSpPr>
+            <p:nvPr/>
+          </p:nvSpPr>
+          <p:spPr bwMode="auto">
+            <a:xfrm>
+              <a:off x="6172200" y="3657600"/>
+              <a:ext cx="2362200" cy="779463"/>
+            </a:xfrm>
+            <a:prstGeom prst="rect">
+              <a:avLst/>
+            </a:prstGeom>
+            <a:noFill/>
+            <a:ln w="9525">
+              <a:noFill/>
+              <a:miter lim="800000"/>
+              <a:headEnd/>
+              <a:tailEnd/>
+            </a:ln>
+          </p:spPr>
+          <p:txBody>
+            <a:bodyPr>
+              <a:spAutoFit/>
+            </a:bodyPr>
+            <a:lstStyle/>
+            <a:p>
+              <a:pPr>
+                <a:spcBef>
+                  <a:spcPct val="50000"/>
+                </a:spcBef>
+              </a:pPr>
+              <a:r>
+                <a:rPr lang="en-US" altLang="zh-TW" dirty="0"/>
+                <a:t>Graph /</a:t>
+              </a:r>
+            </a:p>
+            <a:p>
+              <a:pPr>
+                <a:spcBef>
+                  <a:spcPct val="50000"/>
+                </a:spcBef>
+              </a:pPr>
+              <a:r>
+                <a:rPr lang="en-US" altLang="zh-TW" dirty="0"/>
+                <a:t>Path Finder</a:t>
+              </a:r>
+            </a:p>
+          </p:txBody>
+        </p:sp>
+      </p:grpSp>
+      <p:grpSp>
+        <p:nvGrpSpPr>
+          <p:cNvPr id="74" name="Group 73"/>
+          <p:cNvGrpSpPr/>
           <p:nvPr/>
-        </p:nvSpPr>
-        <p:spPr bwMode="auto">
+        </p:nvGrpSpPr>
+        <p:grpSpPr>
           <a:xfrm>
-            <a:off x="3505200" y="2667000"/>
-            <a:ext cx="1524000" cy="0"/>
+            <a:off x="5105400" y="762000"/>
+            <a:ext cx="3810000" cy="2711450"/>
+            <a:chOff x="5105400" y="762000"/>
+            <a:chExt cx="3810000" cy="2711450"/>
           </a:xfrm>
-          <a:prstGeom prst="line">
-            <a:avLst/>
-          </a:prstGeom>
-          <a:noFill/>
-          <a:ln w="9525">
+        </p:grpSpPr>
+        <p:pic>
+          <p:nvPicPr>
+            <p:cNvPr id="11269" name="Picture 9" descr="FloorPlanBoxes"/>
+            <p:cNvPicPr>
+              <a:picLocks noChangeAspect="1" noChangeArrowheads="1"/>
+            </p:cNvPicPr>
+            <p:nvPr/>
+          </p:nvPicPr>
+          <p:blipFill>
+            <a:blip r:embed="rId4" cstate="print"/>
+            <a:srcRect t="8696" r="36884" b="43478"/>
+            <a:stretch>
+              <a:fillRect/>
+            </a:stretch>
+          </p:blipFill>
+          <p:spPr bwMode="auto">
+            <a:xfrm>
+              <a:off x="5105400" y="1524000"/>
+              <a:ext cx="2362200" cy="1949450"/>
+            </a:xfrm>
+            <a:prstGeom prst="rect">
+              <a:avLst/>
+            </a:prstGeom>
+            <a:noFill/>
+            <a:ln w="9525">
+              <a:noFill/>
+              <a:miter lim="800000"/>
+              <a:headEnd/>
+              <a:tailEnd/>
+            </a:ln>
+          </p:spPr>
+        </p:pic>
+        <p:sp>
+          <p:nvSpPr>
+            <p:cNvPr id="11271" name="Line 11"/>
+            <p:cNvSpPr>
+              <a:spLocks noChangeShapeType="1"/>
+            </p:cNvSpPr>
+            <p:nvPr/>
+          </p:nvSpPr>
+          <p:spPr bwMode="auto">
+            <a:xfrm flipH="1">
+              <a:off x="7467600" y="1371600"/>
+              <a:ext cx="228600" cy="152400"/>
+            </a:xfrm>
+            <a:prstGeom prst="line">
+              <a:avLst/>
+            </a:prstGeom>
+            <a:noFill/>
+            <a:ln w="9525">
+              <a:solidFill>
+                <a:schemeClr val="tx1"/>
+              </a:solidFill>
+              <a:round/>
+              <a:headEnd/>
+              <a:tailEnd type="triangle" w="med" len="med"/>
+            </a:ln>
+          </p:spPr>
+          <p:txBody>
+            <a:bodyPr/>
+            <a:lstStyle/>
+            <a:p>
+              <a:endParaRPr lang="zh-TW" altLang="en-US"/>
+            </a:p>
+          </p:txBody>
+        </p:sp>
+        <p:sp>
+          <p:nvSpPr>
+            <p:cNvPr id="11272" name="Text Box 12"/>
+            <p:cNvSpPr txBox="1">
+              <a:spLocks noChangeArrowheads="1"/>
+            </p:cNvSpPr>
+            <p:nvPr/>
+          </p:nvSpPr>
+          <p:spPr bwMode="auto">
+            <a:xfrm>
+              <a:off x="7620000" y="1066800"/>
+              <a:ext cx="1295400" cy="366713"/>
+            </a:xfrm>
+            <a:prstGeom prst="rect">
+              <a:avLst/>
+            </a:prstGeom>
+            <a:noFill/>
+            <a:ln w="9525">
+              <a:noFill/>
+              <a:miter lim="800000"/>
+              <a:headEnd/>
+              <a:tailEnd/>
+            </a:ln>
+          </p:spPr>
+          <p:txBody>
+            <a:bodyPr>
+              <a:spAutoFit/>
+            </a:bodyPr>
+            <a:lstStyle/>
+            <a:p>
+              <a:pPr>
+                <a:spcBef>
+                  <a:spcPct val="50000"/>
+                </a:spcBef>
+              </a:pPr>
+              <a:r>
+                <a:rPr lang="en-US" altLang="zh-TW"/>
+                <a:t>wall</a:t>
+              </a:r>
+            </a:p>
+          </p:txBody>
+        </p:sp>
+        <p:sp>
+          <p:nvSpPr>
+            <p:cNvPr id="11273" name="Line 14"/>
+            <p:cNvSpPr>
+              <a:spLocks noChangeShapeType="1"/>
+            </p:cNvSpPr>
+            <p:nvPr/>
+          </p:nvSpPr>
+          <p:spPr bwMode="auto">
+            <a:xfrm flipH="1">
+              <a:off x="6934200" y="1143000"/>
+              <a:ext cx="304800" cy="685800"/>
+            </a:xfrm>
+            <a:prstGeom prst="line">
+              <a:avLst/>
+            </a:prstGeom>
+            <a:noFill/>
+            <a:ln w="9525">
+              <a:solidFill>
+                <a:schemeClr val="tx1"/>
+              </a:solidFill>
+              <a:round/>
+              <a:headEnd/>
+              <a:tailEnd type="triangle" w="med" len="med"/>
+            </a:ln>
+          </p:spPr>
+          <p:txBody>
+            <a:bodyPr/>
+            <a:lstStyle/>
+            <a:p>
+              <a:endParaRPr lang="zh-TW" altLang="en-US"/>
+            </a:p>
+          </p:txBody>
+        </p:sp>
+        <p:sp>
+          <p:nvSpPr>
+            <p:cNvPr id="11274" name="Text Box 15"/>
+            <p:cNvSpPr txBox="1">
+              <a:spLocks noChangeArrowheads="1"/>
+            </p:cNvSpPr>
+            <p:nvPr/>
+          </p:nvSpPr>
+          <p:spPr bwMode="auto">
+            <a:xfrm>
+              <a:off x="6629400" y="762000"/>
+              <a:ext cx="1143000" cy="366713"/>
+            </a:xfrm>
+            <a:prstGeom prst="rect">
+              <a:avLst/>
+            </a:prstGeom>
+            <a:noFill/>
+            <a:ln w="9525">
+              <a:noFill/>
+              <a:miter lim="800000"/>
+              <a:headEnd/>
+              <a:tailEnd/>
+            </a:ln>
+          </p:spPr>
+          <p:txBody>
+            <a:bodyPr>
+              <a:spAutoFit/>
+            </a:bodyPr>
+            <a:lstStyle/>
+            <a:p>
+              <a:pPr>
+                <a:spcBef>
+                  <a:spcPct val="50000"/>
+                </a:spcBef>
+              </a:pPr>
+              <a:r>
+                <a:rPr lang="en-US" altLang="zh-TW"/>
+                <a:t>walkable</a:t>
+              </a:r>
+            </a:p>
+          </p:txBody>
+        </p:sp>
+        <p:sp>
+          <p:nvSpPr>
+            <p:cNvPr id="11285" name="Rectangle 33"/>
+            <p:cNvSpPr>
+              <a:spLocks noChangeArrowheads="1"/>
+            </p:cNvSpPr>
+            <p:nvPr/>
+          </p:nvSpPr>
+          <p:spPr bwMode="auto">
+            <a:xfrm>
+              <a:off x="5334000" y="1676400"/>
+              <a:ext cx="228600" cy="228600"/>
+            </a:xfrm>
+            <a:prstGeom prst="rect">
+              <a:avLst/>
+            </a:prstGeom>
             <a:solidFill>
-              <a:schemeClr val="tx1"/>
+              <a:schemeClr val="accent1"/>
             </a:solidFill>
-            <a:round/>
-            <a:headEnd/>
-            <a:tailEnd type="triangle" w="med" len="med"/>
-          </a:ln>
-        </p:spPr>
-        <p:txBody>
-          <a:bodyPr/>
-          <a:lstStyle/>
-          <a:p>
-            <a:endParaRPr lang="zh-TW" altLang="en-US"/>
-          </a:p>
-        </p:txBody>
-      </p:sp>
-      <p:pic>
-        <p:nvPicPr>
-          <p:cNvPr id="11269" name="Picture 9" descr="FloorPlanBoxes"/>
-          <p:cNvPicPr>
-            <a:picLocks noChangeAspect="1" noChangeArrowheads="1"/>
-          </p:cNvPicPr>
+            <a:ln w="9525">
+              <a:solidFill>
+                <a:schemeClr val="tx1"/>
+              </a:solidFill>
+              <a:miter lim="800000"/>
+              <a:headEnd/>
+              <a:tailEnd/>
+            </a:ln>
+          </p:spPr>
+          <p:txBody>
+            <a:bodyPr wrap="none" anchor="ctr"/>
+            <a:lstStyle/>
+            <a:p>
+              <a:endParaRPr lang="zh-TW" altLang="en-US"/>
+            </a:p>
+          </p:txBody>
+        </p:sp>
+        <p:sp>
+          <p:nvSpPr>
+            <p:cNvPr id="11286" name="Text Box 32"/>
+            <p:cNvSpPr txBox="1">
+              <a:spLocks noChangeArrowheads="1"/>
+            </p:cNvSpPr>
+            <p:nvPr/>
+          </p:nvSpPr>
+          <p:spPr bwMode="auto">
+            <a:xfrm>
+              <a:off x="5334000" y="1600200"/>
+              <a:ext cx="304800" cy="366713"/>
+            </a:xfrm>
+            <a:prstGeom prst="rect">
+              <a:avLst/>
+            </a:prstGeom>
+            <a:noFill/>
+            <a:ln w="9525">
+              <a:noFill/>
+              <a:miter lim="800000"/>
+              <a:headEnd/>
+              <a:tailEnd/>
+            </a:ln>
+          </p:spPr>
+          <p:txBody>
+            <a:bodyPr>
+              <a:spAutoFit/>
+            </a:bodyPr>
+            <a:lstStyle/>
+            <a:p>
+              <a:pPr>
+                <a:spcBef>
+                  <a:spcPct val="50000"/>
+                </a:spcBef>
+              </a:pPr>
+              <a:r>
+                <a:rPr lang="en-US" altLang="zh-TW"/>
+                <a:t>s</a:t>
+              </a:r>
+            </a:p>
+          </p:txBody>
+        </p:sp>
+        <p:sp>
+          <p:nvSpPr>
+            <p:cNvPr id="11287" name="Rectangle 34"/>
+            <p:cNvSpPr>
+              <a:spLocks noChangeArrowheads="1"/>
+            </p:cNvSpPr>
+            <p:nvPr/>
+          </p:nvSpPr>
+          <p:spPr bwMode="auto">
+            <a:xfrm>
+              <a:off x="6858000" y="2895600"/>
+              <a:ext cx="228600" cy="228600"/>
+            </a:xfrm>
+            <a:prstGeom prst="rect">
+              <a:avLst/>
+            </a:prstGeom>
+            <a:solidFill>
+              <a:schemeClr val="accent1"/>
+            </a:solidFill>
+            <a:ln w="9525">
+              <a:solidFill>
+                <a:schemeClr val="tx1"/>
+              </a:solidFill>
+              <a:miter lim="800000"/>
+              <a:headEnd/>
+              <a:tailEnd/>
+            </a:ln>
+          </p:spPr>
+          <p:txBody>
+            <a:bodyPr wrap="none" anchor="ctr"/>
+            <a:lstStyle/>
+            <a:p>
+              <a:endParaRPr lang="zh-TW" altLang="en-US"/>
+            </a:p>
+          </p:txBody>
+        </p:sp>
+        <p:sp>
+          <p:nvSpPr>
+            <p:cNvPr id="11288" name="Text Box 35"/>
+            <p:cNvSpPr txBox="1">
+              <a:spLocks noChangeArrowheads="1"/>
+            </p:cNvSpPr>
+            <p:nvPr/>
+          </p:nvSpPr>
+          <p:spPr bwMode="auto">
+            <a:xfrm>
+              <a:off x="6858000" y="2819400"/>
+              <a:ext cx="304800" cy="366713"/>
+            </a:xfrm>
+            <a:prstGeom prst="rect">
+              <a:avLst/>
+            </a:prstGeom>
+            <a:noFill/>
+            <a:ln w="9525">
+              <a:noFill/>
+              <a:miter lim="800000"/>
+              <a:headEnd/>
+              <a:tailEnd/>
+            </a:ln>
+          </p:spPr>
+          <p:txBody>
+            <a:bodyPr>
+              <a:spAutoFit/>
+            </a:bodyPr>
+            <a:lstStyle/>
+            <a:p>
+              <a:pPr>
+                <a:spcBef>
+                  <a:spcPct val="50000"/>
+                </a:spcBef>
+              </a:pPr>
+              <a:r>
+                <a:rPr lang="en-US" altLang="zh-TW"/>
+                <a:t>t</a:t>
+              </a:r>
+            </a:p>
+          </p:txBody>
+        </p:sp>
+      </p:grpSp>
+      <p:grpSp>
+        <p:nvGrpSpPr>
+          <p:cNvPr id="76" name="Group 75"/>
+          <p:cNvGrpSpPr/>
           <p:nvPr/>
-        </p:nvPicPr>
-        <p:blipFill>
-          <a:blip r:embed="rId4" cstate="print"/>
-          <a:srcRect t="8696" r="36884" b="43478"/>
-          <a:stretch>
-            <a:fillRect/>
-          </a:stretch>
-        </p:blipFill>
-        <p:spPr bwMode="auto">
+        </p:nvGrpSpPr>
+        <p:grpSpPr>
           <a:xfrm>
-            <a:off x="5105400" y="1524000"/>
-            <a:ext cx="2362200" cy="1949450"/>
+            <a:off x="5410200" y="4724400"/>
+            <a:ext cx="2590800" cy="1981200"/>
+            <a:chOff x="5410200" y="4724400"/>
+            <a:chExt cx="2590800" cy="1981200"/>
           </a:xfrm>
-          <a:prstGeom prst="rect">
-            <a:avLst/>
-          </a:prstGeom>
-          <a:noFill/>
-          <a:ln w="9525">
+        </p:grpSpPr>
+        <p:sp>
+          <p:nvSpPr>
+            <p:cNvPr id="11275" name="Oval 16"/>
+            <p:cNvSpPr>
+              <a:spLocks noChangeArrowheads="1"/>
+            </p:cNvSpPr>
+            <p:nvPr/>
+          </p:nvSpPr>
+          <p:spPr bwMode="auto">
+            <a:xfrm>
+              <a:off x="5410200" y="4800600"/>
+              <a:ext cx="304800" cy="304800"/>
+            </a:xfrm>
+            <a:prstGeom prst="ellipse">
+              <a:avLst/>
+            </a:prstGeom>
+            <a:solidFill>
+              <a:schemeClr val="accent1"/>
+            </a:solidFill>
+            <a:ln w="9525">
+              <a:solidFill>
+                <a:schemeClr val="tx1"/>
+              </a:solidFill>
+              <a:round/>
+              <a:headEnd/>
+              <a:tailEnd/>
+            </a:ln>
+          </p:spPr>
+          <p:txBody>
+            <a:bodyPr wrap="none" anchor="ctr"/>
+            <a:lstStyle/>
+            <a:p>
+              <a:pPr algn="ctr"/>
+              <a:endParaRPr lang="zh-TW" altLang="en-US"/>
+            </a:p>
+          </p:txBody>
+        </p:sp>
+        <p:sp>
+          <p:nvSpPr>
+            <p:cNvPr id="11276" name="Oval 18"/>
+            <p:cNvSpPr>
+              <a:spLocks noChangeArrowheads="1"/>
+            </p:cNvSpPr>
+            <p:nvPr/>
+          </p:nvSpPr>
+          <p:spPr bwMode="auto">
+            <a:xfrm>
+              <a:off x="5943600" y="4800600"/>
+              <a:ext cx="304800" cy="304800"/>
+            </a:xfrm>
+            <a:prstGeom prst="ellipse">
+              <a:avLst/>
+            </a:prstGeom>
+            <a:solidFill>
+              <a:schemeClr val="accent1"/>
+            </a:solidFill>
+            <a:ln w="9525">
+              <a:solidFill>
+                <a:schemeClr val="tx1"/>
+              </a:solidFill>
+              <a:round/>
+              <a:headEnd/>
+              <a:tailEnd/>
+            </a:ln>
+          </p:spPr>
+          <p:txBody>
+            <a:bodyPr wrap="none" anchor="ctr"/>
+            <a:lstStyle/>
+            <a:p>
+              <a:endParaRPr lang="zh-TW" altLang="en-US"/>
+            </a:p>
+          </p:txBody>
+        </p:sp>
+        <p:sp>
+          <p:nvSpPr>
+            <p:cNvPr id="11277" name="Oval 20"/>
+            <p:cNvSpPr>
+              <a:spLocks noChangeArrowheads="1"/>
+            </p:cNvSpPr>
+            <p:nvPr/>
+          </p:nvSpPr>
+          <p:spPr bwMode="auto">
+            <a:xfrm>
+              <a:off x="5943600" y="5334000"/>
+              <a:ext cx="304800" cy="304800"/>
+            </a:xfrm>
+            <a:prstGeom prst="ellipse">
+              <a:avLst/>
+            </a:prstGeom>
+            <a:solidFill>
+              <a:schemeClr val="accent1"/>
+            </a:solidFill>
+            <a:ln w="9525">
+              <a:solidFill>
+                <a:schemeClr val="tx1"/>
+              </a:solidFill>
+              <a:round/>
+              <a:headEnd/>
+              <a:tailEnd/>
+            </a:ln>
+          </p:spPr>
+          <p:txBody>
+            <a:bodyPr wrap="none" anchor="ctr"/>
+            <a:lstStyle/>
+            <a:p>
+              <a:endParaRPr lang="zh-TW" altLang="en-US"/>
+            </a:p>
+          </p:txBody>
+        </p:sp>
+        <p:sp>
+          <p:nvSpPr>
+            <p:cNvPr id="11278" name="Oval 21"/>
+            <p:cNvSpPr>
+              <a:spLocks noChangeArrowheads="1"/>
+            </p:cNvSpPr>
+            <p:nvPr/>
+          </p:nvSpPr>
+          <p:spPr bwMode="auto">
+            <a:xfrm>
+              <a:off x="5410200" y="5334000"/>
+              <a:ext cx="304800" cy="304800"/>
+            </a:xfrm>
+            <a:prstGeom prst="ellipse">
+              <a:avLst/>
+            </a:prstGeom>
+            <a:solidFill>
+              <a:schemeClr val="accent1"/>
+            </a:solidFill>
+            <a:ln w="9525">
+              <a:solidFill>
+                <a:schemeClr val="tx1"/>
+              </a:solidFill>
+              <a:round/>
+              <a:headEnd/>
+              <a:tailEnd/>
+            </a:ln>
+          </p:spPr>
+          <p:txBody>
+            <a:bodyPr wrap="none" anchor="ctr"/>
+            <a:lstStyle/>
+            <a:p>
+              <a:endParaRPr lang="zh-TW" altLang="en-US"/>
+            </a:p>
+          </p:txBody>
+        </p:sp>
+        <p:sp>
+          <p:nvSpPr>
+            <p:cNvPr id="11281" name="Line 25"/>
+            <p:cNvSpPr>
+              <a:spLocks noChangeShapeType="1"/>
+            </p:cNvSpPr>
+            <p:nvPr/>
+          </p:nvSpPr>
+          <p:spPr bwMode="auto">
+            <a:xfrm>
+              <a:off x="5715000" y="4953000"/>
+              <a:ext cx="228600" cy="0"/>
+            </a:xfrm>
+            <a:prstGeom prst="line">
+              <a:avLst/>
+            </a:prstGeom>
             <a:noFill/>
-            <a:miter lim="800000"/>
-            <a:headEnd/>
-            <a:tailEnd/>
-          </a:ln>
-        </p:spPr>
-      </p:pic>
-      <p:sp>
-        <p:nvSpPr>
-          <p:cNvPr id="11270" name="Text Box 10"/>
-          <p:cNvSpPr txBox="1">
-            <a:spLocks noChangeArrowheads="1"/>
-          </p:cNvSpPr>
+            <a:ln w="9525">
+              <a:solidFill>
+                <a:schemeClr val="tx1"/>
+              </a:solidFill>
+              <a:round/>
+              <a:headEnd/>
+              <a:tailEnd/>
+            </a:ln>
+          </p:spPr>
+          <p:txBody>
+            <a:bodyPr/>
+            <a:lstStyle/>
+            <a:p>
+              <a:endParaRPr lang="zh-TW" altLang="en-US"/>
+            </a:p>
+          </p:txBody>
+        </p:sp>
+        <p:sp>
+          <p:nvSpPr>
+            <p:cNvPr id="11282" name="Line 27"/>
+            <p:cNvSpPr>
+              <a:spLocks noChangeShapeType="1"/>
+            </p:cNvSpPr>
+            <p:nvPr/>
+          </p:nvSpPr>
+          <p:spPr bwMode="auto">
+            <a:xfrm>
+              <a:off x="5715000" y="5486400"/>
+              <a:ext cx="228600" cy="0"/>
+            </a:xfrm>
+            <a:prstGeom prst="line">
+              <a:avLst/>
+            </a:prstGeom>
+            <a:noFill/>
+            <a:ln w="9525">
+              <a:solidFill>
+                <a:schemeClr val="tx1"/>
+              </a:solidFill>
+              <a:round/>
+              <a:headEnd/>
+              <a:tailEnd/>
+            </a:ln>
+          </p:spPr>
+          <p:txBody>
+            <a:bodyPr/>
+            <a:lstStyle/>
+            <a:p>
+              <a:endParaRPr lang="zh-TW" altLang="en-US"/>
+            </a:p>
+          </p:txBody>
+        </p:sp>
+        <p:sp>
+          <p:nvSpPr>
+            <p:cNvPr id="11283" name="Line 28"/>
+            <p:cNvSpPr>
+              <a:spLocks noChangeShapeType="1"/>
+            </p:cNvSpPr>
+            <p:nvPr/>
+          </p:nvSpPr>
+          <p:spPr bwMode="auto">
+            <a:xfrm>
+              <a:off x="5562600" y="5105400"/>
+              <a:ext cx="0" cy="228600"/>
+            </a:xfrm>
+            <a:prstGeom prst="line">
+              <a:avLst/>
+            </a:prstGeom>
+            <a:noFill/>
+            <a:ln w="9525">
+              <a:solidFill>
+                <a:schemeClr val="tx1"/>
+              </a:solidFill>
+              <a:round/>
+              <a:headEnd/>
+              <a:tailEnd/>
+            </a:ln>
+          </p:spPr>
+          <p:txBody>
+            <a:bodyPr/>
+            <a:lstStyle/>
+            <a:p>
+              <a:endParaRPr lang="zh-TW" altLang="en-US"/>
+            </a:p>
+          </p:txBody>
+        </p:sp>
+        <p:sp>
+          <p:nvSpPr>
+            <p:cNvPr id="11284" name="Line 29"/>
+            <p:cNvSpPr>
+              <a:spLocks noChangeShapeType="1"/>
+            </p:cNvSpPr>
+            <p:nvPr/>
+          </p:nvSpPr>
+          <p:spPr bwMode="auto">
+            <a:xfrm>
+              <a:off x="6096000" y="5105400"/>
+              <a:ext cx="0" cy="228600"/>
+            </a:xfrm>
+            <a:prstGeom prst="line">
+              <a:avLst/>
+            </a:prstGeom>
+            <a:noFill/>
+            <a:ln w="9525">
+              <a:solidFill>
+                <a:schemeClr val="tx1"/>
+              </a:solidFill>
+              <a:round/>
+              <a:headEnd/>
+              <a:tailEnd/>
+            </a:ln>
+          </p:spPr>
+          <p:txBody>
+            <a:bodyPr/>
+            <a:lstStyle/>
+            <a:p>
+              <a:endParaRPr lang="zh-TW" altLang="en-US"/>
+            </a:p>
+          </p:txBody>
+        </p:sp>
+        <p:sp>
+          <p:nvSpPr>
+            <p:cNvPr id="11289" name="Oval 36"/>
+            <p:cNvSpPr>
+              <a:spLocks noChangeArrowheads="1"/>
+            </p:cNvSpPr>
+            <p:nvPr/>
+          </p:nvSpPr>
+          <p:spPr bwMode="auto">
+            <a:xfrm>
+              <a:off x="5943600" y="5867400"/>
+              <a:ext cx="304800" cy="304800"/>
+            </a:xfrm>
+            <a:prstGeom prst="ellipse">
+              <a:avLst/>
+            </a:prstGeom>
+            <a:solidFill>
+              <a:schemeClr val="accent1"/>
+            </a:solidFill>
+            <a:ln w="9525">
+              <a:solidFill>
+                <a:schemeClr val="tx1"/>
+              </a:solidFill>
+              <a:round/>
+              <a:headEnd/>
+              <a:tailEnd/>
+            </a:ln>
+          </p:spPr>
+          <p:txBody>
+            <a:bodyPr wrap="none" anchor="ctr"/>
+            <a:lstStyle/>
+            <a:p>
+              <a:endParaRPr lang="zh-TW" altLang="en-US"/>
+            </a:p>
+          </p:txBody>
+        </p:sp>
+        <p:sp>
+          <p:nvSpPr>
+            <p:cNvPr id="11290" name="Oval 38"/>
+            <p:cNvSpPr>
+              <a:spLocks noChangeArrowheads="1"/>
+            </p:cNvSpPr>
+            <p:nvPr/>
+          </p:nvSpPr>
+          <p:spPr bwMode="auto">
+            <a:xfrm>
+              <a:off x="6477000" y="5867400"/>
+              <a:ext cx="304800" cy="304800"/>
+            </a:xfrm>
+            <a:prstGeom prst="ellipse">
+              <a:avLst/>
+            </a:prstGeom>
+            <a:solidFill>
+              <a:schemeClr val="accent1"/>
+            </a:solidFill>
+            <a:ln w="9525">
+              <a:solidFill>
+                <a:schemeClr val="tx1"/>
+              </a:solidFill>
+              <a:round/>
+              <a:headEnd/>
+              <a:tailEnd/>
+            </a:ln>
+          </p:spPr>
+          <p:txBody>
+            <a:bodyPr wrap="none" anchor="ctr"/>
+            <a:lstStyle/>
+            <a:p>
+              <a:endParaRPr lang="zh-TW" altLang="en-US"/>
+            </a:p>
+          </p:txBody>
+        </p:sp>
+        <p:sp>
+          <p:nvSpPr>
+            <p:cNvPr id="11291" name="Line 41"/>
+            <p:cNvSpPr>
+              <a:spLocks noChangeShapeType="1"/>
+            </p:cNvSpPr>
+            <p:nvPr/>
+          </p:nvSpPr>
+          <p:spPr bwMode="auto">
+            <a:xfrm>
+              <a:off x="6096000" y="5638800"/>
+              <a:ext cx="0" cy="228600"/>
+            </a:xfrm>
+            <a:prstGeom prst="line">
+              <a:avLst/>
+            </a:prstGeom>
+            <a:noFill/>
+            <a:ln w="9525">
+              <a:solidFill>
+                <a:schemeClr val="tx1"/>
+              </a:solidFill>
+              <a:round/>
+              <a:headEnd/>
+              <a:tailEnd/>
+            </a:ln>
+          </p:spPr>
+          <p:txBody>
+            <a:bodyPr/>
+            <a:lstStyle/>
+            <a:p>
+              <a:endParaRPr lang="zh-TW" altLang="en-US"/>
+            </a:p>
+          </p:txBody>
+        </p:sp>
+        <p:sp>
+          <p:nvSpPr>
+            <p:cNvPr id="11292" name="Line 42"/>
+            <p:cNvSpPr>
+              <a:spLocks noChangeShapeType="1"/>
+            </p:cNvSpPr>
+            <p:nvPr/>
+          </p:nvSpPr>
+          <p:spPr bwMode="auto">
+            <a:xfrm>
+              <a:off x="6248400" y="6019800"/>
+              <a:ext cx="228600" cy="0"/>
+            </a:xfrm>
+            <a:prstGeom prst="line">
+              <a:avLst/>
+            </a:prstGeom>
+            <a:noFill/>
+            <a:ln w="9525">
+              <a:solidFill>
+                <a:schemeClr val="tx1"/>
+              </a:solidFill>
+              <a:round/>
+              <a:headEnd/>
+              <a:tailEnd/>
+            </a:ln>
+          </p:spPr>
+          <p:txBody>
+            <a:bodyPr/>
+            <a:lstStyle/>
+            <a:p>
+              <a:endParaRPr lang="zh-TW" altLang="en-US"/>
+            </a:p>
+          </p:txBody>
+        </p:sp>
+        <p:sp>
+          <p:nvSpPr>
+            <p:cNvPr id="11293" name="Oval 44"/>
+            <p:cNvSpPr>
+              <a:spLocks noChangeArrowheads="1"/>
+            </p:cNvSpPr>
+            <p:nvPr/>
+          </p:nvSpPr>
+          <p:spPr bwMode="auto">
+            <a:xfrm>
+              <a:off x="7010400" y="5334000"/>
+              <a:ext cx="304800" cy="304800"/>
+            </a:xfrm>
+            <a:prstGeom prst="ellipse">
+              <a:avLst/>
+            </a:prstGeom>
+            <a:solidFill>
+              <a:schemeClr val="accent1"/>
+            </a:solidFill>
+            <a:ln w="9525">
+              <a:solidFill>
+                <a:schemeClr val="tx1"/>
+              </a:solidFill>
+              <a:round/>
+              <a:headEnd/>
+              <a:tailEnd/>
+            </a:ln>
+          </p:spPr>
+          <p:txBody>
+            <a:bodyPr wrap="none" anchor="ctr"/>
+            <a:lstStyle/>
+            <a:p>
+              <a:endParaRPr lang="zh-TW" altLang="en-US"/>
+            </a:p>
+          </p:txBody>
+        </p:sp>
+        <p:sp>
+          <p:nvSpPr>
+            <p:cNvPr id="11294" name="Oval 45"/>
+            <p:cNvSpPr>
+              <a:spLocks noChangeArrowheads="1"/>
+            </p:cNvSpPr>
+            <p:nvPr/>
+          </p:nvSpPr>
+          <p:spPr bwMode="auto">
+            <a:xfrm>
+              <a:off x="7010400" y="5867400"/>
+              <a:ext cx="304800" cy="304800"/>
+            </a:xfrm>
+            <a:prstGeom prst="ellipse">
+              <a:avLst/>
+            </a:prstGeom>
+            <a:solidFill>
+              <a:schemeClr val="accent1"/>
+            </a:solidFill>
+            <a:ln w="9525">
+              <a:solidFill>
+                <a:schemeClr val="tx1"/>
+              </a:solidFill>
+              <a:round/>
+              <a:headEnd/>
+              <a:tailEnd/>
+            </a:ln>
+          </p:spPr>
+          <p:txBody>
+            <a:bodyPr wrap="none" anchor="ctr"/>
+            <a:lstStyle/>
+            <a:p>
+              <a:endParaRPr lang="zh-TW" altLang="en-US"/>
+            </a:p>
+          </p:txBody>
+        </p:sp>
+        <p:sp>
+          <p:nvSpPr>
+            <p:cNvPr id="11295" name="Line 48"/>
+            <p:cNvSpPr>
+              <a:spLocks noChangeShapeType="1"/>
+            </p:cNvSpPr>
+            <p:nvPr/>
+          </p:nvSpPr>
+          <p:spPr bwMode="auto">
+            <a:xfrm>
+              <a:off x="7162800" y="5638800"/>
+              <a:ext cx="0" cy="228600"/>
+            </a:xfrm>
+            <a:prstGeom prst="line">
+              <a:avLst/>
+            </a:prstGeom>
+            <a:noFill/>
+            <a:ln w="9525">
+              <a:solidFill>
+                <a:schemeClr val="tx1"/>
+              </a:solidFill>
+              <a:round/>
+              <a:headEnd/>
+              <a:tailEnd/>
+            </a:ln>
+          </p:spPr>
+          <p:txBody>
+            <a:bodyPr/>
+            <a:lstStyle/>
+            <a:p>
+              <a:endParaRPr lang="zh-TW" altLang="en-US"/>
+            </a:p>
+          </p:txBody>
+        </p:sp>
+        <p:sp>
+          <p:nvSpPr>
+            <p:cNvPr id="11296" name="Line 50"/>
+            <p:cNvSpPr>
+              <a:spLocks noChangeShapeType="1"/>
+            </p:cNvSpPr>
+            <p:nvPr/>
+          </p:nvSpPr>
+          <p:spPr bwMode="auto">
+            <a:xfrm>
+              <a:off x="6781800" y="6019800"/>
+              <a:ext cx="228600" cy="0"/>
+            </a:xfrm>
+            <a:prstGeom prst="line">
+              <a:avLst/>
+            </a:prstGeom>
+            <a:noFill/>
+            <a:ln w="9525">
+              <a:solidFill>
+                <a:schemeClr val="tx1"/>
+              </a:solidFill>
+              <a:round/>
+              <a:headEnd/>
+              <a:tailEnd/>
+            </a:ln>
+          </p:spPr>
+          <p:txBody>
+            <a:bodyPr/>
+            <a:lstStyle/>
+            <a:p>
+              <a:endParaRPr lang="zh-TW" altLang="en-US"/>
+            </a:p>
+          </p:txBody>
+        </p:sp>
+        <p:sp>
+          <p:nvSpPr>
+            <p:cNvPr id="11297" name="Oval 52"/>
+            <p:cNvSpPr>
+              <a:spLocks noChangeArrowheads="1"/>
+            </p:cNvSpPr>
+            <p:nvPr/>
+          </p:nvSpPr>
+          <p:spPr bwMode="auto">
+            <a:xfrm>
+              <a:off x="6477000" y="5334000"/>
+              <a:ext cx="304800" cy="304800"/>
+            </a:xfrm>
+            <a:prstGeom prst="ellipse">
+              <a:avLst/>
+            </a:prstGeom>
+            <a:solidFill>
+              <a:schemeClr val="accent1"/>
+            </a:solidFill>
+            <a:ln w="9525">
+              <a:solidFill>
+                <a:schemeClr val="tx1"/>
+              </a:solidFill>
+              <a:round/>
+              <a:headEnd/>
+              <a:tailEnd/>
+            </a:ln>
+          </p:spPr>
+          <p:txBody>
+            <a:bodyPr wrap="none" anchor="ctr"/>
+            <a:lstStyle/>
+            <a:p>
+              <a:endParaRPr lang="zh-TW" altLang="en-US"/>
+            </a:p>
+          </p:txBody>
+        </p:sp>
+        <p:sp>
+          <p:nvSpPr>
+            <p:cNvPr id="11298" name="Oval 53"/>
+            <p:cNvSpPr>
+              <a:spLocks noChangeArrowheads="1"/>
+            </p:cNvSpPr>
+            <p:nvPr/>
+          </p:nvSpPr>
+          <p:spPr bwMode="auto">
+            <a:xfrm>
+              <a:off x="7543800" y="5867400"/>
+              <a:ext cx="304800" cy="304800"/>
+            </a:xfrm>
+            <a:prstGeom prst="ellipse">
+              <a:avLst/>
+            </a:prstGeom>
+            <a:solidFill>
+              <a:schemeClr val="accent1"/>
+            </a:solidFill>
+            <a:ln w="9525">
+              <a:solidFill>
+                <a:schemeClr val="tx1"/>
+              </a:solidFill>
+              <a:round/>
+              <a:headEnd/>
+              <a:tailEnd/>
+            </a:ln>
+          </p:spPr>
+          <p:txBody>
+            <a:bodyPr wrap="none" anchor="ctr"/>
+            <a:lstStyle/>
+            <a:p>
+              <a:endParaRPr lang="zh-TW" altLang="en-US"/>
+            </a:p>
+          </p:txBody>
+        </p:sp>
+        <p:sp>
+          <p:nvSpPr>
+            <p:cNvPr id="11299" name="Line 55"/>
+            <p:cNvSpPr>
+              <a:spLocks noChangeShapeType="1"/>
+            </p:cNvSpPr>
+            <p:nvPr/>
+          </p:nvSpPr>
+          <p:spPr bwMode="auto">
+            <a:xfrm>
+              <a:off x="7315200" y="6019800"/>
+              <a:ext cx="228600" cy="0"/>
+            </a:xfrm>
+            <a:prstGeom prst="line">
+              <a:avLst/>
+            </a:prstGeom>
+            <a:noFill/>
+            <a:ln w="9525">
+              <a:solidFill>
+                <a:schemeClr val="tx1"/>
+              </a:solidFill>
+              <a:round/>
+              <a:headEnd/>
+              <a:tailEnd/>
+            </a:ln>
+          </p:spPr>
+          <p:txBody>
+            <a:bodyPr/>
+            <a:lstStyle/>
+            <a:p>
+              <a:endParaRPr lang="zh-TW" altLang="en-US"/>
+            </a:p>
+          </p:txBody>
+        </p:sp>
+        <p:sp>
+          <p:nvSpPr>
+            <p:cNvPr id="11300" name="Oval 57"/>
+            <p:cNvSpPr>
+              <a:spLocks noChangeArrowheads="1"/>
+            </p:cNvSpPr>
+            <p:nvPr/>
+          </p:nvSpPr>
+          <p:spPr bwMode="auto">
+            <a:xfrm>
+              <a:off x="7543800" y="6400800"/>
+              <a:ext cx="304800" cy="304800"/>
+            </a:xfrm>
+            <a:prstGeom prst="ellipse">
+              <a:avLst/>
+            </a:prstGeom>
+            <a:solidFill>
+              <a:schemeClr val="accent1"/>
+            </a:solidFill>
+            <a:ln w="9525">
+              <a:solidFill>
+                <a:schemeClr val="tx1"/>
+              </a:solidFill>
+              <a:round/>
+              <a:headEnd/>
+              <a:tailEnd/>
+            </a:ln>
+          </p:spPr>
+          <p:txBody>
+            <a:bodyPr wrap="none" anchor="ctr"/>
+            <a:lstStyle/>
+            <a:p>
+              <a:endParaRPr lang="zh-TW" altLang="en-US"/>
+            </a:p>
+          </p:txBody>
+        </p:sp>
+        <p:sp>
+          <p:nvSpPr>
+            <p:cNvPr id="11301" name="Line 59"/>
+            <p:cNvSpPr>
+              <a:spLocks noChangeShapeType="1"/>
+            </p:cNvSpPr>
+            <p:nvPr/>
+          </p:nvSpPr>
+          <p:spPr bwMode="auto">
+            <a:xfrm>
+              <a:off x="7696200" y="6172200"/>
+              <a:ext cx="0" cy="228600"/>
+            </a:xfrm>
+            <a:prstGeom prst="line">
+              <a:avLst/>
+            </a:prstGeom>
+            <a:noFill/>
+            <a:ln w="9525">
+              <a:solidFill>
+                <a:schemeClr val="tx1"/>
+              </a:solidFill>
+              <a:round/>
+              <a:headEnd/>
+              <a:tailEnd/>
+            </a:ln>
+          </p:spPr>
+          <p:txBody>
+            <a:bodyPr/>
+            <a:lstStyle/>
+            <a:p>
+              <a:endParaRPr lang="zh-TW" altLang="en-US"/>
+            </a:p>
+          </p:txBody>
+        </p:sp>
+        <p:sp>
+          <p:nvSpPr>
+            <p:cNvPr id="11302" name="Oval 60"/>
+            <p:cNvSpPr>
+              <a:spLocks noChangeArrowheads="1"/>
+            </p:cNvSpPr>
+            <p:nvPr/>
+          </p:nvSpPr>
+          <p:spPr bwMode="auto">
+            <a:xfrm>
+              <a:off x="7010400" y="4800600"/>
+              <a:ext cx="304800" cy="304800"/>
+            </a:xfrm>
+            <a:prstGeom prst="ellipse">
+              <a:avLst/>
+            </a:prstGeom>
+            <a:solidFill>
+              <a:schemeClr val="accent1"/>
+            </a:solidFill>
+            <a:ln w="9525">
+              <a:solidFill>
+                <a:schemeClr val="tx1"/>
+              </a:solidFill>
+              <a:round/>
+              <a:headEnd/>
+              <a:tailEnd/>
+            </a:ln>
+          </p:spPr>
+          <p:txBody>
+            <a:bodyPr wrap="none" anchor="ctr"/>
+            <a:lstStyle/>
+            <a:p>
+              <a:endParaRPr lang="zh-TW" altLang="en-US"/>
+            </a:p>
+          </p:txBody>
+        </p:sp>
+        <p:sp>
+          <p:nvSpPr>
+            <p:cNvPr id="11303" name="Oval 61"/>
+            <p:cNvSpPr>
+              <a:spLocks noChangeArrowheads="1"/>
+            </p:cNvSpPr>
+            <p:nvPr/>
+          </p:nvSpPr>
+          <p:spPr bwMode="auto">
+            <a:xfrm>
+              <a:off x="6477000" y="4800600"/>
+              <a:ext cx="304800" cy="304800"/>
+            </a:xfrm>
+            <a:prstGeom prst="ellipse">
+              <a:avLst/>
+            </a:prstGeom>
+            <a:solidFill>
+              <a:schemeClr val="accent1"/>
+            </a:solidFill>
+            <a:ln w="9525">
+              <a:solidFill>
+                <a:schemeClr val="tx1"/>
+              </a:solidFill>
+              <a:round/>
+              <a:headEnd/>
+              <a:tailEnd/>
+            </a:ln>
+          </p:spPr>
+          <p:txBody>
+            <a:bodyPr wrap="none" anchor="ctr"/>
+            <a:lstStyle/>
+            <a:p>
+              <a:endParaRPr lang="zh-TW" altLang="en-US"/>
+            </a:p>
+          </p:txBody>
+        </p:sp>
+        <p:sp>
+          <p:nvSpPr>
+            <p:cNvPr id="11304" name="Line 62"/>
+            <p:cNvSpPr>
+              <a:spLocks noChangeShapeType="1"/>
+            </p:cNvSpPr>
+            <p:nvPr/>
+          </p:nvSpPr>
+          <p:spPr bwMode="auto">
+            <a:xfrm>
+              <a:off x="6781800" y="4953000"/>
+              <a:ext cx="228600" cy="0"/>
+            </a:xfrm>
+            <a:prstGeom prst="line">
+              <a:avLst/>
+            </a:prstGeom>
+            <a:noFill/>
+            <a:ln w="9525">
+              <a:solidFill>
+                <a:schemeClr val="tx1"/>
+              </a:solidFill>
+              <a:round/>
+              <a:headEnd/>
+              <a:tailEnd/>
+            </a:ln>
+          </p:spPr>
+          <p:txBody>
+            <a:bodyPr/>
+            <a:lstStyle/>
+            <a:p>
+              <a:endParaRPr lang="zh-TW" altLang="en-US"/>
+            </a:p>
+          </p:txBody>
+        </p:sp>
+        <p:sp>
+          <p:nvSpPr>
+            <p:cNvPr id="11305" name="Line 63"/>
+            <p:cNvSpPr>
+              <a:spLocks noChangeShapeType="1"/>
+            </p:cNvSpPr>
+            <p:nvPr/>
+          </p:nvSpPr>
+          <p:spPr bwMode="auto">
+            <a:xfrm>
+              <a:off x="6629400" y="5105400"/>
+              <a:ext cx="0" cy="228600"/>
+            </a:xfrm>
+            <a:prstGeom prst="line">
+              <a:avLst/>
+            </a:prstGeom>
+            <a:noFill/>
+            <a:ln w="9525">
+              <a:solidFill>
+                <a:schemeClr val="tx1"/>
+              </a:solidFill>
+              <a:round/>
+              <a:headEnd/>
+              <a:tailEnd/>
+            </a:ln>
+          </p:spPr>
+          <p:txBody>
+            <a:bodyPr/>
+            <a:lstStyle/>
+            <a:p>
+              <a:endParaRPr lang="zh-TW" altLang="en-US"/>
+            </a:p>
+          </p:txBody>
+        </p:sp>
+        <p:sp>
+          <p:nvSpPr>
+            <p:cNvPr id="11306" name="Line 64"/>
+            <p:cNvSpPr>
+              <a:spLocks noChangeShapeType="1"/>
+            </p:cNvSpPr>
+            <p:nvPr/>
+          </p:nvSpPr>
+          <p:spPr bwMode="auto">
+            <a:xfrm>
+              <a:off x="7162800" y="5105400"/>
+              <a:ext cx="0" cy="228600"/>
+            </a:xfrm>
+            <a:prstGeom prst="line">
+              <a:avLst/>
+            </a:prstGeom>
+            <a:noFill/>
+            <a:ln w="9525">
+              <a:solidFill>
+                <a:schemeClr val="tx1"/>
+              </a:solidFill>
+              <a:round/>
+              <a:headEnd/>
+              <a:tailEnd/>
+            </a:ln>
+          </p:spPr>
+          <p:txBody>
+            <a:bodyPr/>
+            <a:lstStyle/>
+            <a:p>
+              <a:endParaRPr lang="zh-TW" altLang="en-US"/>
+            </a:p>
+          </p:txBody>
+        </p:sp>
+        <p:sp>
+          <p:nvSpPr>
+            <p:cNvPr id="11307" name="Line 65"/>
+            <p:cNvSpPr>
+              <a:spLocks noChangeShapeType="1"/>
+            </p:cNvSpPr>
+            <p:nvPr/>
+          </p:nvSpPr>
+          <p:spPr bwMode="auto">
+            <a:xfrm>
+              <a:off x="6781800" y="5486400"/>
+              <a:ext cx="228600" cy="0"/>
+            </a:xfrm>
+            <a:prstGeom prst="line">
+              <a:avLst/>
+            </a:prstGeom>
+            <a:noFill/>
+            <a:ln w="9525">
+              <a:solidFill>
+                <a:schemeClr val="tx1"/>
+              </a:solidFill>
+              <a:round/>
+              <a:headEnd/>
+              <a:tailEnd/>
+            </a:ln>
+          </p:spPr>
+          <p:txBody>
+            <a:bodyPr/>
+            <a:lstStyle/>
+            <a:p>
+              <a:endParaRPr lang="zh-TW" altLang="en-US"/>
+            </a:p>
+          </p:txBody>
+        </p:sp>
+        <p:sp>
+          <p:nvSpPr>
+            <p:cNvPr id="11308" name="Text Box 66"/>
+            <p:cNvSpPr txBox="1">
+              <a:spLocks noChangeArrowheads="1"/>
+            </p:cNvSpPr>
+            <p:nvPr/>
+          </p:nvSpPr>
+          <p:spPr bwMode="auto">
+            <a:xfrm>
+              <a:off x="5410200" y="4724400"/>
+              <a:ext cx="304800" cy="366713"/>
+            </a:xfrm>
+            <a:prstGeom prst="rect">
+              <a:avLst/>
+            </a:prstGeom>
+            <a:noFill/>
+            <a:ln w="9525">
+              <a:noFill/>
+              <a:miter lim="800000"/>
+              <a:headEnd/>
+              <a:tailEnd/>
+            </a:ln>
+          </p:spPr>
+          <p:txBody>
+            <a:bodyPr>
+              <a:spAutoFit/>
+            </a:bodyPr>
+            <a:lstStyle/>
+            <a:p>
+              <a:pPr>
+                <a:spcBef>
+                  <a:spcPct val="50000"/>
+                </a:spcBef>
+              </a:pPr>
+              <a:r>
+                <a:rPr lang="en-US" altLang="zh-TW"/>
+                <a:t>s</a:t>
+              </a:r>
+            </a:p>
+          </p:txBody>
+        </p:sp>
+        <p:sp>
+          <p:nvSpPr>
+            <p:cNvPr id="11309" name="Text Box 67"/>
+            <p:cNvSpPr txBox="1">
+              <a:spLocks noChangeArrowheads="1"/>
+            </p:cNvSpPr>
+            <p:nvPr/>
+          </p:nvSpPr>
+          <p:spPr bwMode="auto">
+            <a:xfrm>
+              <a:off x="7620000" y="6324600"/>
+              <a:ext cx="381000" cy="366713"/>
+            </a:xfrm>
+            <a:prstGeom prst="rect">
+              <a:avLst/>
+            </a:prstGeom>
+            <a:noFill/>
+            <a:ln w="9525">
+              <a:noFill/>
+              <a:miter lim="800000"/>
+              <a:headEnd/>
+              <a:tailEnd/>
+            </a:ln>
+          </p:spPr>
+          <p:txBody>
+            <a:bodyPr>
+              <a:spAutoFit/>
+            </a:bodyPr>
+            <a:lstStyle/>
+            <a:p>
+              <a:pPr>
+                <a:spcBef>
+                  <a:spcPct val="50000"/>
+                </a:spcBef>
+              </a:pPr>
+              <a:r>
+                <a:rPr lang="en-US" altLang="zh-TW"/>
+                <a:t>t</a:t>
+              </a:r>
+            </a:p>
+          </p:txBody>
+        </p:sp>
+        <p:sp>
+          <p:nvSpPr>
+            <p:cNvPr id="11310" name="Line 68"/>
+            <p:cNvSpPr>
+              <a:spLocks noChangeShapeType="1"/>
+            </p:cNvSpPr>
+            <p:nvPr/>
+          </p:nvSpPr>
+          <p:spPr bwMode="auto">
+            <a:xfrm>
+              <a:off x="5562600" y="5105400"/>
+              <a:ext cx="0" cy="228600"/>
+            </a:xfrm>
+            <a:prstGeom prst="line">
+              <a:avLst/>
+            </a:prstGeom>
+            <a:noFill/>
+            <a:ln w="9525">
+              <a:solidFill>
+                <a:srgbClr val="FF0000"/>
+              </a:solidFill>
+              <a:round/>
+              <a:headEnd/>
+              <a:tailEnd type="triangle" w="med" len="med"/>
+            </a:ln>
+          </p:spPr>
+          <p:txBody>
+            <a:bodyPr/>
+            <a:lstStyle/>
+            <a:p>
+              <a:endParaRPr lang="zh-TW" altLang="en-US"/>
+            </a:p>
+          </p:txBody>
+        </p:sp>
+        <p:sp>
+          <p:nvSpPr>
+            <p:cNvPr id="11311" name="Line 69"/>
+            <p:cNvSpPr>
+              <a:spLocks noChangeShapeType="1"/>
+            </p:cNvSpPr>
+            <p:nvPr/>
+          </p:nvSpPr>
+          <p:spPr bwMode="auto">
+            <a:xfrm>
+              <a:off x="7696200" y="6172200"/>
+              <a:ext cx="0" cy="228600"/>
+            </a:xfrm>
+            <a:prstGeom prst="line">
+              <a:avLst/>
+            </a:prstGeom>
+            <a:noFill/>
+            <a:ln w="9525">
+              <a:solidFill>
+                <a:srgbClr val="FF0000"/>
+              </a:solidFill>
+              <a:round/>
+              <a:headEnd/>
+              <a:tailEnd type="triangle" w="med" len="med"/>
+            </a:ln>
+          </p:spPr>
+          <p:txBody>
+            <a:bodyPr/>
+            <a:lstStyle/>
+            <a:p>
+              <a:endParaRPr lang="zh-TW" altLang="en-US"/>
+            </a:p>
+          </p:txBody>
+        </p:sp>
+        <p:sp>
+          <p:nvSpPr>
+            <p:cNvPr id="11312" name="Line 70"/>
+            <p:cNvSpPr>
+              <a:spLocks noChangeShapeType="1"/>
+            </p:cNvSpPr>
+            <p:nvPr/>
+          </p:nvSpPr>
+          <p:spPr bwMode="auto">
+            <a:xfrm>
+              <a:off x="6096000" y="5638800"/>
+              <a:ext cx="0" cy="228600"/>
+            </a:xfrm>
+            <a:prstGeom prst="line">
+              <a:avLst/>
+            </a:prstGeom>
+            <a:noFill/>
+            <a:ln w="9525">
+              <a:solidFill>
+                <a:srgbClr val="FF0000"/>
+              </a:solidFill>
+              <a:round/>
+              <a:headEnd/>
+              <a:tailEnd type="triangle" w="med" len="med"/>
+            </a:ln>
+          </p:spPr>
+          <p:txBody>
+            <a:bodyPr/>
+            <a:lstStyle/>
+            <a:p>
+              <a:endParaRPr lang="zh-TW" altLang="en-US"/>
+            </a:p>
+          </p:txBody>
+        </p:sp>
+        <p:sp>
+          <p:nvSpPr>
+            <p:cNvPr id="11313" name="Line 71"/>
+            <p:cNvSpPr>
+              <a:spLocks noChangeShapeType="1"/>
+            </p:cNvSpPr>
+            <p:nvPr/>
+          </p:nvSpPr>
+          <p:spPr bwMode="auto">
+            <a:xfrm>
+              <a:off x="5715000" y="5486400"/>
+              <a:ext cx="228600" cy="0"/>
+            </a:xfrm>
+            <a:prstGeom prst="line">
+              <a:avLst/>
+            </a:prstGeom>
+            <a:noFill/>
+            <a:ln w="9525">
+              <a:solidFill>
+                <a:srgbClr val="FF0000"/>
+              </a:solidFill>
+              <a:round/>
+              <a:headEnd/>
+              <a:tailEnd type="triangle" w="med" len="med"/>
+            </a:ln>
+          </p:spPr>
+          <p:txBody>
+            <a:bodyPr/>
+            <a:lstStyle/>
+            <a:p>
+              <a:endParaRPr lang="zh-TW" altLang="en-US"/>
+            </a:p>
+          </p:txBody>
+        </p:sp>
+        <p:sp>
+          <p:nvSpPr>
+            <p:cNvPr id="11314" name="Line 72"/>
+            <p:cNvSpPr>
+              <a:spLocks noChangeShapeType="1"/>
+            </p:cNvSpPr>
+            <p:nvPr/>
+          </p:nvSpPr>
+          <p:spPr bwMode="auto">
+            <a:xfrm>
+              <a:off x="6248400" y="6019800"/>
+              <a:ext cx="228600" cy="0"/>
+            </a:xfrm>
+            <a:prstGeom prst="line">
+              <a:avLst/>
+            </a:prstGeom>
+            <a:noFill/>
+            <a:ln w="9525">
+              <a:solidFill>
+                <a:srgbClr val="FF0000"/>
+              </a:solidFill>
+              <a:round/>
+              <a:headEnd/>
+              <a:tailEnd type="triangle" w="med" len="med"/>
+            </a:ln>
+          </p:spPr>
+          <p:txBody>
+            <a:bodyPr/>
+            <a:lstStyle/>
+            <a:p>
+              <a:endParaRPr lang="zh-TW" altLang="en-US"/>
+            </a:p>
+          </p:txBody>
+        </p:sp>
+        <p:sp>
+          <p:nvSpPr>
+            <p:cNvPr id="11315" name="Line 73"/>
+            <p:cNvSpPr>
+              <a:spLocks noChangeShapeType="1"/>
+            </p:cNvSpPr>
+            <p:nvPr/>
+          </p:nvSpPr>
+          <p:spPr bwMode="auto">
+            <a:xfrm>
+              <a:off x="6781800" y="6019800"/>
+              <a:ext cx="228600" cy="0"/>
+            </a:xfrm>
+            <a:prstGeom prst="line">
+              <a:avLst/>
+            </a:prstGeom>
+            <a:noFill/>
+            <a:ln w="9525">
+              <a:solidFill>
+                <a:srgbClr val="FF0000"/>
+              </a:solidFill>
+              <a:round/>
+              <a:headEnd/>
+              <a:tailEnd type="triangle" w="med" len="med"/>
+            </a:ln>
+          </p:spPr>
+          <p:txBody>
+            <a:bodyPr/>
+            <a:lstStyle/>
+            <a:p>
+              <a:endParaRPr lang="zh-TW" altLang="en-US"/>
+            </a:p>
+          </p:txBody>
+        </p:sp>
+        <p:sp>
+          <p:nvSpPr>
+            <p:cNvPr id="11316" name="Line 74"/>
+            <p:cNvSpPr>
+              <a:spLocks noChangeShapeType="1"/>
+            </p:cNvSpPr>
+            <p:nvPr/>
+          </p:nvSpPr>
+          <p:spPr bwMode="auto">
+            <a:xfrm>
+              <a:off x="7315200" y="6019800"/>
+              <a:ext cx="228600" cy="0"/>
+            </a:xfrm>
+            <a:prstGeom prst="line">
+              <a:avLst/>
+            </a:prstGeom>
+            <a:noFill/>
+            <a:ln w="9525">
+              <a:solidFill>
+                <a:srgbClr val="FF0000"/>
+              </a:solidFill>
+              <a:round/>
+              <a:headEnd/>
+              <a:tailEnd type="triangle" w="med" len="med"/>
+            </a:ln>
+          </p:spPr>
+          <p:txBody>
+            <a:bodyPr/>
+            <a:lstStyle/>
+            <a:p>
+              <a:endParaRPr lang="zh-TW" altLang="en-US"/>
+            </a:p>
+          </p:txBody>
+        </p:sp>
+      </p:grpSp>
+      <p:grpSp>
+        <p:nvGrpSpPr>
+          <p:cNvPr id="73" name="Group 72"/>
+          <p:cNvGrpSpPr/>
           <p:nvPr/>
-        </p:nvSpPr>
-        <p:spPr bwMode="auto">
+        </p:nvGrpSpPr>
+        <p:grpSpPr>
           <a:xfrm>
             <a:off x="3276600" y="2286000"/>
-            <a:ext cx="1828800" cy="779463"/>
+            <a:ext cx="1828800" cy="1295400"/>
+            <a:chOff x="3276600" y="2286000"/>
+            <a:chExt cx="1828800" cy="1295400"/>
           </a:xfrm>
-          <a:prstGeom prst="rect">
-            <a:avLst/>
-          </a:prstGeom>
-          <a:noFill/>
-          <a:ln w="9525">
+        </p:grpSpPr>
+        <p:sp>
+          <p:nvSpPr>
+            <p:cNvPr id="11268" name="Line 7"/>
+            <p:cNvSpPr>
+              <a:spLocks noChangeShapeType="1"/>
+            </p:cNvSpPr>
+            <p:nvPr/>
+          </p:nvSpPr>
+          <p:spPr bwMode="auto">
+            <a:xfrm>
+              <a:off x="3505200" y="2667000"/>
+              <a:ext cx="1524000" cy="0"/>
+            </a:xfrm>
+            <a:prstGeom prst="line">
+              <a:avLst/>
+            </a:prstGeom>
             <a:noFill/>
-            <a:miter lim="800000"/>
-            <a:headEnd/>
-            <a:tailEnd/>
-          </a:ln>
-        </p:spPr>
-        <p:txBody>
-          <a:bodyPr>
-            <a:spAutoFit/>
-          </a:bodyPr>
-          <a:lstStyle/>
-          <a:p>
-            <a:pPr algn="ctr">
-              <a:spcBef>
-                <a:spcPct val="50000"/>
-              </a:spcBef>
-            </a:pPr>
-            <a:r>
-              <a:rPr lang="en-US" altLang="zh-TW"/>
-              <a:t>Floor Plan</a:t>
-            </a:r>
-          </a:p>
-          <a:p>
-            <a:pPr algn="ctr">
-              <a:spcBef>
-                <a:spcPct val="50000"/>
-              </a:spcBef>
-            </a:pPr>
-            <a:r>
-              <a:rPr lang="en-US" altLang="zh-TW"/>
-              <a:t>Processing</a:t>
-            </a:r>
-          </a:p>
-        </p:txBody>
-      </p:sp>
-      <p:sp>
-        <p:nvSpPr>
-          <p:cNvPr id="11271" name="Line 11"/>
-          <p:cNvSpPr>
-            <a:spLocks noChangeShapeType="1"/>
-          </p:cNvSpPr>
+            <a:ln w="9525">
+              <a:solidFill>
+                <a:schemeClr val="tx1"/>
+              </a:solidFill>
+              <a:round/>
+              <a:headEnd/>
+              <a:tailEnd type="triangle" w="med" len="med"/>
+            </a:ln>
+          </p:spPr>
+          <p:txBody>
+            <a:bodyPr/>
+            <a:lstStyle/>
+            <a:p>
+              <a:endParaRPr lang="zh-TW" altLang="en-US"/>
+            </a:p>
+          </p:txBody>
+        </p:sp>
+        <p:sp>
+          <p:nvSpPr>
+            <p:cNvPr id="11270" name="Text Box 10"/>
+            <p:cNvSpPr txBox="1">
+              <a:spLocks noChangeArrowheads="1"/>
+            </p:cNvSpPr>
+            <p:nvPr/>
+          </p:nvSpPr>
+          <p:spPr bwMode="auto">
+            <a:xfrm>
+              <a:off x="3276600" y="2286000"/>
+              <a:ext cx="1828800" cy="779463"/>
+            </a:xfrm>
+            <a:prstGeom prst="rect">
+              <a:avLst/>
+            </a:prstGeom>
+            <a:noFill/>
+            <a:ln w="9525">
+              <a:noFill/>
+              <a:miter lim="800000"/>
+              <a:headEnd/>
+              <a:tailEnd/>
+            </a:ln>
+          </p:spPr>
+          <p:txBody>
+            <a:bodyPr>
+              <a:spAutoFit/>
+            </a:bodyPr>
+            <a:lstStyle/>
+            <a:p>
+              <a:pPr algn="ctr">
+                <a:spcBef>
+                  <a:spcPct val="50000"/>
+                </a:spcBef>
+              </a:pPr>
+              <a:r>
+                <a:rPr lang="en-US" altLang="zh-TW" dirty="0"/>
+                <a:t>Floor Plan</a:t>
+              </a:r>
+            </a:p>
+            <a:p>
+              <a:pPr algn="ctr">
+                <a:spcBef>
+                  <a:spcPct val="50000"/>
+                </a:spcBef>
+              </a:pPr>
+              <a:r>
+                <a:rPr lang="en-US" altLang="zh-TW" dirty="0"/>
+                <a:t>Processing</a:t>
+              </a:r>
+            </a:p>
+          </p:txBody>
+        </p:sp>
+        <p:sp>
+          <p:nvSpPr>
+            <p:cNvPr id="11318" name="AutoShape 80" descr="UMass+-+Science+Building+-+3rd+Floor+(2)"/>
+            <p:cNvSpPr>
+              <a:spLocks noChangeAspect="1" noChangeArrowheads="1"/>
+            </p:cNvSpPr>
+            <p:nvPr/>
+          </p:nvSpPr>
+          <p:spPr bwMode="auto">
+            <a:xfrm>
+              <a:off x="4419600" y="3276600"/>
+              <a:ext cx="304800" cy="304800"/>
+            </a:xfrm>
+            <a:prstGeom prst="rect">
+              <a:avLst/>
+            </a:prstGeom>
+            <a:noFill/>
+            <a:ln w="9525">
+              <a:noFill/>
+              <a:miter lim="800000"/>
+              <a:headEnd/>
+              <a:tailEnd/>
+            </a:ln>
+          </p:spPr>
+          <p:txBody>
+            <a:bodyPr/>
+            <a:lstStyle/>
+            <a:p>
+              <a:endParaRPr lang="zh-TW" altLang="en-US"/>
+            </a:p>
+          </p:txBody>
+        </p:sp>
+      </p:grpSp>
+      <p:grpSp>
+        <p:nvGrpSpPr>
+          <p:cNvPr id="77" name="Group 76"/>
+          <p:cNvGrpSpPr/>
           <p:nvPr/>
-        </p:nvSpPr>
-        <p:spPr bwMode="auto">
-          <a:xfrm flipH="1">
-            <a:off x="7467600" y="1371600"/>
-            <a:ext cx="228600" cy="152400"/>
-          </a:xfrm>
-          <a:prstGeom prst="line">
-            <a:avLst/>
-          </a:prstGeom>
-          <a:noFill/>
-          <a:ln w="9525">
-            <a:solidFill>
-              <a:schemeClr val="tx1"/>
-            </a:solidFill>
-            <a:round/>
-            <a:headEnd/>
-            <a:tailEnd type="triangle" w="med" len="med"/>
-          </a:ln>
-        </p:spPr>
-        <p:txBody>
-          <a:bodyPr/>
-          <a:lstStyle/>
-          <a:p>
-            <a:endParaRPr lang="zh-TW" altLang="en-US"/>
-          </a:p>
-        </p:txBody>
-      </p:sp>
-      <p:sp>
-        <p:nvSpPr>
-          <p:cNvPr id="11272" name="Text Box 12"/>
-          <p:cNvSpPr txBox="1">
-            <a:spLocks noChangeArrowheads="1"/>
-          </p:cNvSpPr>
-          <p:nvPr/>
-        </p:nvSpPr>
-        <p:spPr bwMode="auto">
-          <a:xfrm>
-            <a:off x="7620000" y="1066800"/>
-            <a:ext cx="1295400" cy="366713"/>
-          </a:xfrm>
-          <a:prstGeom prst="rect">
-            <a:avLst/>
-          </a:prstGeom>
-          <a:noFill/>
-          <a:ln w="9525">
-            <a:noFill/>
-            <a:miter lim="800000"/>
-            <a:headEnd/>
-            <a:tailEnd/>
-          </a:ln>
-        </p:spPr>
-        <p:txBody>
-          <a:bodyPr>
-            <a:spAutoFit/>
-          </a:bodyPr>
-          <a:lstStyle/>
-          <a:p>
-            <a:pPr>
-              <a:spcBef>
-                <a:spcPct val="50000"/>
-              </a:spcBef>
-            </a:pPr>
-            <a:r>
-              <a:rPr lang="en-US" altLang="zh-TW"/>
-              <a:t>wall</a:t>
-            </a:r>
-          </a:p>
-        </p:txBody>
-      </p:sp>
-      <p:sp>
-        <p:nvSpPr>
-          <p:cNvPr id="11273" name="Line 14"/>
-          <p:cNvSpPr>
-            <a:spLocks noChangeShapeType="1"/>
-          </p:cNvSpPr>
-          <p:nvPr/>
-        </p:nvSpPr>
-        <p:spPr bwMode="auto">
-          <a:xfrm flipH="1">
-            <a:off x="6934200" y="1143000"/>
-            <a:ext cx="304800" cy="685800"/>
-          </a:xfrm>
-          <a:prstGeom prst="line">
-            <a:avLst/>
-          </a:prstGeom>
-          <a:noFill/>
-          <a:ln w="9525">
-            <a:solidFill>
-              <a:schemeClr val="tx1"/>
-            </a:solidFill>
-            <a:round/>
-            <a:headEnd/>
-            <a:tailEnd type="triangle" w="med" len="med"/>
-          </a:ln>
-        </p:spPr>
-        <p:txBody>
-          <a:bodyPr/>
-          <a:lstStyle/>
-          <a:p>
-            <a:endParaRPr lang="zh-TW" altLang="en-US"/>
-          </a:p>
-        </p:txBody>
-      </p:sp>
-      <p:sp>
-        <p:nvSpPr>
-          <p:cNvPr id="11274" name="Text Box 15"/>
-          <p:cNvSpPr txBox="1">
-            <a:spLocks noChangeArrowheads="1"/>
-          </p:cNvSpPr>
-          <p:nvPr/>
-        </p:nvSpPr>
-        <p:spPr bwMode="auto">
-          <a:xfrm>
-            <a:off x="6629400" y="762000"/>
-            <a:ext cx="1143000" cy="366713"/>
-          </a:xfrm>
-          <a:prstGeom prst="rect">
-            <a:avLst/>
-          </a:prstGeom>
-          <a:noFill/>
-          <a:ln w="9525">
-            <a:noFill/>
-            <a:miter lim="800000"/>
-            <a:headEnd/>
-            <a:tailEnd/>
-          </a:ln>
-        </p:spPr>
-        <p:txBody>
-          <a:bodyPr>
-            <a:spAutoFit/>
-          </a:bodyPr>
-          <a:lstStyle/>
-          <a:p>
-            <a:pPr>
-              <a:spcBef>
-                <a:spcPct val="50000"/>
-              </a:spcBef>
-            </a:pPr>
-            <a:r>
-              <a:rPr lang="en-US" altLang="zh-TW"/>
-              <a:t>walkable</a:t>
-            </a:r>
-          </a:p>
-        </p:txBody>
-      </p:sp>
-      <p:sp>
-        <p:nvSpPr>
-          <p:cNvPr id="11275" name="Oval 16"/>
-          <p:cNvSpPr>
-            <a:spLocks noChangeArrowheads="1"/>
-          </p:cNvSpPr>
-          <p:nvPr/>
-        </p:nvSpPr>
-        <p:spPr bwMode="auto">
-          <a:xfrm>
-            <a:off x="5410200" y="4800600"/>
-            <a:ext cx="304800" cy="304800"/>
-          </a:xfrm>
-          <a:prstGeom prst="ellipse">
-            <a:avLst/>
-          </a:prstGeom>
-          <a:solidFill>
-            <a:schemeClr val="accent1"/>
-          </a:solidFill>
-          <a:ln w="9525">
-            <a:solidFill>
-              <a:schemeClr val="tx1"/>
-            </a:solidFill>
-            <a:round/>
-            <a:headEnd/>
-            <a:tailEnd/>
-          </a:ln>
-        </p:spPr>
-        <p:txBody>
-          <a:bodyPr wrap="none" anchor="ctr"/>
-          <a:lstStyle/>
-          <a:p>
-            <a:pPr algn="ctr"/>
-            <a:endParaRPr lang="zh-TW" altLang="en-US"/>
-          </a:p>
-        </p:txBody>
-      </p:sp>
-      <p:sp>
-        <p:nvSpPr>
-          <p:cNvPr id="11276" name="Oval 18"/>
-          <p:cNvSpPr>
-            <a:spLocks noChangeArrowheads="1"/>
-          </p:cNvSpPr>
-          <p:nvPr/>
-        </p:nvSpPr>
-        <p:spPr bwMode="auto">
-          <a:xfrm>
-            <a:off x="5943600" y="4800600"/>
-            <a:ext cx="304800" cy="304800"/>
-          </a:xfrm>
-          <a:prstGeom prst="ellipse">
-            <a:avLst/>
-          </a:prstGeom>
-          <a:solidFill>
-            <a:schemeClr val="accent1"/>
-          </a:solidFill>
-          <a:ln w="9525">
-            <a:solidFill>
-              <a:schemeClr val="tx1"/>
-            </a:solidFill>
-            <a:round/>
-            <a:headEnd/>
-            <a:tailEnd/>
-          </a:ln>
-        </p:spPr>
-        <p:txBody>
-          <a:bodyPr wrap="none" anchor="ctr"/>
-          <a:lstStyle/>
-          <a:p>
-            <a:endParaRPr lang="zh-TW" altLang="en-US"/>
-          </a:p>
-        </p:txBody>
-      </p:sp>
-      <p:sp>
-        <p:nvSpPr>
-          <p:cNvPr id="11277" name="Oval 20"/>
-          <p:cNvSpPr>
-            <a:spLocks noChangeArrowheads="1"/>
-          </p:cNvSpPr>
-          <p:nvPr/>
-        </p:nvSpPr>
-        <p:spPr bwMode="auto">
-          <a:xfrm>
-            <a:off x="5943600" y="5334000"/>
-            <a:ext cx="304800" cy="304800"/>
-          </a:xfrm>
-          <a:prstGeom prst="ellipse">
-            <a:avLst/>
-          </a:prstGeom>
-          <a:solidFill>
-            <a:schemeClr val="accent1"/>
-          </a:solidFill>
-          <a:ln w="9525">
-            <a:solidFill>
-              <a:schemeClr val="tx1"/>
-            </a:solidFill>
-            <a:round/>
-            <a:headEnd/>
-            <a:tailEnd/>
-          </a:ln>
-        </p:spPr>
-        <p:txBody>
-          <a:bodyPr wrap="none" anchor="ctr"/>
-          <a:lstStyle/>
-          <a:p>
-            <a:endParaRPr lang="zh-TW" altLang="en-US"/>
-          </a:p>
-        </p:txBody>
-      </p:sp>
-      <p:sp>
-        <p:nvSpPr>
-          <p:cNvPr id="11278" name="Oval 21"/>
-          <p:cNvSpPr>
-            <a:spLocks noChangeArrowheads="1"/>
-          </p:cNvSpPr>
-          <p:nvPr/>
-        </p:nvSpPr>
-        <p:spPr bwMode="auto">
-          <a:xfrm>
-            <a:off x="5410200" y="5334000"/>
-            <a:ext cx="304800" cy="304800"/>
-          </a:xfrm>
-          <a:prstGeom prst="ellipse">
-            <a:avLst/>
-          </a:prstGeom>
-          <a:solidFill>
-            <a:schemeClr val="accent1"/>
-          </a:solidFill>
-          <a:ln w="9525">
-            <a:solidFill>
-              <a:schemeClr val="tx1"/>
-            </a:solidFill>
-            <a:round/>
-            <a:headEnd/>
-            <a:tailEnd/>
-          </a:ln>
-        </p:spPr>
-        <p:txBody>
-          <a:bodyPr wrap="none" anchor="ctr"/>
-          <a:lstStyle/>
-          <a:p>
-            <a:endParaRPr lang="zh-TW" altLang="en-US"/>
-          </a:p>
-        </p:txBody>
-      </p:sp>
-      <p:sp>
-        <p:nvSpPr>
-          <p:cNvPr id="11279" name="Line 23"/>
-          <p:cNvSpPr>
-            <a:spLocks noChangeShapeType="1"/>
-          </p:cNvSpPr>
-          <p:nvPr/>
-        </p:nvSpPr>
-        <p:spPr bwMode="auto">
-          <a:xfrm>
-            <a:off x="6096000" y="3581400"/>
-            <a:ext cx="0" cy="1143000"/>
-          </a:xfrm>
-          <a:prstGeom prst="line">
-            <a:avLst/>
-          </a:prstGeom>
-          <a:noFill/>
-          <a:ln w="9525">
-            <a:solidFill>
-              <a:schemeClr val="tx1"/>
-            </a:solidFill>
-            <a:round/>
-            <a:headEnd/>
-            <a:tailEnd type="triangle" w="med" len="med"/>
-          </a:ln>
-        </p:spPr>
-        <p:txBody>
-          <a:bodyPr/>
-          <a:lstStyle/>
-          <a:p>
-            <a:endParaRPr lang="zh-TW" altLang="en-US"/>
-          </a:p>
-        </p:txBody>
-      </p:sp>
-      <p:sp>
-        <p:nvSpPr>
-          <p:cNvPr id="11280" name="Text Box 24"/>
-          <p:cNvSpPr txBox="1">
-            <a:spLocks noChangeArrowheads="1"/>
-          </p:cNvSpPr>
-          <p:nvPr/>
-        </p:nvSpPr>
-        <p:spPr bwMode="auto">
-          <a:xfrm>
-            <a:off x="6172200" y="3657600"/>
-            <a:ext cx="2362200" cy="779463"/>
-          </a:xfrm>
-          <a:prstGeom prst="rect">
-            <a:avLst/>
-          </a:prstGeom>
-          <a:noFill/>
-          <a:ln w="9525">
-            <a:noFill/>
-            <a:miter lim="800000"/>
-            <a:headEnd/>
-            <a:tailEnd/>
-          </a:ln>
-        </p:spPr>
-        <p:txBody>
-          <a:bodyPr>
-            <a:spAutoFit/>
-          </a:bodyPr>
-          <a:lstStyle/>
-          <a:p>
-            <a:pPr>
-              <a:spcBef>
-                <a:spcPct val="50000"/>
-              </a:spcBef>
-            </a:pPr>
-            <a:r>
-              <a:rPr lang="en-US" altLang="zh-TW"/>
-              <a:t>Graph /</a:t>
-            </a:r>
-          </a:p>
-          <a:p>
-            <a:pPr>
-              <a:spcBef>
-                <a:spcPct val="50000"/>
-              </a:spcBef>
-            </a:pPr>
-            <a:r>
-              <a:rPr lang="en-US" altLang="zh-TW"/>
-              <a:t>Path Finder</a:t>
-            </a:r>
-          </a:p>
-        </p:txBody>
-      </p:sp>
-      <p:sp>
-        <p:nvSpPr>
-          <p:cNvPr id="11281" name="Line 25"/>
-          <p:cNvSpPr>
-            <a:spLocks noChangeShapeType="1"/>
-          </p:cNvSpPr>
-          <p:nvPr/>
-        </p:nvSpPr>
-        <p:spPr bwMode="auto">
-          <a:xfrm>
-            <a:off x="5715000" y="4953000"/>
-            <a:ext cx="228600" cy="0"/>
-          </a:xfrm>
-          <a:prstGeom prst="line">
-            <a:avLst/>
-          </a:prstGeom>
-          <a:noFill/>
-          <a:ln w="9525">
-            <a:solidFill>
-              <a:schemeClr val="tx1"/>
-            </a:solidFill>
-            <a:round/>
-            <a:headEnd/>
-            <a:tailEnd/>
-          </a:ln>
-        </p:spPr>
-        <p:txBody>
-          <a:bodyPr/>
-          <a:lstStyle/>
-          <a:p>
-            <a:endParaRPr lang="zh-TW" altLang="en-US"/>
-          </a:p>
-        </p:txBody>
-      </p:sp>
-      <p:sp>
-        <p:nvSpPr>
-          <p:cNvPr id="11282" name="Line 27"/>
-          <p:cNvSpPr>
-            <a:spLocks noChangeShapeType="1"/>
-          </p:cNvSpPr>
-          <p:nvPr/>
-        </p:nvSpPr>
-        <p:spPr bwMode="auto">
-          <a:xfrm>
-            <a:off x="5715000" y="5486400"/>
-            <a:ext cx="228600" cy="0"/>
-          </a:xfrm>
-          <a:prstGeom prst="line">
-            <a:avLst/>
-          </a:prstGeom>
-          <a:noFill/>
-          <a:ln w="9525">
-            <a:solidFill>
-              <a:schemeClr val="tx1"/>
-            </a:solidFill>
-            <a:round/>
-            <a:headEnd/>
-            <a:tailEnd/>
-          </a:ln>
-        </p:spPr>
-        <p:txBody>
-          <a:bodyPr/>
-          <a:lstStyle/>
-          <a:p>
-            <a:endParaRPr lang="zh-TW" altLang="en-US"/>
-          </a:p>
-        </p:txBody>
-      </p:sp>
-      <p:sp>
-        <p:nvSpPr>
-          <p:cNvPr id="11283" name="Line 28"/>
-          <p:cNvSpPr>
-            <a:spLocks noChangeShapeType="1"/>
-          </p:cNvSpPr>
-          <p:nvPr/>
-        </p:nvSpPr>
-        <p:spPr bwMode="auto">
-          <a:xfrm>
-            <a:off x="5562600" y="5105400"/>
-            <a:ext cx="0" cy="228600"/>
-          </a:xfrm>
-          <a:prstGeom prst="line">
-            <a:avLst/>
-          </a:prstGeom>
-          <a:noFill/>
-          <a:ln w="9525">
-            <a:solidFill>
-              <a:schemeClr val="tx1"/>
-            </a:solidFill>
-            <a:round/>
-            <a:headEnd/>
-            <a:tailEnd/>
-          </a:ln>
-        </p:spPr>
-        <p:txBody>
-          <a:bodyPr/>
-          <a:lstStyle/>
-          <a:p>
-            <a:endParaRPr lang="zh-TW" altLang="en-US"/>
-          </a:p>
-        </p:txBody>
-      </p:sp>
-      <p:sp>
-        <p:nvSpPr>
-          <p:cNvPr id="11284" name="Line 29"/>
-          <p:cNvSpPr>
-            <a:spLocks noChangeShapeType="1"/>
-          </p:cNvSpPr>
-          <p:nvPr/>
-        </p:nvSpPr>
-        <p:spPr bwMode="auto">
-          <a:xfrm>
-            <a:off x="6096000" y="5105400"/>
-            <a:ext cx="0" cy="228600"/>
-          </a:xfrm>
-          <a:prstGeom prst="line">
-            <a:avLst/>
-          </a:prstGeom>
-          <a:noFill/>
-          <a:ln w="9525">
-            <a:solidFill>
-              <a:schemeClr val="tx1"/>
-            </a:solidFill>
-            <a:round/>
-            <a:headEnd/>
-            <a:tailEnd/>
-          </a:ln>
-        </p:spPr>
-        <p:txBody>
-          <a:bodyPr/>
-          <a:lstStyle/>
-          <a:p>
-            <a:endParaRPr lang="zh-TW" altLang="en-US"/>
-          </a:p>
-        </p:txBody>
-      </p:sp>
-      <p:sp>
-        <p:nvSpPr>
-          <p:cNvPr id="11285" name="Rectangle 33"/>
-          <p:cNvSpPr>
-            <a:spLocks noChangeArrowheads="1"/>
-          </p:cNvSpPr>
-          <p:nvPr/>
-        </p:nvSpPr>
-        <p:spPr bwMode="auto">
-          <a:xfrm>
-            <a:off x="5334000" y="1676400"/>
-            <a:ext cx="228600" cy="228600"/>
-          </a:xfrm>
-          <a:prstGeom prst="rect">
-            <a:avLst/>
-          </a:prstGeom>
-          <a:solidFill>
-            <a:schemeClr val="accent1"/>
-          </a:solidFill>
-          <a:ln w="9525">
-            <a:solidFill>
-              <a:schemeClr val="tx1"/>
-            </a:solidFill>
-            <a:miter lim="800000"/>
-            <a:headEnd/>
-            <a:tailEnd/>
-          </a:ln>
-        </p:spPr>
-        <p:txBody>
-          <a:bodyPr wrap="none" anchor="ctr"/>
-          <a:lstStyle/>
-          <a:p>
-            <a:endParaRPr lang="zh-TW" altLang="en-US"/>
-          </a:p>
-        </p:txBody>
-      </p:sp>
-      <p:sp>
-        <p:nvSpPr>
-          <p:cNvPr id="11286" name="Text Box 32"/>
-          <p:cNvSpPr txBox="1">
-            <a:spLocks noChangeArrowheads="1"/>
-          </p:cNvSpPr>
-          <p:nvPr/>
-        </p:nvSpPr>
-        <p:spPr bwMode="auto">
-          <a:xfrm>
-            <a:off x="5334000" y="1600200"/>
-            <a:ext cx="304800" cy="366713"/>
-          </a:xfrm>
-          <a:prstGeom prst="rect">
-            <a:avLst/>
-          </a:prstGeom>
-          <a:noFill/>
-          <a:ln w="9525">
-            <a:noFill/>
-            <a:miter lim="800000"/>
-            <a:headEnd/>
-            <a:tailEnd/>
-          </a:ln>
-        </p:spPr>
-        <p:txBody>
-          <a:bodyPr>
-            <a:spAutoFit/>
-          </a:bodyPr>
-          <a:lstStyle/>
-          <a:p>
-            <a:pPr>
-              <a:spcBef>
-                <a:spcPct val="50000"/>
-              </a:spcBef>
-            </a:pPr>
-            <a:r>
-              <a:rPr lang="en-US" altLang="zh-TW"/>
-              <a:t>s</a:t>
-            </a:r>
-          </a:p>
-        </p:txBody>
-      </p:sp>
-      <p:sp>
-        <p:nvSpPr>
-          <p:cNvPr id="11287" name="Rectangle 34"/>
-          <p:cNvSpPr>
-            <a:spLocks noChangeArrowheads="1"/>
-          </p:cNvSpPr>
-          <p:nvPr/>
-        </p:nvSpPr>
-        <p:spPr bwMode="auto">
-          <a:xfrm>
-            <a:off x="6858000" y="2895600"/>
-            <a:ext cx="228600" cy="228600"/>
-          </a:xfrm>
-          <a:prstGeom prst="rect">
-            <a:avLst/>
-          </a:prstGeom>
-          <a:solidFill>
-            <a:schemeClr val="accent1"/>
-          </a:solidFill>
-          <a:ln w="9525">
-            <a:solidFill>
-              <a:schemeClr val="tx1"/>
-            </a:solidFill>
-            <a:miter lim="800000"/>
-            <a:headEnd/>
-            <a:tailEnd/>
-          </a:ln>
-        </p:spPr>
-        <p:txBody>
-          <a:bodyPr wrap="none" anchor="ctr"/>
-          <a:lstStyle/>
-          <a:p>
-            <a:endParaRPr lang="zh-TW" altLang="en-US"/>
-          </a:p>
-        </p:txBody>
-      </p:sp>
-      <p:sp>
-        <p:nvSpPr>
-          <p:cNvPr id="11288" name="Text Box 35"/>
-          <p:cNvSpPr txBox="1">
-            <a:spLocks noChangeArrowheads="1"/>
-          </p:cNvSpPr>
-          <p:nvPr/>
-        </p:nvSpPr>
-        <p:spPr bwMode="auto">
-          <a:xfrm>
-            <a:off x="6858000" y="2819400"/>
-            <a:ext cx="304800" cy="366713"/>
-          </a:xfrm>
-          <a:prstGeom prst="rect">
-            <a:avLst/>
-          </a:prstGeom>
-          <a:noFill/>
-          <a:ln w="9525">
-            <a:noFill/>
-            <a:miter lim="800000"/>
-            <a:headEnd/>
-            <a:tailEnd/>
-          </a:ln>
-        </p:spPr>
-        <p:txBody>
-          <a:bodyPr>
-            <a:spAutoFit/>
-          </a:bodyPr>
-          <a:lstStyle/>
-          <a:p>
-            <a:pPr>
-              <a:spcBef>
-                <a:spcPct val="50000"/>
-              </a:spcBef>
-            </a:pPr>
-            <a:r>
-              <a:rPr lang="en-US" altLang="zh-TW"/>
-              <a:t>t</a:t>
-            </a:r>
-          </a:p>
-        </p:txBody>
-      </p:sp>
-      <p:sp>
-        <p:nvSpPr>
-          <p:cNvPr id="11289" name="Oval 36"/>
-          <p:cNvSpPr>
-            <a:spLocks noChangeArrowheads="1"/>
-          </p:cNvSpPr>
-          <p:nvPr/>
-        </p:nvSpPr>
-        <p:spPr bwMode="auto">
-          <a:xfrm>
-            <a:off x="5943600" y="5867400"/>
-            <a:ext cx="304800" cy="304800"/>
-          </a:xfrm>
-          <a:prstGeom prst="ellipse">
-            <a:avLst/>
-          </a:prstGeom>
-          <a:solidFill>
-            <a:schemeClr val="accent1"/>
-          </a:solidFill>
-          <a:ln w="9525">
-            <a:solidFill>
-              <a:schemeClr val="tx1"/>
-            </a:solidFill>
-            <a:round/>
-            <a:headEnd/>
-            <a:tailEnd/>
-          </a:ln>
-        </p:spPr>
-        <p:txBody>
-          <a:bodyPr wrap="none" anchor="ctr"/>
-          <a:lstStyle/>
-          <a:p>
-            <a:endParaRPr lang="zh-TW" altLang="en-US"/>
-          </a:p>
-        </p:txBody>
-      </p:sp>
-      <p:sp>
-        <p:nvSpPr>
-          <p:cNvPr id="11290" name="Oval 38"/>
-          <p:cNvSpPr>
-            <a:spLocks noChangeArrowheads="1"/>
-          </p:cNvSpPr>
-          <p:nvPr/>
-        </p:nvSpPr>
-        <p:spPr bwMode="auto">
-          <a:xfrm>
-            <a:off x="6477000" y="5867400"/>
-            <a:ext cx="304800" cy="304800"/>
-          </a:xfrm>
-          <a:prstGeom prst="ellipse">
-            <a:avLst/>
-          </a:prstGeom>
-          <a:solidFill>
-            <a:schemeClr val="accent1"/>
-          </a:solidFill>
-          <a:ln w="9525">
-            <a:solidFill>
-              <a:schemeClr val="tx1"/>
-            </a:solidFill>
-            <a:round/>
-            <a:headEnd/>
-            <a:tailEnd/>
-          </a:ln>
-        </p:spPr>
-        <p:txBody>
-          <a:bodyPr wrap="none" anchor="ctr"/>
-          <a:lstStyle/>
-          <a:p>
-            <a:endParaRPr lang="zh-TW" altLang="en-US"/>
-          </a:p>
-        </p:txBody>
-      </p:sp>
-      <p:sp>
-        <p:nvSpPr>
-          <p:cNvPr id="11291" name="Line 41"/>
-          <p:cNvSpPr>
-            <a:spLocks noChangeShapeType="1"/>
-          </p:cNvSpPr>
-          <p:nvPr/>
-        </p:nvSpPr>
-        <p:spPr bwMode="auto">
-          <a:xfrm>
-            <a:off x="6096000" y="5638800"/>
-            <a:ext cx="0" cy="228600"/>
-          </a:xfrm>
-          <a:prstGeom prst="line">
-            <a:avLst/>
-          </a:prstGeom>
-          <a:noFill/>
-          <a:ln w="9525">
-            <a:solidFill>
-              <a:schemeClr val="tx1"/>
-            </a:solidFill>
-            <a:round/>
-            <a:headEnd/>
-            <a:tailEnd/>
-          </a:ln>
-        </p:spPr>
-        <p:txBody>
-          <a:bodyPr/>
-          <a:lstStyle/>
-          <a:p>
-            <a:endParaRPr lang="zh-TW" altLang="en-US"/>
-          </a:p>
-        </p:txBody>
-      </p:sp>
-      <p:sp>
-        <p:nvSpPr>
-          <p:cNvPr id="11292" name="Line 42"/>
-          <p:cNvSpPr>
-            <a:spLocks noChangeShapeType="1"/>
-          </p:cNvSpPr>
-          <p:nvPr/>
-        </p:nvSpPr>
-        <p:spPr bwMode="auto">
-          <a:xfrm>
-            <a:off x="6248400" y="6019800"/>
-            <a:ext cx="228600" cy="0"/>
-          </a:xfrm>
-          <a:prstGeom prst="line">
-            <a:avLst/>
-          </a:prstGeom>
-          <a:noFill/>
-          <a:ln w="9525">
-            <a:solidFill>
-              <a:schemeClr val="tx1"/>
-            </a:solidFill>
-            <a:round/>
-            <a:headEnd/>
-            <a:tailEnd/>
-          </a:ln>
-        </p:spPr>
-        <p:txBody>
-          <a:bodyPr/>
-          <a:lstStyle/>
-          <a:p>
-            <a:endParaRPr lang="zh-TW" altLang="en-US"/>
-          </a:p>
-        </p:txBody>
-      </p:sp>
-      <p:sp>
-        <p:nvSpPr>
-          <p:cNvPr id="11293" name="Oval 44"/>
-          <p:cNvSpPr>
-            <a:spLocks noChangeArrowheads="1"/>
-          </p:cNvSpPr>
-          <p:nvPr/>
-        </p:nvSpPr>
-        <p:spPr bwMode="auto">
-          <a:xfrm>
-            <a:off x="7010400" y="5334000"/>
-            <a:ext cx="304800" cy="304800"/>
-          </a:xfrm>
-          <a:prstGeom prst="ellipse">
-            <a:avLst/>
-          </a:prstGeom>
-          <a:solidFill>
-            <a:schemeClr val="accent1"/>
-          </a:solidFill>
-          <a:ln w="9525">
-            <a:solidFill>
-              <a:schemeClr val="tx1"/>
-            </a:solidFill>
-            <a:round/>
-            <a:headEnd/>
-            <a:tailEnd/>
-          </a:ln>
-        </p:spPr>
-        <p:txBody>
-          <a:bodyPr wrap="none" anchor="ctr"/>
-          <a:lstStyle/>
-          <a:p>
-            <a:endParaRPr lang="zh-TW" altLang="en-US"/>
-          </a:p>
-        </p:txBody>
-      </p:sp>
-      <p:sp>
-        <p:nvSpPr>
-          <p:cNvPr id="11294" name="Oval 45"/>
-          <p:cNvSpPr>
-            <a:spLocks noChangeArrowheads="1"/>
-          </p:cNvSpPr>
-          <p:nvPr/>
-        </p:nvSpPr>
-        <p:spPr bwMode="auto">
-          <a:xfrm>
-            <a:off x="7010400" y="5867400"/>
-            <a:ext cx="304800" cy="304800"/>
-          </a:xfrm>
-          <a:prstGeom prst="ellipse">
-            <a:avLst/>
-          </a:prstGeom>
-          <a:solidFill>
-            <a:schemeClr val="accent1"/>
-          </a:solidFill>
-          <a:ln w="9525">
-            <a:solidFill>
-              <a:schemeClr val="tx1"/>
-            </a:solidFill>
-            <a:round/>
-            <a:headEnd/>
-            <a:tailEnd/>
-          </a:ln>
-        </p:spPr>
-        <p:txBody>
-          <a:bodyPr wrap="none" anchor="ctr"/>
-          <a:lstStyle/>
-          <a:p>
-            <a:endParaRPr lang="zh-TW" altLang="en-US"/>
-          </a:p>
-        </p:txBody>
-      </p:sp>
-      <p:sp>
-        <p:nvSpPr>
-          <p:cNvPr id="11295" name="Line 48"/>
-          <p:cNvSpPr>
-            <a:spLocks noChangeShapeType="1"/>
-          </p:cNvSpPr>
-          <p:nvPr/>
-        </p:nvSpPr>
-        <p:spPr bwMode="auto">
-          <a:xfrm>
-            <a:off x="7162800" y="5638800"/>
-            <a:ext cx="0" cy="228600"/>
-          </a:xfrm>
-          <a:prstGeom prst="line">
-            <a:avLst/>
-          </a:prstGeom>
-          <a:noFill/>
-          <a:ln w="9525">
-            <a:solidFill>
-              <a:schemeClr val="tx1"/>
-            </a:solidFill>
-            <a:round/>
-            <a:headEnd/>
-            <a:tailEnd/>
-          </a:ln>
-        </p:spPr>
-        <p:txBody>
-          <a:bodyPr/>
-          <a:lstStyle/>
-          <a:p>
-            <a:endParaRPr lang="zh-TW" altLang="en-US"/>
-          </a:p>
-        </p:txBody>
-      </p:sp>
-      <p:sp>
-        <p:nvSpPr>
-          <p:cNvPr id="11296" name="Line 50"/>
-          <p:cNvSpPr>
-            <a:spLocks noChangeShapeType="1"/>
-          </p:cNvSpPr>
-          <p:nvPr/>
-        </p:nvSpPr>
-        <p:spPr bwMode="auto">
-          <a:xfrm>
-            <a:off x="6781800" y="6019800"/>
-            <a:ext cx="228600" cy="0"/>
-          </a:xfrm>
-          <a:prstGeom prst="line">
-            <a:avLst/>
-          </a:prstGeom>
-          <a:noFill/>
-          <a:ln w="9525">
-            <a:solidFill>
-              <a:schemeClr val="tx1"/>
-            </a:solidFill>
-            <a:round/>
-            <a:headEnd/>
-            <a:tailEnd/>
-          </a:ln>
-        </p:spPr>
-        <p:txBody>
-          <a:bodyPr/>
-          <a:lstStyle/>
-          <a:p>
-            <a:endParaRPr lang="zh-TW" altLang="en-US"/>
-          </a:p>
-        </p:txBody>
-      </p:sp>
-      <p:sp>
-        <p:nvSpPr>
-          <p:cNvPr id="11297" name="Oval 52"/>
-          <p:cNvSpPr>
-            <a:spLocks noChangeArrowheads="1"/>
-          </p:cNvSpPr>
-          <p:nvPr/>
-        </p:nvSpPr>
-        <p:spPr bwMode="auto">
-          <a:xfrm>
-            <a:off x="6477000" y="5334000"/>
-            <a:ext cx="304800" cy="304800"/>
-          </a:xfrm>
-          <a:prstGeom prst="ellipse">
-            <a:avLst/>
-          </a:prstGeom>
-          <a:solidFill>
-            <a:schemeClr val="accent1"/>
-          </a:solidFill>
-          <a:ln w="9525">
-            <a:solidFill>
-              <a:schemeClr val="tx1"/>
-            </a:solidFill>
-            <a:round/>
-            <a:headEnd/>
-            <a:tailEnd/>
-          </a:ln>
-        </p:spPr>
-        <p:txBody>
-          <a:bodyPr wrap="none" anchor="ctr"/>
-          <a:lstStyle/>
-          <a:p>
-            <a:endParaRPr lang="zh-TW" altLang="en-US"/>
-          </a:p>
-        </p:txBody>
-      </p:sp>
-      <p:sp>
-        <p:nvSpPr>
-          <p:cNvPr id="11298" name="Oval 53"/>
-          <p:cNvSpPr>
-            <a:spLocks noChangeArrowheads="1"/>
-          </p:cNvSpPr>
-          <p:nvPr/>
-        </p:nvSpPr>
-        <p:spPr bwMode="auto">
-          <a:xfrm>
-            <a:off x="7543800" y="5867400"/>
-            <a:ext cx="304800" cy="304800"/>
-          </a:xfrm>
-          <a:prstGeom prst="ellipse">
-            <a:avLst/>
-          </a:prstGeom>
-          <a:solidFill>
-            <a:schemeClr val="accent1"/>
-          </a:solidFill>
-          <a:ln w="9525">
-            <a:solidFill>
-              <a:schemeClr val="tx1"/>
-            </a:solidFill>
-            <a:round/>
-            <a:headEnd/>
-            <a:tailEnd/>
-          </a:ln>
-        </p:spPr>
-        <p:txBody>
-          <a:bodyPr wrap="none" anchor="ctr"/>
-          <a:lstStyle/>
-          <a:p>
-            <a:endParaRPr lang="zh-TW" altLang="en-US"/>
-          </a:p>
-        </p:txBody>
-      </p:sp>
-      <p:sp>
-        <p:nvSpPr>
-          <p:cNvPr id="11299" name="Line 55"/>
-          <p:cNvSpPr>
-            <a:spLocks noChangeShapeType="1"/>
-          </p:cNvSpPr>
-          <p:nvPr/>
-        </p:nvSpPr>
-        <p:spPr bwMode="auto">
-          <a:xfrm>
-            <a:off x="7315200" y="6019800"/>
-            <a:ext cx="228600" cy="0"/>
-          </a:xfrm>
-          <a:prstGeom prst="line">
-            <a:avLst/>
-          </a:prstGeom>
-          <a:noFill/>
-          <a:ln w="9525">
-            <a:solidFill>
-              <a:schemeClr val="tx1"/>
-            </a:solidFill>
-            <a:round/>
-            <a:headEnd/>
-            <a:tailEnd/>
-          </a:ln>
-        </p:spPr>
-        <p:txBody>
-          <a:bodyPr/>
-          <a:lstStyle/>
-          <a:p>
-            <a:endParaRPr lang="zh-TW" altLang="en-US"/>
-          </a:p>
-        </p:txBody>
-      </p:sp>
-      <p:sp>
-        <p:nvSpPr>
-          <p:cNvPr id="11300" name="Oval 57"/>
-          <p:cNvSpPr>
-            <a:spLocks noChangeArrowheads="1"/>
-          </p:cNvSpPr>
-          <p:nvPr/>
-        </p:nvSpPr>
-        <p:spPr bwMode="auto">
-          <a:xfrm>
-            <a:off x="7543800" y="6400800"/>
-            <a:ext cx="304800" cy="304800"/>
-          </a:xfrm>
-          <a:prstGeom prst="ellipse">
-            <a:avLst/>
-          </a:prstGeom>
-          <a:solidFill>
-            <a:schemeClr val="accent1"/>
-          </a:solidFill>
-          <a:ln w="9525">
-            <a:solidFill>
-              <a:schemeClr val="tx1"/>
-            </a:solidFill>
-            <a:round/>
-            <a:headEnd/>
-            <a:tailEnd/>
-          </a:ln>
-        </p:spPr>
-        <p:txBody>
-          <a:bodyPr wrap="none" anchor="ctr"/>
-          <a:lstStyle/>
-          <a:p>
-            <a:endParaRPr lang="zh-TW" altLang="en-US"/>
-          </a:p>
-        </p:txBody>
-      </p:sp>
-      <p:sp>
-        <p:nvSpPr>
-          <p:cNvPr id="11301" name="Line 59"/>
-          <p:cNvSpPr>
-            <a:spLocks noChangeShapeType="1"/>
-          </p:cNvSpPr>
-          <p:nvPr/>
-        </p:nvSpPr>
-        <p:spPr bwMode="auto">
-          <a:xfrm>
-            <a:off x="7696200" y="6172200"/>
-            <a:ext cx="0" cy="228600"/>
-          </a:xfrm>
-          <a:prstGeom prst="line">
-            <a:avLst/>
-          </a:prstGeom>
-          <a:noFill/>
-          <a:ln w="9525">
-            <a:solidFill>
-              <a:schemeClr val="tx1"/>
-            </a:solidFill>
-            <a:round/>
-            <a:headEnd/>
-            <a:tailEnd/>
-          </a:ln>
-        </p:spPr>
-        <p:txBody>
-          <a:bodyPr/>
-          <a:lstStyle/>
-          <a:p>
-            <a:endParaRPr lang="zh-TW" altLang="en-US"/>
-          </a:p>
-        </p:txBody>
-      </p:sp>
-      <p:sp>
-        <p:nvSpPr>
-          <p:cNvPr id="11302" name="Oval 60"/>
-          <p:cNvSpPr>
-            <a:spLocks noChangeArrowheads="1"/>
-          </p:cNvSpPr>
-          <p:nvPr/>
-        </p:nvSpPr>
-        <p:spPr bwMode="auto">
-          <a:xfrm>
-            <a:off x="7010400" y="4800600"/>
-            <a:ext cx="304800" cy="304800"/>
-          </a:xfrm>
-          <a:prstGeom prst="ellipse">
-            <a:avLst/>
-          </a:prstGeom>
-          <a:solidFill>
-            <a:schemeClr val="accent1"/>
-          </a:solidFill>
-          <a:ln w="9525">
-            <a:solidFill>
-              <a:schemeClr val="tx1"/>
-            </a:solidFill>
-            <a:round/>
-            <a:headEnd/>
-            <a:tailEnd/>
-          </a:ln>
-        </p:spPr>
-        <p:txBody>
-          <a:bodyPr wrap="none" anchor="ctr"/>
-          <a:lstStyle/>
-          <a:p>
-            <a:endParaRPr lang="zh-TW" altLang="en-US"/>
-          </a:p>
-        </p:txBody>
-      </p:sp>
-      <p:sp>
-        <p:nvSpPr>
-          <p:cNvPr id="11303" name="Oval 61"/>
-          <p:cNvSpPr>
-            <a:spLocks noChangeArrowheads="1"/>
-          </p:cNvSpPr>
-          <p:nvPr/>
-        </p:nvSpPr>
-        <p:spPr bwMode="auto">
-          <a:xfrm>
-            <a:off x="6477000" y="4800600"/>
-            <a:ext cx="304800" cy="304800"/>
-          </a:xfrm>
-          <a:prstGeom prst="ellipse">
-            <a:avLst/>
-          </a:prstGeom>
-          <a:solidFill>
-            <a:schemeClr val="accent1"/>
-          </a:solidFill>
-          <a:ln w="9525">
-            <a:solidFill>
-              <a:schemeClr val="tx1"/>
-            </a:solidFill>
-            <a:round/>
-            <a:headEnd/>
-            <a:tailEnd/>
-          </a:ln>
-        </p:spPr>
-        <p:txBody>
-          <a:bodyPr wrap="none" anchor="ctr"/>
-          <a:lstStyle/>
-          <a:p>
-            <a:endParaRPr lang="zh-TW" altLang="en-US"/>
-          </a:p>
-        </p:txBody>
-      </p:sp>
-      <p:sp>
-        <p:nvSpPr>
-          <p:cNvPr id="11304" name="Line 62"/>
-          <p:cNvSpPr>
-            <a:spLocks noChangeShapeType="1"/>
-          </p:cNvSpPr>
-          <p:nvPr/>
-        </p:nvSpPr>
-        <p:spPr bwMode="auto">
-          <a:xfrm>
-            <a:off x="6781800" y="4953000"/>
-            <a:ext cx="228600" cy="0"/>
-          </a:xfrm>
-          <a:prstGeom prst="line">
-            <a:avLst/>
-          </a:prstGeom>
-          <a:noFill/>
-          <a:ln w="9525">
-            <a:solidFill>
-              <a:schemeClr val="tx1"/>
-            </a:solidFill>
-            <a:round/>
-            <a:headEnd/>
-            <a:tailEnd/>
-          </a:ln>
-        </p:spPr>
-        <p:txBody>
-          <a:bodyPr/>
-          <a:lstStyle/>
-          <a:p>
-            <a:endParaRPr lang="zh-TW" altLang="en-US"/>
-          </a:p>
-        </p:txBody>
-      </p:sp>
-      <p:sp>
-        <p:nvSpPr>
-          <p:cNvPr id="11305" name="Line 63"/>
-          <p:cNvSpPr>
-            <a:spLocks noChangeShapeType="1"/>
-          </p:cNvSpPr>
-          <p:nvPr/>
-        </p:nvSpPr>
-        <p:spPr bwMode="auto">
-          <a:xfrm>
-            <a:off x="6629400" y="5105400"/>
-            <a:ext cx="0" cy="228600"/>
-          </a:xfrm>
-          <a:prstGeom prst="line">
-            <a:avLst/>
-          </a:prstGeom>
-          <a:noFill/>
-          <a:ln w="9525">
-            <a:solidFill>
-              <a:schemeClr val="tx1"/>
-            </a:solidFill>
-            <a:round/>
-            <a:headEnd/>
-            <a:tailEnd/>
-          </a:ln>
-        </p:spPr>
-        <p:txBody>
-          <a:bodyPr/>
-          <a:lstStyle/>
-          <a:p>
-            <a:endParaRPr lang="zh-TW" altLang="en-US"/>
-          </a:p>
-        </p:txBody>
-      </p:sp>
-      <p:sp>
-        <p:nvSpPr>
-          <p:cNvPr id="11306" name="Line 64"/>
-          <p:cNvSpPr>
-            <a:spLocks noChangeShapeType="1"/>
-          </p:cNvSpPr>
-          <p:nvPr/>
-        </p:nvSpPr>
-        <p:spPr bwMode="auto">
-          <a:xfrm>
-            <a:off x="7162800" y="5105400"/>
-            <a:ext cx="0" cy="228600"/>
-          </a:xfrm>
-          <a:prstGeom prst="line">
-            <a:avLst/>
-          </a:prstGeom>
-          <a:noFill/>
-          <a:ln w="9525">
-            <a:solidFill>
-              <a:schemeClr val="tx1"/>
-            </a:solidFill>
-            <a:round/>
-            <a:headEnd/>
-            <a:tailEnd/>
-          </a:ln>
-        </p:spPr>
-        <p:txBody>
-          <a:bodyPr/>
-          <a:lstStyle/>
-          <a:p>
-            <a:endParaRPr lang="zh-TW" altLang="en-US"/>
-          </a:p>
-        </p:txBody>
-      </p:sp>
-      <p:sp>
-        <p:nvSpPr>
-          <p:cNvPr id="11307" name="Line 65"/>
-          <p:cNvSpPr>
-            <a:spLocks noChangeShapeType="1"/>
-          </p:cNvSpPr>
-          <p:nvPr/>
-        </p:nvSpPr>
-        <p:spPr bwMode="auto">
-          <a:xfrm>
-            <a:off x="6781800" y="5486400"/>
-            <a:ext cx="228600" cy="0"/>
-          </a:xfrm>
-          <a:prstGeom prst="line">
-            <a:avLst/>
-          </a:prstGeom>
-          <a:noFill/>
-          <a:ln w="9525">
-            <a:solidFill>
-              <a:schemeClr val="tx1"/>
-            </a:solidFill>
-            <a:round/>
-            <a:headEnd/>
-            <a:tailEnd/>
-          </a:ln>
-        </p:spPr>
-        <p:txBody>
-          <a:bodyPr/>
-          <a:lstStyle/>
-          <a:p>
-            <a:endParaRPr lang="zh-TW" altLang="en-US"/>
-          </a:p>
-        </p:txBody>
-      </p:sp>
-      <p:sp>
-        <p:nvSpPr>
-          <p:cNvPr id="11308" name="Text Box 66"/>
-          <p:cNvSpPr txBox="1">
-            <a:spLocks noChangeArrowheads="1"/>
-          </p:cNvSpPr>
-          <p:nvPr/>
-        </p:nvSpPr>
-        <p:spPr bwMode="auto">
-          <a:xfrm>
-            <a:off x="5410200" y="4724400"/>
-            <a:ext cx="304800" cy="366713"/>
-          </a:xfrm>
-          <a:prstGeom prst="rect">
-            <a:avLst/>
-          </a:prstGeom>
-          <a:noFill/>
-          <a:ln w="9525">
-            <a:noFill/>
-            <a:miter lim="800000"/>
-            <a:headEnd/>
-            <a:tailEnd/>
-          </a:ln>
-        </p:spPr>
-        <p:txBody>
-          <a:bodyPr>
-            <a:spAutoFit/>
-          </a:bodyPr>
-          <a:lstStyle/>
-          <a:p>
-            <a:pPr>
-              <a:spcBef>
-                <a:spcPct val="50000"/>
-              </a:spcBef>
-            </a:pPr>
-            <a:r>
-              <a:rPr lang="en-US" altLang="zh-TW"/>
-              <a:t>s</a:t>
-            </a:r>
-          </a:p>
-        </p:txBody>
-      </p:sp>
-      <p:sp>
-        <p:nvSpPr>
-          <p:cNvPr id="11309" name="Text Box 67"/>
-          <p:cNvSpPr txBox="1">
-            <a:spLocks noChangeArrowheads="1"/>
-          </p:cNvSpPr>
-          <p:nvPr/>
-        </p:nvSpPr>
-        <p:spPr bwMode="auto">
-          <a:xfrm>
-            <a:off x="7620000" y="6324600"/>
-            <a:ext cx="381000" cy="366713"/>
-          </a:xfrm>
-          <a:prstGeom prst="rect">
-            <a:avLst/>
-          </a:prstGeom>
-          <a:noFill/>
-          <a:ln w="9525">
-            <a:noFill/>
-            <a:miter lim="800000"/>
-            <a:headEnd/>
-            <a:tailEnd/>
-          </a:ln>
-        </p:spPr>
-        <p:txBody>
-          <a:bodyPr>
-            <a:spAutoFit/>
-          </a:bodyPr>
-          <a:lstStyle/>
-          <a:p>
-            <a:pPr>
-              <a:spcBef>
-                <a:spcPct val="50000"/>
-              </a:spcBef>
-            </a:pPr>
-            <a:r>
-              <a:rPr lang="en-US" altLang="zh-TW"/>
-              <a:t>t</a:t>
-            </a:r>
-          </a:p>
-        </p:txBody>
-      </p:sp>
-      <p:sp>
-        <p:nvSpPr>
-          <p:cNvPr id="11310" name="Line 68"/>
-          <p:cNvSpPr>
-            <a:spLocks noChangeShapeType="1"/>
-          </p:cNvSpPr>
-          <p:nvPr/>
-        </p:nvSpPr>
-        <p:spPr bwMode="auto">
-          <a:xfrm>
-            <a:off x="5562600" y="5105400"/>
-            <a:ext cx="0" cy="228600"/>
-          </a:xfrm>
-          <a:prstGeom prst="line">
-            <a:avLst/>
-          </a:prstGeom>
-          <a:noFill/>
-          <a:ln w="9525">
-            <a:solidFill>
-              <a:srgbClr val="FF0000"/>
-            </a:solidFill>
-            <a:round/>
-            <a:headEnd/>
-            <a:tailEnd type="triangle" w="med" len="med"/>
-          </a:ln>
-        </p:spPr>
-        <p:txBody>
-          <a:bodyPr/>
-          <a:lstStyle/>
-          <a:p>
-            <a:endParaRPr lang="zh-TW" altLang="en-US"/>
-          </a:p>
-        </p:txBody>
-      </p:sp>
-      <p:sp>
-        <p:nvSpPr>
-          <p:cNvPr id="11311" name="Line 69"/>
-          <p:cNvSpPr>
-            <a:spLocks noChangeShapeType="1"/>
-          </p:cNvSpPr>
-          <p:nvPr/>
-        </p:nvSpPr>
-        <p:spPr bwMode="auto">
-          <a:xfrm>
-            <a:off x="7696200" y="6172200"/>
-            <a:ext cx="0" cy="228600"/>
-          </a:xfrm>
-          <a:prstGeom prst="line">
-            <a:avLst/>
-          </a:prstGeom>
-          <a:noFill/>
-          <a:ln w="9525">
-            <a:solidFill>
-              <a:srgbClr val="FF0000"/>
-            </a:solidFill>
-            <a:round/>
-            <a:headEnd/>
-            <a:tailEnd type="triangle" w="med" len="med"/>
-          </a:ln>
-        </p:spPr>
-        <p:txBody>
-          <a:bodyPr/>
-          <a:lstStyle/>
-          <a:p>
-            <a:endParaRPr lang="zh-TW" altLang="en-US"/>
-          </a:p>
-        </p:txBody>
-      </p:sp>
-      <p:sp>
-        <p:nvSpPr>
-          <p:cNvPr id="11312" name="Line 70"/>
-          <p:cNvSpPr>
-            <a:spLocks noChangeShapeType="1"/>
-          </p:cNvSpPr>
-          <p:nvPr/>
-        </p:nvSpPr>
-        <p:spPr bwMode="auto">
-          <a:xfrm>
-            <a:off x="6096000" y="5638800"/>
-            <a:ext cx="0" cy="228600"/>
-          </a:xfrm>
-          <a:prstGeom prst="line">
-            <a:avLst/>
-          </a:prstGeom>
-          <a:noFill/>
-          <a:ln w="9525">
-            <a:solidFill>
-              <a:srgbClr val="FF0000"/>
-            </a:solidFill>
-            <a:round/>
-            <a:headEnd/>
-            <a:tailEnd type="triangle" w="med" len="med"/>
-          </a:ln>
-        </p:spPr>
-        <p:txBody>
-          <a:bodyPr/>
-          <a:lstStyle/>
-          <a:p>
-            <a:endParaRPr lang="zh-TW" altLang="en-US"/>
-          </a:p>
-        </p:txBody>
-      </p:sp>
-      <p:sp>
-        <p:nvSpPr>
-          <p:cNvPr id="11313" name="Line 71"/>
-          <p:cNvSpPr>
-            <a:spLocks noChangeShapeType="1"/>
-          </p:cNvSpPr>
-          <p:nvPr/>
-        </p:nvSpPr>
-        <p:spPr bwMode="auto">
-          <a:xfrm>
-            <a:off x="5715000" y="5486400"/>
-            <a:ext cx="228600" cy="0"/>
-          </a:xfrm>
-          <a:prstGeom prst="line">
-            <a:avLst/>
-          </a:prstGeom>
-          <a:noFill/>
-          <a:ln w="9525">
-            <a:solidFill>
-              <a:srgbClr val="FF0000"/>
-            </a:solidFill>
-            <a:round/>
-            <a:headEnd/>
-            <a:tailEnd type="triangle" w="med" len="med"/>
-          </a:ln>
-        </p:spPr>
-        <p:txBody>
-          <a:bodyPr/>
-          <a:lstStyle/>
-          <a:p>
-            <a:endParaRPr lang="zh-TW" altLang="en-US"/>
-          </a:p>
-        </p:txBody>
-      </p:sp>
-      <p:sp>
-        <p:nvSpPr>
-          <p:cNvPr id="11314" name="Line 72"/>
-          <p:cNvSpPr>
-            <a:spLocks noChangeShapeType="1"/>
-          </p:cNvSpPr>
-          <p:nvPr/>
-        </p:nvSpPr>
-        <p:spPr bwMode="auto">
-          <a:xfrm>
-            <a:off x="6248400" y="6019800"/>
-            <a:ext cx="228600" cy="0"/>
-          </a:xfrm>
-          <a:prstGeom prst="line">
-            <a:avLst/>
-          </a:prstGeom>
-          <a:noFill/>
-          <a:ln w="9525">
-            <a:solidFill>
-              <a:srgbClr val="FF0000"/>
-            </a:solidFill>
-            <a:round/>
-            <a:headEnd/>
-            <a:tailEnd type="triangle" w="med" len="med"/>
-          </a:ln>
-        </p:spPr>
-        <p:txBody>
-          <a:bodyPr/>
-          <a:lstStyle/>
-          <a:p>
-            <a:endParaRPr lang="zh-TW" altLang="en-US"/>
-          </a:p>
-        </p:txBody>
-      </p:sp>
-      <p:sp>
-        <p:nvSpPr>
-          <p:cNvPr id="11315" name="Line 73"/>
-          <p:cNvSpPr>
-            <a:spLocks noChangeShapeType="1"/>
-          </p:cNvSpPr>
-          <p:nvPr/>
-        </p:nvSpPr>
-        <p:spPr bwMode="auto">
-          <a:xfrm>
-            <a:off x="6781800" y="6019800"/>
-            <a:ext cx="228600" cy="0"/>
-          </a:xfrm>
-          <a:prstGeom prst="line">
-            <a:avLst/>
-          </a:prstGeom>
-          <a:noFill/>
-          <a:ln w="9525">
-            <a:solidFill>
-              <a:srgbClr val="FF0000"/>
-            </a:solidFill>
-            <a:round/>
-            <a:headEnd/>
-            <a:tailEnd type="triangle" w="med" len="med"/>
-          </a:ln>
-        </p:spPr>
-        <p:txBody>
-          <a:bodyPr/>
-          <a:lstStyle/>
-          <a:p>
-            <a:endParaRPr lang="zh-TW" altLang="en-US"/>
-          </a:p>
-        </p:txBody>
-      </p:sp>
-      <p:sp>
-        <p:nvSpPr>
-          <p:cNvPr id="11316" name="Line 74"/>
-          <p:cNvSpPr>
-            <a:spLocks noChangeShapeType="1"/>
-          </p:cNvSpPr>
-          <p:nvPr/>
-        </p:nvSpPr>
-        <p:spPr bwMode="auto">
-          <a:xfrm>
-            <a:off x="7315200" y="6019800"/>
-            <a:ext cx="228600" cy="0"/>
-          </a:xfrm>
-          <a:prstGeom prst="line">
-            <a:avLst/>
-          </a:prstGeom>
-          <a:noFill/>
-          <a:ln w="9525">
-            <a:solidFill>
-              <a:srgbClr val="FF0000"/>
-            </a:solidFill>
-            <a:round/>
-            <a:headEnd/>
-            <a:tailEnd type="triangle" w="med" len="med"/>
-          </a:ln>
-        </p:spPr>
-        <p:txBody>
-          <a:bodyPr/>
-          <a:lstStyle/>
-          <a:p>
-            <a:endParaRPr lang="zh-TW" altLang="en-US"/>
-          </a:p>
-        </p:txBody>
-      </p:sp>
-      <p:sp>
-        <p:nvSpPr>
-          <p:cNvPr id="11317" name="Text Box 76"/>
-          <p:cNvSpPr txBox="1">
-            <a:spLocks noChangeArrowheads="1"/>
-          </p:cNvSpPr>
-          <p:nvPr/>
-        </p:nvSpPr>
-        <p:spPr bwMode="auto">
+        </p:nvGrpSpPr>
+        <p:grpSpPr>
           <a:xfrm>
             <a:off x="3505200" y="5562600"/>
             <a:ext cx="2057400" cy="779463"/>
+            <a:chOff x="3505200" y="5562600"/>
+            <a:chExt cx="2057400" cy="779463"/>
           </a:xfrm>
-          <a:prstGeom prst="rect">
-            <a:avLst/>
-          </a:prstGeom>
-          <a:noFill/>
-          <a:ln w="9525">
+        </p:grpSpPr>
+        <p:sp>
+          <p:nvSpPr>
+            <p:cNvPr id="11317" name="Text Box 76"/>
+            <p:cNvSpPr txBox="1">
+              <a:spLocks noChangeArrowheads="1"/>
+            </p:cNvSpPr>
+            <p:nvPr/>
+          </p:nvSpPr>
+          <p:spPr bwMode="auto">
+            <a:xfrm>
+              <a:off x="3505200" y="5562600"/>
+              <a:ext cx="2057400" cy="779463"/>
+            </a:xfrm>
+            <a:prstGeom prst="rect">
+              <a:avLst/>
+            </a:prstGeom>
             <a:noFill/>
-            <a:miter lim="800000"/>
-            <a:headEnd/>
-            <a:tailEnd/>
-          </a:ln>
-        </p:spPr>
-        <p:txBody>
-          <a:bodyPr>
-            <a:spAutoFit/>
-          </a:bodyPr>
-          <a:lstStyle/>
-          <a:p>
-            <a:pPr algn="ctr">
-              <a:spcBef>
-                <a:spcPct val="50000"/>
-              </a:spcBef>
-            </a:pPr>
-            <a:r>
-              <a:rPr lang="en-US" altLang="zh-TW"/>
-              <a:t>Generate</a:t>
-            </a:r>
-          </a:p>
-          <a:p>
-            <a:pPr algn="ctr">
-              <a:spcBef>
-                <a:spcPct val="50000"/>
-              </a:spcBef>
-            </a:pPr>
-            <a:r>
-              <a:rPr lang="en-US" altLang="zh-TW"/>
-              <a:t>Move Command</a:t>
-            </a:r>
-          </a:p>
-        </p:txBody>
-      </p:sp>
-      <p:sp>
-        <p:nvSpPr>
-          <p:cNvPr id="11318" name="AutoShape 80" descr="UMass+-+Science+Building+-+3rd+Floor+(2)"/>
-          <p:cNvSpPr>
-            <a:spLocks noChangeAspect="1" noChangeArrowheads="1"/>
-          </p:cNvSpPr>
+            <a:ln w="9525">
+              <a:noFill/>
+              <a:miter lim="800000"/>
+              <a:headEnd/>
+              <a:tailEnd/>
+            </a:ln>
+          </p:spPr>
+          <p:txBody>
+            <a:bodyPr>
+              <a:spAutoFit/>
+            </a:bodyPr>
+            <a:lstStyle/>
+            <a:p>
+              <a:pPr algn="ctr">
+                <a:spcBef>
+                  <a:spcPct val="50000"/>
+                </a:spcBef>
+              </a:pPr>
+              <a:r>
+                <a:rPr lang="en-US" altLang="zh-TW" dirty="0"/>
+                <a:t>Generate</a:t>
+              </a:r>
+            </a:p>
+            <a:p>
+              <a:pPr algn="ctr">
+                <a:spcBef>
+                  <a:spcPct val="50000"/>
+                </a:spcBef>
+              </a:pPr>
+              <a:r>
+                <a:rPr lang="en-US" altLang="zh-TW" dirty="0"/>
+                <a:t>Move Command</a:t>
+              </a:r>
+            </a:p>
+          </p:txBody>
+        </p:sp>
+        <p:sp>
+          <p:nvSpPr>
+            <p:cNvPr id="11320" name="Line 75"/>
+            <p:cNvSpPr>
+              <a:spLocks noChangeShapeType="1"/>
+            </p:cNvSpPr>
+            <p:nvPr/>
+          </p:nvSpPr>
+          <p:spPr bwMode="auto">
+            <a:xfrm flipH="1">
+              <a:off x="3581400" y="5943600"/>
+              <a:ext cx="1828800" cy="0"/>
+            </a:xfrm>
+            <a:prstGeom prst="line">
+              <a:avLst/>
+            </a:prstGeom>
+            <a:noFill/>
+            <a:ln w="9525">
+              <a:solidFill>
+                <a:schemeClr val="tx1"/>
+              </a:solidFill>
+              <a:round/>
+              <a:headEnd/>
+              <a:tailEnd type="triangle" w="med" len="med"/>
+            </a:ln>
+          </p:spPr>
+          <p:txBody>
+            <a:bodyPr/>
+            <a:lstStyle/>
+            <a:p>
+              <a:endParaRPr lang="zh-TW" altLang="en-US"/>
+            </a:p>
+          </p:txBody>
+        </p:sp>
+      </p:grpSp>
+      <p:grpSp>
+        <p:nvGrpSpPr>
+          <p:cNvPr id="79" name="Group 78"/>
+          <p:cNvGrpSpPr/>
           <p:nvPr/>
-        </p:nvSpPr>
-        <p:spPr bwMode="auto">
+        </p:nvGrpSpPr>
+        <p:grpSpPr>
           <a:xfrm>
-            <a:off x="4419600" y="3276600"/>
-            <a:ext cx="304800" cy="304800"/>
+            <a:off x="2133600" y="3810000"/>
+            <a:ext cx="3429000" cy="762000"/>
+            <a:chOff x="2133600" y="3810000"/>
+            <a:chExt cx="3429000" cy="762000"/>
           </a:xfrm>
-          <a:prstGeom prst="rect">
-            <a:avLst/>
-          </a:prstGeom>
-          <a:noFill/>
-          <a:ln w="9525">
+        </p:grpSpPr>
+        <p:sp>
+          <p:nvSpPr>
+            <p:cNvPr id="11325" name="Text Box 86"/>
+            <p:cNvSpPr txBox="1">
+              <a:spLocks noChangeArrowheads="1"/>
+            </p:cNvSpPr>
+            <p:nvPr/>
+          </p:nvSpPr>
+          <p:spPr bwMode="auto">
+            <a:xfrm>
+              <a:off x="3733800" y="3962400"/>
+              <a:ext cx="1828800" cy="366713"/>
+            </a:xfrm>
+            <a:prstGeom prst="rect">
+              <a:avLst/>
+            </a:prstGeom>
             <a:noFill/>
-            <a:miter lim="800000"/>
-            <a:headEnd/>
-            <a:tailEnd/>
-          </a:ln>
-        </p:spPr>
-        <p:txBody>
-          <a:bodyPr/>
-          <a:lstStyle/>
-          <a:p>
-            <a:endParaRPr lang="zh-TW" altLang="en-US"/>
-          </a:p>
-        </p:txBody>
-      </p:sp>
-      <p:pic>
-        <p:nvPicPr>
-          <p:cNvPr id="11319" name="Picture 81" descr="UMass_-_Science_Building_-_3rd_Floor_(2)"/>
-          <p:cNvPicPr>
-            <a:picLocks noChangeAspect="1" noChangeArrowheads="1"/>
-          </p:cNvPicPr>
+            <a:ln w="9525">
+              <a:noFill/>
+              <a:miter lim="800000"/>
+              <a:headEnd/>
+              <a:tailEnd/>
+            </a:ln>
+          </p:spPr>
+          <p:txBody>
+            <a:bodyPr>
+              <a:spAutoFit/>
+            </a:bodyPr>
+            <a:lstStyle/>
+            <a:p>
+              <a:pPr>
+                <a:spcBef>
+                  <a:spcPct val="50000"/>
+                </a:spcBef>
+              </a:pPr>
+              <a:r>
+                <a:rPr lang="en-US" altLang="zh-TW"/>
+                <a:t>Position Finder</a:t>
+              </a:r>
+            </a:p>
+          </p:txBody>
+        </p:sp>
+        <p:sp>
+          <p:nvSpPr>
+            <p:cNvPr id="11326" name="Line 87"/>
+            <p:cNvSpPr>
+              <a:spLocks noChangeShapeType="1"/>
+            </p:cNvSpPr>
+            <p:nvPr/>
+          </p:nvSpPr>
+          <p:spPr bwMode="auto">
+            <a:xfrm>
+              <a:off x="3429000" y="4572000"/>
+              <a:ext cx="990600" cy="0"/>
+            </a:xfrm>
+            <a:prstGeom prst="line">
+              <a:avLst/>
+            </a:prstGeom>
+            <a:noFill/>
+            <a:ln w="9525">
+              <a:solidFill>
+                <a:schemeClr val="tx1"/>
+              </a:solidFill>
+              <a:round/>
+              <a:headEnd/>
+              <a:tailEnd/>
+            </a:ln>
+          </p:spPr>
+          <p:txBody>
+            <a:bodyPr/>
+            <a:lstStyle/>
+            <a:p>
+              <a:endParaRPr lang="zh-TW" altLang="en-US"/>
+            </a:p>
+          </p:txBody>
+        </p:sp>
+        <p:sp>
+          <p:nvSpPr>
+            <p:cNvPr id="11327" name="Line 88"/>
+            <p:cNvSpPr>
+              <a:spLocks noChangeShapeType="1"/>
+            </p:cNvSpPr>
+            <p:nvPr/>
+          </p:nvSpPr>
+          <p:spPr bwMode="auto">
+            <a:xfrm flipV="1">
+              <a:off x="4419600" y="4267200"/>
+              <a:ext cx="0" cy="304800"/>
+            </a:xfrm>
+            <a:prstGeom prst="line">
+              <a:avLst/>
+            </a:prstGeom>
+            <a:noFill/>
+            <a:ln w="9525">
+              <a:solidFill>
+                <a:schemeClr val="tx1"/>
+              </a:solidFill>
+              <a:round/>
+              <a:headEnd/>
+              <a:tailEnd type="triangle" w="med" len="med"/>
+            </a:ln>
+          </p:spPr>
+          <p:txBody>
+            <a:bodyPr/>
+            <a:lstStyle/>
+            <a:p>
+              <a:endParaRPr lang="zh-TW" altLang="en-US"/>
+            </a:p>
+          </p:txBody>
+        </p:sp>
+        <p:sp>
+          <p:nvSpPr>
+            <p:cNvPr id="11328" name="Line 89"/>
+            <p:cNvSpPr>
+              <a:spLocks noChangeShapeType="1"/>
+            </p:cNvSpPr>
+            <p:nvPr/>
+          </p:nvSpPr>
+          <p:spPr bwMode="auto">
+            <a:xfrm flipH="1">
+              <a:off x="2133600" y="4114800"/>
+              <a:ext cx="1524000" cy="0"/>
+            </a:xfrm>
+            <a:prstGeom prst="line">
+              <a:avLst/>
+            </a:prstGeom>
+            <a:noFill/>
+            <a:ln w="9525">
+              <a:solidFill>
+                <a:schemeClr val="tx1"/>
+              </a:solidFill>
+              <a:round/>
+              <a:headEnd/>
+              <a:tailEnd/>
+            </a:ln>
+          </p:spPr>
+          <p:txBody>
+            <a:bodyPr/>
+            <a:lstStyle/>
+            <a:p>
+              <a:endParaRPr lang="zh-TW" altLang="en-US"/>
+            </a:p>
+          </p:txBody>
+        </p:sp>
+        <p:sp>
+          <p:nvSpPr>
+            <p:cNvPr id="11329" name="Line 90"/>
+            <p:cNvSpPr>
+              <a:spLocks noChangeShapeType="1"/>
+            </p:cNvSpPr>
+            <p:nvPr/>
+          </p:nvSpPr>
+          <p:spPr bwMode="auto">
+            <a:xfrm>
+              <a:off x="2133600" y="4114800"/>
+              <a:ext cx="0" cy="152400"/>
+            </a:xfrm>
+            <a:prstGeom prst="line">
+              <a:avLst/>
+            </a:prstGeom>
+            <a:noFill/>
+            <a:ln w="9525">
+              <a:solidFill>
+                <a:schemeClr val="tx1"/>
+              </a:solidFill>
+              <a:round/>
+              <a:headEnd/>
+              <a:tailEnd type="triangle" w="med" len="med"/>
+            </a:ln>
+          </p:spPr>
+          <p:txBody>
+            <a:bodyPr/>
+            <a:lstStyle/>
+            <a:p>
+              <a:endParaRPr lang="zh-TW" altLang="en-US"/>
+            </a:p>
+          </p:txBody>
+        </p:sp>
+        <p:sp>
+          <p:nvSpPr>
+            <p:cNvPr id="11330" name="Text Box 91"/>
+            <p:cNvSpPr txBox="1">
+              <a:spLocks noChangeArrowheads="1"/>
+            </p:cNvSpPr>
+            <p:nvPr/>
+          </p:nvSpPr>
+          <p:spPr bwMode="auto">
+            <a:xfrm>
+              <a:off x="2133600" y="3810000"/>
+              <a:ext cx="1905000" cy="304800"/>
+            </a:xfrm>
+            <a:prstGeom prst="rect">
+              <a:avLst/>
+            </a:prstGeom>
+            <a:noFill/>
+            <a:ln w="9525">
+              <a:noFill/>
+              <a:miter lim="800000"/>
+              <a:headEnd/>
+              <a:tailEnd/>
+            </a:ln>
+          </p:spPr>
+          <p:txBody>
+            <a:bodyPr>
+              <a:spAutoFit/>
+            </a:bodyPr>
+            <a:lstStyle/>
+            <a:p>
+              <a:pPr>
+                <a:spcBef>
+                  <a:spcPct val="50000"/>
+                </a:spcBef>
+              </a:pPr>
+              <a:r>
+                <a:rPr lang="en-US" altLang="zh-TW" sz="1400"/>
+                <a:t>Confirm Position</a:t>
+              </a:r>
+            </a:p>
+          </p:txBody>
+        </p:sp>
+      </p:grpSp>
+      <p:grpSp>
+        <p:nvGrpSpPr>
+          <p:cNvPr id="78" name="Group 77"/>
+          <p:cNvGrpSpPr/>
           <p:nvPr/>
-        </p:nvPicPr>
-        <p:blipFill>
-          <a:blip r:embed="rId5" cstate="print"/>
-          <a:srcRect r="29958" b="59396"/>
-          <a:stretch>
-            <a:fillRect/>
-          </a:stretch>
-        </p:blipFill>
-        <p:spPr bwMode="auto">
+        </p:nvGrpSpPr>
+        <p:grpSpPr>
           <a:xfrm>
             <a:off x="152400" y="4267200"/>
             <a:ext cx="3276600" cy="1773238"/>
+            <a:chOff x="152400" y="4267200"/>
+            <a:chExt cx="3276600" cy="1773238"/>
           </a:xfrm>
-          <a:prstGeom prst="rect">
-            <a:avLst/>
-          </a:prstGeom>
-          <a:noFill/>
-          <a:ln w="9525">
+        </p:grpSpPr>
+        <p:pic>
+          <p:nvPicPr>
+            <p:cNvPr id="11319" name="Picture 81" descr="UMass_-_Science_Building_-_3rd_Floor_(2)"/>
+            <p:cNvPicPr>
+              <a:picLocks noChangeAspect="1" noChangeArrowheads="1"/>
+            </p:cNvPicPr>
+            <p:nvPr/>
+          </p:nvPicPr>
+          <p:blipFill>
+            <a:blip r:embed="rId5" cstate="print"/>
+            <a:srcRect r="29958" b="59396"/>
+            <a:stretch>
+              <a:fillRect/>
+            </a:stretch>
+          </p:blipFill>
+          <p:spPr bwMode="auto">
+            <a:xfrm>
+              <a:off x="152400" y="4267200"/>
+              <a:ext cx="3276600" cy="1773238"/>
+            </a:xfrm>
+            <a:prstGeom prst="rect">
+              <a:avLst/>
+            </a:prstGeom>
             <a:noFill/>
-            <a:miter lim="800000"/>
-            <a:headEnd/>
-            <a:tailEnd/>
-          </a:ln>
-        </p:spPr>
-      </p:pic>
-      <p:sp>
-        <p:nvSpPr>
-          <p:cNvPr id="11320" name="Line 75"/>
-          <p:cNvSpPr>
-            <a:spLocks noChangeShapeType="1"/>
-          </p:cNvSpPr>
-          <p:nvPr/>
-        </p:nvSpPr>
-        <p:spPr bwMode="auto">
-          <a:xfrm flipH="1">
-            <a:off x="3581400" y="5943600"/>
-            <a:ext cx="1828800" cy="0"/>
-          </a:xfrm>
-          <a:prstGeom prst="line">
-            <a:avLst/>
-          </a:prstGeom>
-          <a:noFill/>
-          <a:ln w="9525">
+            <a:ln w="9525">
+              <a:noFill/>
+              <a:miter lim="800000"/>
+              <a:headEnd/>
+              <a:tailEnd/>
+            </a:ln>
+          </p:spPr>
+        </p:pic>
+        <p:sp>
+          <p:nvSpPr>
+            <p:cNvPr id="11321" name="Oval 82"/>
+            <p:cNvSpPr>
+              <a:spLocks noChangeArrowheads="1"/>
+            </p:cNvSpPr>
+            <p:nvPr/>
+          </p:nvSpPr>
+          <p:spPr bwMode="auto">
+            <a:xfrm>
+              <a:off x="1905000" y="4724400"/>
+              <a:ext cx="304800" cy="304800"/>
+            </a:xfrm>
+            <a:prstGeom prst="ellipse">
+              <a:avLst/>
+            </a:prstGeom>
             <a:solidFill>
-              <a:schemeClr val="tx1"/>
+              <a:schemeClr val="accent1"/>
             </a:solidFill>
-            <a:round/>
-            <a:headEnd/>
-            <a:tailEnd type="triangle" w="med" len="med"/>
-          </a:ln>
-        </p:spPr>
-        <p:txBody>
-          <a:bodyPr/>
-          <a:lstStyle/>
-          <a:p>
-            <a:endParaRPr lang="zh-TW" altLang="en-US"/>
-          </a:p>
-        </p:txBody>
-      </p:sp>
-      <p:sp>
-        <p:nvSpPr>
-          <p:cNvPr id="11321" name="Oval 82"/>
-          <p:cNvSpPr>
-            <a:spLocks noChangeArrowheads="1"/>
-          </p:cNvSpPr>
-          <p:nvPr/>
-        </p:nvSpPr>
-        <p:spPr bwMode="auto">
-          <a:xfrm>
-            <a:off x="1905000" y="4724400"/>
-            <a:ext cx="304800" cy="304800"/>
-          </a:xfrm>
-          <a:prstGeom prst="ellipse">
-            <a:avLst/>
-          </a:prstGeom>
-          <a:solidFill>
-            <a:schemeClr val="accent1"/>
-          </a:solidFill>
-          <a:ln w="9525">
+            <a:ln w="9525">
+              <a:solidFill>
+                <a:schemeClr val="tx1"/>
+              </a:solidFill>
+              <a:round/>
+              <a:headEnd/>
+              <a:tailEnd/>
+            </a:ln>
+          </p:spPr>
+          <p:txBody>
+            <a:bodyPr wrap="none" anchor="ctr"/>
+            <a:lstStyle/>
+            <a:p>
+              <a:pPr algn="ctr"/>
+              <a:endParaRPr lang="zh-TW" altLang="en-US"/>
+            </a:p>
+          </p:txBody>
+        </p:sp>
+        <p:sp>
+          <p:nvSpPr>
+            <p:cNvPr id="11322" name="Text Box 83"/>
+            <p:cNvSpPr txBox="1">
+              <a:spLocks noChangeArrowheads="1"/>
+            </p:cNvSpPr>
+            <p:nvPr/>
+          </p:nvSpPr>
+          <p:spPr bwMode="auto">
+            <a:xfrm>
+              <a:off x="1905000" y="4648200"/>
+              <a:ext cx="304800" cy="366713"/>
+            </a:xfrm>
+            <a:prstGeom prst="rect">
+              <a:avLst/>
+            </a:prstGeom>
+            <a:noFill/>
+            <a:ln w="9525">
+              <a:noFill/>
+              <a:miter lim="800000"/>
+              <a:headEnd/>
+              <a:tailEnd/>
+            </a:ln>
+          </p:spPr>
+          <p:txBody>
+            <a:bodyPr>
+              <a:spAutoFit/>
+            </a:bodyPr>
+            <a:lstStyle/>
+            <a:p>
+              <a:pPr>
+                <a:spcBef>
+                  <a:spcPct val="50000"/>
+                </a:spcBef>
+              </a:pPr>
+              <a:r>
+                <a:rPr lang="en-US" altLang="zh-TW"/>
+                <a:t>s</a:t>
+              </a:r>
+            </a:p>
+          </p:txBody>
+        </p:sp>
+        <p:sp>
+          <p:nvSpPr>
+            <p:cNvPr id="11323" name="Oval 84"/>
+            <p:cNvSpPr>
+              <a:spLocks noChangeArrowheads="1"/>
+            </p:cNvSpPr>
+            <p:nvPr/>
+          </p:nvSpPr>
+          <p:spPr bwMode="auto">
+            <a:xfrm>
+              <a:off x="2438400" y="5486400"/>
+              <a:ext cx="304800" cy="304800"/>
+            </a:xfrm>
+            <a:prstGeom prst="ellipse">
+              <a:avLst/>
+            </a:prstGeom>
             <a:solidFill>
-              <a:schemeClr val="tx1"/>
+              <a:schemeClr val="accent1"/>
             </a:solidFill>
-            <a:round/>
-            <a:headEnd/>
-            <a:tailEnd/>
-          </a:ln>
-        </p:spPr>
-        <p:txBody>
-          <a:bodyPr wrap="none" anchor="ctr"/>
-          <a:lstStyle/>
-          <a:p>
-            <a:pPr algn="ctr"/>
-            <a:endParaRPr lang="zh-TW" altLang="en-US"/>
-          </a:p>
-        </p:txBody>
-      </p:sp>
-      <p:sp>
-        <p:nvSpPr>
-          <p:cNvPr id="11322" name="Text Box 83"/>
-          <p:cNvSpPr txBox="1">
-            <a:spLocks noChangeArrowheads="1"/>
-          </p:cNvSpPr>
-          <p:nvPr/>
-        </p:nvSpPr>
-        <p:spPr bwMode="auto">
-          <a:xfrm>
-            <a:off x="1905000" y="4648200"/>
-            <a:ext cx="304800" cy="366713"/>
-          </a:xfrm>
-          <a:prstGeom prst="rect">
-            <a:avLst/>
-          </a:prstGeom>
-          <a:noFill/>
-          <a:ln w="9525">
+            <a:ln w="9525">
+              <a:solidFill>
+                <a:schemeClr val="tx1"/>
+              </a:solidFill>
+              <a:round/>
+              <a:headEnd/>
+              <a:tailEnd/>
+            </a:ln>
+          </p:spPr>
+          <p:txBody>
+            <a:bodyPr wrap="none" anchor="ctr"/>
+            <a:lstStyle/>
+            <a:p>
+              <a:endParaRPr lang="zh-TW" altLang="en-US"/>
+            </a:p>
+          </p:txBody>
+        </p:sp>
+        <p:sp>
+          <p:nvSpPr>
+            <p:cNvPr id="11324" name="Text Box 85"/>
+            <p:cNvSpPr txBox="1">
+              <a:spLocks noChangeArrowheads="1"/>
+            </p:cNvSpPr>
+            <p:nvPr/>
+          </p:nvSpPr>
+          <p:spPr bwMode="auto">
+            <a:xfrm>
+              <a:off x="2514600" y="5410200"/>
+              <a:ext cx="381000" cy="366713"/>
+            </a:xfrm>
+            <a:prstGeom prst="rect">
+              <a:avLst/>
+            </a:prstGeom>
             <a:noFill/>
-            <a:miter lim="800000"/>
-            <a:headEnd/>
-            <a:tailEnd/>
-          </a:ln>
-        </p:spPr>
-        <p:txBody>
-          <a:bodyPr>
-            <a:spAutoFit/>
-          </a:bodyPr>
-          <a:lstStyle/>
-          <a:p>
-            <a:pPr>
-              <a:spcBef>
-                <a:spcPct val="50000"/>
-              </a:spcBef>
-            </a:pPr>
-            <a:r>
-              <a:rPr lang="en-US" altLang="zh-TW"/>
-              <a:t>s</a:t>
-            </a:r>
-          </a:p>
-        </p:txBody>
-      </p:sp>
-      <p:sp>
-        <p:nvSpPr>
-          <p:cNvPr id="11323" name="Oval 84"/>
-          <p:cNvSpPr>
-            <a:spLocks noChangeArrowheads="1"/>
-          </p:cNvSpPr>
-          <p:nvPr/>
-        </p:nvSpPr>
-        <p:spPr bwMode="auto">
-          <a:xfrm>
-            <a:off x="2438400" y="5486400"/>
-            <a:ext cx="304800" cy="304800"/>
-          </a:xfrm>
-          <a:prstGeom prst="ellipse">
-            <a:avLst/>
-          </a:prstGeom>
-          <a:solidFill>
-            <a:schemeClr val="accent1"/>
-          </a:solidFill>
-          <a:ln w="9525">
-            <a:solidFill>
-              <a:schemeClr val="tx1"/>
-            </a:solidFill>
-            <a:round/>
-            <a:headEnd/>
-            <a:tailEnd/>
-          </a:ln>
-        </p:spPr>
-        <p:txBody>
-          <a:bodyPr wrap="none" anchor="ctr"/>
-          <a:lstStyle/>
-          <a:p>
-            <a:endParaRPr lang="zh-TW" altLang="en-US"/>
-          </a:p>
-        </p:txBody>
-      </p:sp>
-      <p:sp>
-        <p:nvSpPr>
-          <p:cNvPr id="11324" name="Text Box 85"/>
-          <p:cNvSpPr txBox="1">
-            <a:spLocks noChangeArrowheads="1"/>
-          </p:cNvSpPr>
-          <p:nvPr/>
-        </p:nvSpPr>
-        <p:spPr bwMode="auto">
-          <a:xfrm>
-            <a:off x="2514600" y="5410200"/>
-            <a:ext cx="381000" cy="366713"/>
-          </a:xfrm>
-          <a:prstGeom prst="rect">
-            <a:avLst/>
-          </a:prstGeom>
-          <a:noFill/>
-          <a:ln w="9525">
+            <a:ln w="9525">
+              <a:noFill/>
+              <a:miter lim="800000"/>
+              <a:headEnd/>
+              <a:tailEnd/>
+            </a:ln>
+          </p:spPr>
+          <p:txBody>
+            <a:bodyPr>
+              <a:spAutoFit/>
+            </a:bodyPr>
+            <a:lstStyle/>
+            <a:p>
+              <a:pPr>
+                <a:spcBef>
+                  <a:spcPct val="50000"/>
+                </a:spcBef>
+              </a:pPr>
+              <a:r>
+                <a:rPr lang="en-US" altLang="zh-TW"/>
+                <a:t>t</a:t>
+              </a:r>
+            </a:p>
+          </p:txBody>
+        </p:sp>
+        <p:pic>
+          <p:nvPicPr>
+            <p:cNvPr id="11331" name="Picture 92" descr="FlatStamp[1]"/>
+            <p:cNvPicPr>
+              <a:picLocks noChangeAspect="1" noChangeArrowheads="1"/>
+            </p:cNvPicPr>
+            <p:nvPr/>
+          </p:nvPicPr>
+          <p:blipFill>
+            <a:blip r:embed="rId6" cstate="print"/>
+            <a:srcRect/>
+            <a:stretch>
+              <a:fillRect/>
+            </a:stretch>
+          </p:blipFill>
+          <p:spPr bwMode="auto">
+            <a:xfrm>
+              <a:off x="2057400" y="5105400"/>
+              <a:ext cx="287338" cy="250825"/>
+            </a:xfrm>
+            <a:prstGeom prst="rect">
+              <a:avLst/>
+            </a:prstGeom>
             <a:noFill/>
-            <a:miter lim="800000"/>
-            <a:headEnd/>
-            <a:tailEnd/>
-          </a:ln>
-        </p:spPr>
-        <p:txBody>
-          <a:bodyPr>
-            <a:spAutoFit/>
-          </a:bodyPr>
-          <a:lstStyle/>
-          <a:p>
-            <a:pPr>
-              <a:spcBef>
-                <a:spcPct val="50000"/>
-              </a:spcBef>
-            </a:pPr>
-            <a:r>
-              <a:rPr lang="en-US" altLang="zh-TW"/>
-              <a:t>t</a:t>
-            </a:r>
-          </a:p>
-        </p:txBody>
-      </p:sp>
-      <p:sp>
-        <p:nvSpPr>
-          <p:cNvPr id="11325" name="Text Box 86"/>
-          <p:cNvSpPr txBox="1">
-            <a:spLocks noChangeArrowheads="1"/>
-          </p:cNvSpPr>
-          <p:nvPr/>
-        </p:nvSpPr>
-        <p:spPr bwMode="auto">
-          <a:xfrm>
-            <a:off x="3733800" y="3962400"/>
-            <a:ext cx="1828800" cy="366713"/>
-          </a:xfrm>
-          <a:prstGeom prst="rect">
-            <a:avLst/>
-          </a:prstGeom>
-          <a:noFill/>
-          <a:ln w="9525">
+            <a:ln w="9525">
+              <a:noFill/>
+              <a:miter lim="800000"/>
+              <a:headEnd/>
+              <a:tailEnd/>
+            </a:ln>
+          </p:spPr>
+        </p:pic>
+        <p:sp>
+          <p:nvSpPr>
+            <p:cNvPr id="11332" name="Line 94"/>
+            <p:cNvSpPr>
+              <a:spLocks noChangeShapeType="1"/>
+            </p:cNvSpPr>
+            <p:nvPr/>
+          </p:nvSpPr>
+          <p:spPr bwMode="auto">
+            <a:xfrm>
+              <a:off x="2133600" y="4953000"/>
+              <a:ext cx="0" cy="228600"/>
+            </a:xfrm>
+            <a:prstGeom prst="line">
+              <a:avLst/>
+            </a:prstGeom>
             <a:noFill/>
-            <a:miter lim="800000"/>
-            <a:headEnd/>
-            <a:tailEnd/>
-          </a:ln>
-        </p:spPr>
-        <p:txBody>
-          <a:bodyPr>
-            <a:spAutoFit/>
-          </a:bodyPr>
-          <a:lstStyle/>
-          <a:p>
-            <a:pPr>
-              <a:spcBef>
-                <a:spcPct val="50000"/>
-              </a:spcBef>
-            </a:pPr>
-            <a:r>
-              <a:rPr lang="en-US" altLang="zh-TW"/>
-              <a:t>Position Finder</a:t>
-            </a:r>
-          </a:p>
-        </p:txBody>
-      </p:sp>
-      <p:sp>
-        <p:nvSpPr>
-          <p:cNvPr id="11326" name="Line 87"/>
-          <p:cNvSpPr>
-            <a:spLocks noChangeShapeType="1"/>
-          </p:cNvSpPr>
-          <p:nvPr/>
-        </p:nvSpPr>
-        <p:spPr bwMode="auto">
-          <a:xfrm>
-            <a:off x="3429000" y="4572000"/>
-            <a:ext cx="990600" cy="0"/>
-          </a:xfrm>
-          <a:prstGeom prst="line">
-            <a:avLst/>
-          </a:prstGeom>
-          <a:noFill/>
-          <a:ln w="9525">
-            <a:solidFill>
-              <a:schemeClr val="tx1"/>
-            </a:solidFill>
-            <a:round/>
-            <a:headEnd/>
-            <a:tailEnd/>
-          </a:ln>
-        </p:spPr>
-        <p:txBody>
-          <a:bodyPr/>
-          <a:lstStyle/>
-          <a:p>
-            <a:endParaRPr lang="zh-TW" altLang="en-US"/>
-          </a:p>
-        </p:txBody>
-      </p:sp>
-      <p:sp>
-        <p:nvSpPr>
-          <p:cNvPr id="11327" name="Line 88"/>
-          <p:cNvSpPr>
-            <a:spLocks noChangeShapeType="1"/>
-          </p:cNvSpPr>
-          <p:nvPr/>
-        </p:nvSpPr>
-        <p:spPr bwMode="auto">
-          <a:xfrm flipV="1">
-            <a:off x="4419600" y="4267200"/>
-            <a:ext cx="0" cy="304800"/>
-          </a:xfrm>
-          <a:prstGeom prst="line">
-            <a:avLst/>
-          </a:prstGeom>
-          <a:noFill/>
-          <a:ln w="9525">
-            <a:solidFill>
-              <a:schemeClr val="tx1"/>
-            </a:solidFill>
-            <a:round/>
-            <a:headEnd/>
-            <a:tailEnd type="triangle" w="med" len="med"/>
-          </a:ln>
-        </p:spPr>
-        <p:txBody>
-          <a:bodyPr/>
-          <a:lstStyle/>
-          <a:p>
-            <a:endParaRPr lang="zh-TW" altLang="en-US"/>
-          </a:p>
-        </p:txBody>
-      </p:sp>
-      <p:sp>
-        <p:nvSpPr>
-          <p:cNvPr id="11328" name="Line 89"/>
-          <p:cNvSpPr>
-            <a:spLocks noChangeShapeType="1"/>
-          </p:cNvSpPr>
-          <p:nvPr/>
-        </p:nvSpPr>
-        <p:spPr bwMode="auto">
-          <a:xfrm flipH="1">
-            <a:off x="2133600" y="4114800"/>
-            <a:ext cx="1524000" cy="0"/>
-          </a:xfrm>
-          <a:prstGeom prst="line">
-            <a:avLst/>
-          </a:prstGeom>
-          <a:noFill/>
-          <a:ln w="9525">
-            <a:solidFill>
-              <a:schemeClr val="tx1"/>
-            </a:solidFill>
-            <a:round/>
-            <a:headEnd/>
-            <a:tailEnd/>
-          </a:ln>
-        </p:spPr>
-        <p:txBody>
-          <a:bodyPr/>
-          <a:lstStyle/>
-          <a:p>
-            <a:endParaRPr lang="zh-TW" altLang="en-US"/>
-          </a:p>
-        </p:txBody>
-      </p:sp>
-      <p:sp>
-        <p:nvSpPr>
-          <p:cNvPr id="11329" name="Line 90"/>
-          <p:cNvSpPr>
-            <a:spLocks noChangeShapeType="1"/>
-          </p:cNvSpPr>
-          <p:nvPr/>
-        </p:nvSpPr>
-        <p:spPr bwMode="auto">
-          <a:xfrm>
-            <a:off x="2133600" y="4114800"/>
-            <a:ext cx="0" cy="152400"/>
-          </a:xfrm>
-          <a:prstGeom prst="line">
-            <a:avLst/>
-          </a:prstGeom>
-          <a:noFill/>
-          <a:ln w="9525">
-            <a:solidFill>
-              <a:schemeClr val="tx1"/>
-            </a:solidFill>
-            <a:round/>
-            <a:headEnd/>
-            <a:tailEnd type="triangle" w="med" len="med"/>
-          </a:ln>
-        </p:spPr>
-        <p:txBody>
-          <a:bodyPr/>
-          <a:lstStyle/>
-          <a:p>
-            <a:endParaRPr lang="zh-TW" altLang="en-US"/>
-          </a:p>
-        </p:txBody>
-      </p:sp>
-      <p:sp>
-        <p:nvSpPr>
-          <p:cNvPr id="11330" name="Text Box 91"/>
-          <p:cNvSpPr txBox="1">
-            <a:spLocks noChangeArrowheads="1"/>
-          </p:cNvSpPr>
-          <p:nvPr/>
-        </p:nvSpPr>
-        <p:spPr bwMode="auto">
-          <a:xfrm>
-            <a:off x="2133600" y="3810000"/>
-            <a:ext cx="1905000" cy="304800"/>
-          </a:xfrm>
-          <a:prstGeom prst="rect">
-            <a:avLst/>
-          </a:prstGeom>
-          <a:noFill/>
-          <a:ln w="9525">
+            <a:ln w="9525">
+              <a:solidFill>
+                <a:srgbClr val="FF0000"/>
+              </a:solidFill>
+              <a:round/>
+              <a:headEnd/>
+              <a:tailEnd/>
+            </a:ln>
+          </p:spPr>
+          <p:txBody>
+            <a:bodyPr/>
+            <a:lstStyle/>
+            <a:p>
+              <a:endParaRPr lang="zh-TW" altLang="en-US"/>
+            </a:p>
+          </p:txBody>
+        </p:sp>
+        <p:sp>
+          <p:nvSpPr>
+            <p:cNvPr id="11333" name="Line 95"/>
+            <p:cNvSpPr>
+              <a:spLocks noChangeShapeType="1"/>
+            </p:cNvSpPr>
+            <p:nvPr/>
+          </p:nvSpPr>
+          <p:spPr bwMode="auto">
+            <a:xfrm>
+              <a:off x="2514600" y="5181600"/>
+              <a:ext cx="0" cy="304800"/>
+            </a:xfrm>
+            <a:prstGeom prst="line">
+              <a:avLst/>
+            </a:prstGeom>
             <a:noFill/>
-            <a:miter lim="800000"/>
-            <a:headEnd/>
-            <a:tailEnd/>
-          </a:ln>
-        </p:spPr>
-        <p:txBody>
-          <a:bodyPr>
-            <a:spAutoFit/>
-          </a:bodyPr>
-          <a:lstStyle/>
-          <a:p>
-            <a:pPr>
-              <a:spcBef>
-                <a:spcPct val="50000"/>
-              </a:spcBef>
-            </a:pPr>
-            <a:r>
-              <a:rPr lang="en-US" altLang="zh-TW" sz="1400"/>
-              <a:t>Confirm Position</a:t>
-            </a:r>
-          </a:p>
-        </p:txBody>
-      </p:sp>
-      <p:pic>
-        <p:nvPicPr>
-          <p:cNvPr id="11331" name="Picture 92" descr="FlatStamp[1]"/>
-          <p:cNvPicPr>
-            <a:picLocks noChangeAspect="1" noChangeArrowheads="1"/>
-          </p:cNvPicPr>
-          <p:nvPr/>
-        </p:nvPicPr>
-        <p:blipFill>
-          <a:blip r:embed="rId6" cstate="print"/>
-          <a:srcRect/>
-          <a:stretch>
-            <a:fillRect/>
-          </a:stretch>
-        </p:blipFill>
-        <p:spPr bwMode="auto">
-          <a:xfrm>
-            <a:off x="2057400" y="5105400"/>
-            <a:ext cx="287338" cy="250825"/>
-          </a:xfrm>
-          <a:prstGeom prst="rect">
-            <a:avLst/>
-          </a:prstGeom>
-          <a:noFill/>
-          <a:ln w="9525">
+            <a:ln w="9525">
+              <a:solidFill>
+                <a:srgbClr val="FF0000"/>
+              </a:solidFill>
+              <a:round/>
+              <a:headEnd/>
+              <a:tailEnd type="triangle" w="med" len="med"/>
+            </a:ln>
+          </p:spPr>
+          <p:txBody>
+            <a:bodyPr/>
+            <a:lstStyle/>
+            <a:p>
+              <a:endParaRPr lang="zh-TW" altLang="en-US"/>
+            </a:p>
+          </p:txBody>
+        </p:sp>
+        <p:sp>
+          <p:nvSpPr>
+            <p:cNvPr id="11334" name="Line 96"/>
+            <p:cNvSpPr>
+              <a:spLocks noChangeShapeType="1"/>
+            </p:cNvSpPr>
+            <p:nvPr/>
+          </p:nvSpPr>
+          <p:spPr bwMode="auto">
+            <a:xfrm flipV="1">
+              <a:off x="2362200" y="5181600"/>
+              <a:ext cx="152400" cy="0"/>
+            </a:xfrm>
+            <a:prstGeom prst="line">
+              <a:avLst/>
+            </a:prstGeom>
             <a:noFill/>
-            <a:miter lim="800000"/>
-            <a:headEnd/>
-            <a:tailEnd/>
-          </a:ln>
-        </p:spPr>
-      </p:pic>
-      <p:sp>
-        <p:nvSpPr>
-          <p:cNvPr id="11332" name="Line 94"/>
-          <p:cNvSpPr>
-            <a:spLocks noChangeShapeType="1"/>
-          </p:cNvSpPr>
-          <p:nvPr/>
-        </p:nvSpPr>
-        <p:spPr bwMode="auto">
-          <a:xfrm>
-            <a:off x="2133600" y="4953000"/>
-            <a:ext cx="0" cy="228600"/>
-          </a:xfrm>
-          <a:prstGeom prst="line">
-            <a:avLst/>
-          </a:prstGeom>
-          <a:noFill/>
-          <a:ln w="9525">
-            <a:solidFill>
-              <a:srgbClr val="FF0000"/>
-            </a:solidFill>
-            <a:round/>
-            <a:headEnd/>
-            <a:tailEnd/>
-          </a:ln>
-        </p:spPr>
-        <p:txBody>
-          <a:bodyPr/>
-          <a:lstStyle/>
-          <a:p>
-            <a:endParaRPr lang="zh-TW" altLang="en-US"/>
-          </a:p>
-        </p:txBody>
-      </p:sp>
-      <p:sp>
-        <p:nvSpPr>
-          <p:cNvPr id="11333" name="Line 95"/>
-          <p:cNvSpPr>
-            <a:spLocks noChangeShapeType="1"/>
-          </p:cNvSpPr>
-          <p:nvPr/>
-        </p:nvSpPr>
-        <p:spPr bwMode="auto">
-          <a:xfrm>
-            <a:off x="2514600" y="5181600"/>
-            <a:ext cx="0" cy="304800"/>
-          </a:xfrm>
-          <a:prstGeom prst="line">
-            <a:avLst/>
-          </a:prstGeom>
-          <a:noFill/>
-          <a:ln w="9525">
-            <a:solidFill>
-              <a:srgbClr val="FF0000"/>
-            </a:solidFill>
-            <a:round/>
-            <a:headEnd/>
-            <a:tailEnd type="triangle" w="med" len="med"/>
-          </a:ln>
-        </p:spPr>
-        <p:txBody>
-          <a:bodyPr/>
-          <a:lstStyle/>
-          <a:p>
-            <a:endParaRPr lang="zh-TW" altLang="en-US"/>
-          </a:p>
-        </p:txBody>
-      </p:sp>
-      <p:sp>
-        <p:nvSpPr>
-          <p:cNvPr id="11334" name="Line 96"/>
-          <p:cNvSpPr>
-            <a:spLocks noChangeShapeType="1"/>
-          </p:cNvSpPr>
-          <p:nvPr/>
-        </p:nvSpPr>
-        <p:spPr bwMode="auto">
-          <a:xfrm flipV="1">
-            <a:off x="2362200" y="5181600"/>
-            <a:ext cx="152400" cy="0"/>
-          </a:xfrm>
-          <a:prstGeom prst="line">
-            <a:avLst/>
-          </a:prstGeom>
-          <a:noFill/>
-          <a:ln w="9525">
-            <a:solidFill>
-              <a:srgbClr val="FF0000"/>
-            </a:solidFill>
-            <a:round/>
-            <a:headEnd/>
-            <a:tailEnd/>
-          </a:ln>
-        </p:spPr>
-        <p:txBody>
-          <a:bodyPr/>
-          <a:lstStyle/>
-          <a:p>
-            <a:endParaRPr lang="zh-TW" altLang="en-US"/>
-          </a:p>
-        </p:txBody>
-      </p:sp>
+            <a:ln w="9525">
+              <a:solidFill>
+                <a:srgbClr val="FF0000"/>
+              </a:solidFill>
+              <a:round/>
+              <a:headEnd/>
+              <a:tailEnd/>
+            </a:ln>
+          </p:spPr>
+          <p:txBody>
+            <a:bodyPr/>
+            <a:lstStyle/>
+            <a:p>
+              <a:endParaRPr lang="zh-TW" altLang="en-US"/>
+            </a:p>
+          </p:txBody>
+        </p:sp>
+      </p:grpSp>
     </p:spTree>
   </p:cSld>
   <p:clrMapOvr>
     <a:masterClrMapping/>
   </p:clrMapOvr>
+  <p:timing>
+    <p:tnLst>
+      <p:par>
+        <p:cTn id="1" dur="indefinite" restart="never" nodeType="tmRoot">
+          <p:childTnLst>
+            <p:seq concurrent="1" nextAc="seek">
+              <p:cTn id="2" dur="indefinite" nodeType="mainSeq">
+                <p:childTnLst>
+                  <p:par>
+                    <p:cTn id="3" fill="hold">
+                      <p:stCondLst>
+                        <p:cond delay="indefinite"/>
+                      </p:stCondLst>
+                      <p:childTnLst>
+                        <p:par>
+                          <p:cTn id="4" fill="hold">
+                            <p:stCondLst>
+                              <p:cond delay="0"/>
+                            </p:stCondLst>
+                            <p:childTnLst>
+                              <p:par>
+                                <p:cTn id="5" presetID="9" presetClass="entr" presetSubtype="0" fill="hold" nodeType="clickEffect">
+                                  <p:stCondLst>
+                                    <p:cond delay="0"/>
+                                  </p:stCondLst>
+                                  <p:childTnLst>
+                                    <p:set>
+                                      <p:cBhvr>
+                                        <p:cTn id="6" dur="1" fill="hold">
+                                          <p:stCondLst>
+                                            <p:cond delay="0"/>
+                                          </p:stCondLst>
+                                        </p:cTn>
+                                        <p:tgtEl>
+                                          <p:spTgt spid="72"/>
+                                        </p:tgtEl>
+                                        <p:attrNameLst>
+                                          <p:attrName>style.visibility</p:attrName>
+                                        </p:attrNameLst>
+                                      </p:cBhvr>
+                                      <p:to>
+                                        <p:strVal val="visible"/>
+                                      </p:to>
+                                    </p:set>
+                                    <p:animEffect transition="in" filter="dissolve">
+                                      <p:cBhvr>
+                                        <p:cTn id="7" dur="500"/>
+                                        <p:tgtEl>
+                                          <p:spTgt spid="72"/>
+                                        </p:tgtEl>
+                                      </p:cBhvr>
+                                    </p:animEffect>
+                                  </p:childTnLst>
+                                </p:cTn>
+                              </p:par>
+                            </p:childTnLst>
+                          </p:cTn>
+                        </p:par>
+                      </p:childTnLst>
+                    </p:cTn>
+                  </p:par>
+                  <p:par>
+                    <p:cTn id="8" fill="hold">
+                      <p:stCondLst>
+                        <p:cond delay="indefinite"/>
+                      </p:stCondLst>
+                      <p:childTnLst>
+                        <p:par>
+                          <p:cTn id="9" fill="hold">
+                            <p:stCondLst>
+                              <p:cond delay="0"/>
+                            </p:stCondLst>
+                            <p:childTnLst>
+                              <p:par>
+                                <p:cTn id="10" presetID="2" presetClass="entr" presetSubtype="8" fill="hold" nodeType="clickEffect">
+                                  <p:stCondLst>
+                                    <p:cond delay="0"/>
+                                  </p:stCondLst>
+                                  <p:childTnLst>
+                                    <p:set>
+                                      <p:cBhvr>
+                                        <p:cTn id="11" dur="1" fill="hold">
+                                          <p:stCondLst>
+                                            <p:cond delay="0"/>
+                                          </p:stCondLst>
+                                        </p:cTn>
+                                        <p:tgtEl>
+                                          <p:spTgt spid="73"/>
+                                        </p:tgtEl>
+                                        <p:attrNameLst>
+                                          <p:attrName>style.visibility</p:attrName>
+                                        </p:attrNameLst>
+                                      </p:cBhvr>
+                                      <p:to>
+                                        <p:strVal val="visible"/>
+                                      </p:to>
+                                    </p:set>
+                                    <p:anim calcmode="lin" valueType="num">
+                                      <p:cBhvr additive="base">
+                                        <p:cTn id="12" dur="500" fill="hold"/>
+                                        <p:tgtEl>
+                                          <p:spTgt spid="73"/>
+                                        </p:tgtEl>
+                                        <p:attrNameLst>
+                                          <p:attrName>ppt_x</p:attrName>
+                                        </p:attrNameLst>
+                                      </p:cBhvr>
+                                      <p:tavLst>
+                                        <p:tav tm="0">
+                                          <p:val>
+                                            <p:strVal val="0-#ppt_w/2"/>
+                                          </p:val>
+                                        </p:tav>
+                                        <p:tav tm="100000">
+                                          <p:val>
+                                            <p:strVal val="#ppt_x"/>
+                                          </p:val>
+                                        </p:tav>
+                                      </p:tavLst>
+                                    </p:anim>
+                                    <p:anim calcmode="lin" valueType="num">
+                                      <p:cBhvr additive="base">
+                                        <p:cTn id="13" dur="500" fill="hold"/>
+                                        <p:tgtEl>
+                                          <p:spTgt spid="73"/>
+                                        </p:tgtEl>
+                                        <p:attrNameLst>
+                                          <p:attrName>ppt_y</p:attrName>
+                                        </p:attrNameLst>
+                                      </p:cBhvr>
+                                      <p:tavLst>
+                                        <p:tav tm="0">
+                                          <p:val>
+                                            <p:strVal val="#ppt_y"/>
+                                          </p:val>
+                                        </p:tav>
+                                        <p:tav tm="100000">
+                                          <p:val>
+                                            <p:strVal val="#ppt_y"/>
+                                          </p:val>
+                                        </p:tav>
+                                      </p:tavLst>
+                                    </p:anim>
+                                  </p:childTnLst>
+                                </p:cTn>
+                              </p:par>
+                            </p:childTnLst>
+                          </p:cTn>
+                        </p:par>
+                      </p:childTnLst>
+                    </p:cTn>
+                  </p:par>
+                  <p:par>
+                    <p:cTn id="14" fill="hold">
+                      <p:stCondLst>
+                        <p:cond delay="indefinite"/>
+                      </p:stCondLst>
+                      <p:childTnLst>
+                        <p:par>
+                          <p:cTn id="15" fill="hold">
+                            <p:stCondLst>
+                              <p:cond delay="0"/>
+                            </p:stCondLst>
+                            <p:childTnLst>
+                              <p:par>
+                                <p:cTn id="16" presetID="3" presetClass="entr" presetSubtype="10" fill="hold" nodeType="clickEffect">
+                                  <p:stCondLst>
+                                    <p:cond delay="0"/>
+                                  </p:stCondLst>
+                                  <p:childTnLst>
+                                    <p:set>
+                                      <p:cBhvr>
+                                        <p:cTn id="17" dur="1" fill="hold">
+                                          <p:stCondLst>
+                                            <p:cond delay="0"/>
+                                          </p:stCondLst>
+                                        </p:cTn>
+                                        <p:tgtEl>
+                                          <p:spTgt spid="74"/>
+                                        </p:tgtEl>
+                                        <p:attrNameLst>
+                                          <p:attrName>style.visibility</p:attrName>
+                                        </p:attrNameLst>
+                                      </p:cBhvr>
+                                      <p:to>
+                                        <p:strVal val="visible"/>
+                                      </p:to>
+                                    </p:set>
+                                    <p:animEffect transition="in" filter="blinds(horizontal)">
+                                      <p:cBhvr>
+                                        <p:cTn id="18" dur="500"/>
+                                        <p:tgtEl>
+                                          <p:spTgt spid="74"/>
+                                        </p:tgtEl>
+                                      </p:cBhvr>
+                                    </p:animEffect>
+                                  </p:childTnLst>
+                                </p:cTn>
+                              </p:par>
+                            </p:childTnLst>
+                          </p:cTn>
+                        </p:par>
+                      </p:childTnLst>
+                    </p:cTn>
+                  </p:par>
+                  <p:par>
+                    <p:cTn id="19" fill="hold">
+                      <p:stCondLst>
+                        <p:cond delay="indefinite"/>
+                      </p:stCondLst>
+                      <p:childTnLst>
+                        <p:par>
+                          <p:cTn id="20" fill="hold">
+                            <p:stCondLst>
+                              <p:cond delay="0"/>
+                            </p:stCondLst>
+                            <p:childTnLst>
+                              <p:par>
+                                <p:cTn id="21" presetID="5" presetClass="entr" presetSubtype="10" fill="hold" nodeType="clickEffect">
+                                  <p:stCondLst>
+                                    <p:cond delay="0"/>
+                                  </p:stCondLst>
+                                  <p:childTnLst>
+                                    <p:set>
+                                      <p:cBhvr>
+                                        <p:cTn id="22" dur="1" fill="hold">
+                                          <p:stCondLst>
+                                            <p:cond delay="0"/>
+                                          </p:stCondLst>
+                                        </p:cTn>
+                                        <p:tgtEl>
+                                          <p:spTgt spid="75"/>
+                                        </p:tgtEl>
+                                        <p:attrNameLst>
+                                          <p:attrName>style.visibility</p:attrName>
+                                        </p:attrNameLst>
+                                      </p:cBhvr>
+                                      <p:to>
+                                        <p:strVal val="visible"/>
+                                      </p:to>
+                                    </p:set>
+                                    <p:animEffect transition="in" filter="checkerboard(across)">
+                                      <p:cBhvr>
+                                        <p:cTn id="23" dur="500"/>
+                                        <p:tgtEl>
+                                          <p:spTgt spid="75"/>
+                                        </p:tgtEl>
+                                      </p:cBhvr>
+                                    </p:animEffect>
+                                  </p:childTnLst>
+                                </p:cTn>
+                              </p:par>
+                            </p:childTnLst>
+                          </p:cTn>
+                        </p:par>
+                      </p:childTnLst>
+                    </p:cTn>
+                  </p:par>
+                  <p:par>
+                    <p:cTn id="24" fill="hold">
+                      <p:stCondLst>
+                        <p:cond delay="indefinite"/>
+                      </p:stCondLst>
+                      <p:childTnLst>
+                        <p:par>
+                          <p:cTn id="25" fill="hold">
+                            <p:stCondLst>
+                              <p:cond delay="0"/>
+                            </p:stCondLst>
+                            <p:childTnLst>
+                              <p:par>
+                                <p:cTn id="26" presetID="9" presetClass="entr" presetSubtype="0" fill="hold" nodeType="clickEffect">
+                                  <p:stCondLst>
+                                    <p:cond delay="0"/>
+                                  </p:stCondLst>
+                                  <p:childTnLst>
+                                    <p:set>
+                                      <p:cBhvr>
+                                        <p:cTn id="27" dur="1" fill="hold">
+                                          <p:stCondLst>
+                                            <p:cond delay="0"/>
+                                          </p:stCondLst>
+                                        </p:cTn>
+                                        <p:tgtEl>
+                                          <p:spTgt spid="76"/>
+                                        </p:tgtEl>
+                                        <p:attrNameLst>
+                                          <p:attrName>style.visibility</p:attrName>
+                                        </p:attrNameLst>
+                                      </p:cBhvr>
+                                      <p:to>
+                                        <p:strVal val="visible"/>
+                                      </p:to>
+                                    </p:set>
+                                    <p:animEffect transition="in" filter="dissolve">
+                                      <p:cBhvr>
+                                        <p:cTn id="28" dur="500"/>
+                                        <p:tgtEl>
+                                          <p:spTgt spid="76"/>
+                                        </p:tgtEl>
+                                      </p:cBhvr>
+                                    </p:animEffect>
+                                  </p:childTnLst>
+                                </p:cTn>
+                              </p:par>
+                            </p:childTnLst>
+                          </p:cTn>
+                        </p:par>
+                      </p:childTnLst>
+                    </p:cTn>
+                  </p:par>
+                  <p:par>
+                    <p:cTn id="29" fill="hold">
+                      <p:stCondLst>
+                        <p:cond delay="indefinite"/>
+                      </p:stCondLst>
+                      <p:childTnLst>
+                        <p:par>
+                          <p:cTn id="30" fill="hold">
+                            <p:stCondLst>
+                              <p:cond delay="0"/>
+                            </p:stCondLst>
+                            <p:childTnLst>
+                              <p:par>
+                                <p:cTn id="31" presetID="2" presetClass="entr" presetSubtype="2" fill="hold" nodeType="clickEffect">
+                                  <p:stCondLst>
+                                    <p:cond delay="0"/>
+                                  </p:stCondLst>
+                                  <p:childTnLst>
+                                    <p:set>
+                                      <p:cBhvr>
+                                        <p:cTn id="32" dur="1" fill="hold">
+                                          <p:stCondLst>
+                                            <p:cond delay="0"/>
+                                          </p:stCondLst>
+                                        </p:cTn>
+                                        <p:tgtEl>
+                                          <p:spTgt spid="77"/>
+                                        </p:tgtEl>
+                                        <p:attrNameLst>
+                                          <p:attrName>style.visibility</p:attrName>
+                                        </p:attrNameLst>
+                                      </p:cBhvr>
+                                      <p:to>
+                                        <p:strVal val="visible"/>
+                                      </p:to>
+                                    </p:set>
+                                    <p:anim calcmode="lin" valueType="num">
+                                      <p:cBhvr additive="base">
+                                        <p:cTn id="33" dur="500" fill="hold"/>
+                                        <p:tgtEl>
+                                          <p:spTgt spid="77"/>
+                                        </p:tgtEl>
+                                        <p:attrNameLst>
+                                          <p:attrName>ppt_x</p:attrName>
+                                        </p:attrNameLst>
+                                      </p:cBhvr>
+                                      <p:tavLst>
+                                        <p:tav tm="0">
+                                          <p:val>
+                                            <p:strVal val="1+#ppt_w/2"/>
+                                          </p:val>
+                                        </p:tav>
+                                        <p:tav tm="100000">
+                                          <p:val>
+                                            <p:strVal val="#ppt_x"/>
+                                          </p:val>
+                                        </p:tav>
+                                      </p:tavLst>
+                                    </p:anim>
+                                    <p:anim calcmode="lin" valueType="num">
+                                      <p:cBhvr additive="base">
+                                        <p:cTn id="34" dur="500" fill="hold"/>
+                                        <p:tgtEl>
+                                          <p:spTgt spid="77"/>
+                                        </p:tgtEl>
+                                        <p:attrNameLst>
+                                          <p:attrName>ppt_y</p:attrName>
+                                        </p:attrNameLst>
+                                      </p:cBhvr>
+                                      <p:tavLst>
+                                        <p:tav tm="0">
+                                          <p:val>
+                                            <p:strVal val="#ppt_y"/>
+                                          </p:val>
+                                        </p:tav>
+                                        <p:tav tm="100000">
+                                          <p:val>
+                                            <p:strVal val="#ppt_y"/>
+                                          </p:val>
+                                        </p:tav>
+                                      </p:tavLst>
+                                    </p:anim>
+                                  </p:childTnLst>
+                                </p:cTn>
+                              </p:par>
+                            </p:childTnLst>
+                          </p:cTn>
+                        </p:par>
+                      </p:childTnLst>
+                    </p:cTn>
+                  </p:par>
+                  <p:par>
+                    <p:cTn id="35" fill="hold">
+                      <p:stCondLst>
+                        <p:cond delay="indefinite"/>
+                      </p:stCondLst>
+                      <p:childTnLst>
+                        <p:par>
+                          <p:cTn id="36" fill="hold">
+                            <p:stCondLst>
+                              <p:cond delay="0"/>
+                            </p:stCondLst>
+                            <p:childTnLst>
+                              <p:par>
+                                <p:cTn id="37" presetID="9" presetClass="entr" presetSubtype="0" fill="hold" nodeType="clickEffect">
+                                  <p:stCondLst>
+                                    <p:cond delay="0"/>
+                                  </p:stCondLst>
+                                  <p:childTnLst>
+                                    <p:set>
+                                      <p:cBhvr>
+                                        <p:cTn id="38" dur="1" fill="hold">
+                                          <p:stCondLst>
+                                            <p:cond delay="0"/>
+                                          </p:stCondLst>
+                                        </p:cTn>
+                                        <p:tgtEl>
+                                          <p:spTgt spid="78"/>
+                                        </p:tgtEl>
+                                        <p:attrNameLst>
+                                          <p:attrName>style.visibility</p:attrName>
+                                        </p:attrNameLst>
+                                      </p:cBhvr>
+                                      <p:to>
+                                        <p:strVal val="visible"/>
+                                      </p:to>
+                                    </p:set>
+                                    <p:animEffect transition="in" filter="dissolve">
+                                      <p:cBhvr>
+                                        <p:cTn id="39" dur="500"/>
+                                        <p:tgtEl>
+                                          <p:spTgt spid="78"/>
+                                        </p:tgtEl>
+                                      </p:cBhvr>
+                                    </p:animEffect>
+                                  </p:childTnLst>
+                                </p:cTn>
+                              </p:par>
+                            </p:childTnLst>
+                          </p:cTn>
+                        </p:par>
+                      </p:childTnLst>
+                    </p:cTn>
+                  </p:par>
+                  <p:par>
+                    <p:cTn id="40" fill="hold">
+                      <p:stCondLst>
+                        <p:cond delay="indefinite"/>
+                      </p:stCondLst>
+                      <p:childTnLst>
+                        <p:par>
+                          <p:cTn id="41" fill="hold">
+                            <p:stCondLst>
+                              <p:cond delay="0"/>
+                            </p:stCondLst>
+                            <p:childTnLst>
+                              <p:par>
+                                <p:cTn id="42" presetID="5" presetClass="entr" presetSubtype="10" fill="hold" nodeType="clickEffect">
+                                  <p:stCondLst>
+                                    <p:cond delay="0"/>
+                                  </p:stCondLst>
+                                  <p:childTnLst>
+                                    <p:set>
+                                      <p:cBhvr>
+                                        <p:cTn id="43" dur="1" fill="hold">
+                                          <p:stCondLst>
+                                            <p:cond delay="0"/>
+                                          </p:stCondLst>
+                                        </p:cTn>
+                                        <p:tgtEl>
+                                          <p:spTgt spid="79"/>
+                                        </p:tgtEl>
+                                        <p:attrNameLst>
+                                          <p:attrName>style.visibility</p:attrName>
+                                        </p:attrNameLst>
+                                      </p:cBhvr>
+                                      <p:to>
+                                        <p:strVal val="visible"/>
+                                      </p:to>
+                                    </p:set>
+                                    <p:animEffect transition="in" filter="checkerboard(across)">
+                                      <p:cBhvr>
+                                        <p:cTn id="44" dur="500"/>
+                                        <p:tgtEl>
+                                          <p:spTgt spid="79"/>
+                                        </p:tgtEl>
+                                      </p:cBhvr>
+                                    </p:animEffect>
+                                  </p:childTnLst>
+                                </p:cTn>
+                              </p:par>
+                            </p:childTnLst>
+                          </p:cTn>
+                        </p:par>
+                      </p:childTnLst>
+                    </p:cTn>
+                  </p:par>
+                </p:childTnLst>
+              </p:cTn>
+              <p:prevCondLst>
+                <p:cond evt="onPrev" delay="0">
+                  <p:tgtEl>
+                    <p:sldTgt/>
+                  </p:tgtEl>
+                </p:cond>
+              </p:prevCondLst>
+              <p:nextCondLst>
+                <p:cond evt="onNext" delay="0">
+                  <p:tgtEl>
+                    <p:sldTgt/>
+                  </p:tgtEl>
+                </p:cond>
+              </p:nextCondLst>
+            </p:seq>
+          </p:childTnLst>
+        </p:cTn>
+      </p:par>
+    </p:tnLst>
+  </p:timing>
 </p:sld>
 </file>
 
@@ -7511,6 +8159,13 @@
   <p:clrMapOvr>
     <a:masterClrMapping/>
   </p:clrMapOvr>
+  <p:timing>
+    <p:tnLst>
+      <p:par>
+        <p:cTn id="1" dur="indefinite" restart="never" nodeType="tmRoot"/>
+      </p:par>
+    </p:tnLst>
+  </p:timing>
 </p:sld>
 </file>
 
@@ -7579,7 +8234,7 @@
           <a:lstStyle/>
           <a:p>
             <a:r>
-              <a:rPr lang="en-US" altLang="zh-TW" smtClean="0">
+              <a:rPr lang="en-US" altLang="zh-TW" dirty="0" smtClean="0">
                 <a:ea typeface="新細明體" charset="-120"/>
               </a:rPr>
               <a:t>Effective Communication</a:t>
@@ -7588,7 +8243,7 @@
           <a:p>
             <a:pPr lvl="1"/>
             <a:r>
-              <a:rPr lang="en-US" altLang="zh-TW" smtClean="0">
+              <a:rPr lang="en-US" altLang="zh-TW" dirty="0" smtClean="0">
                 <a:ea typeface="新細明體" charset="-120"/>
               </a:rPr>
               <a:t>UML </a:t>
@@ -7597,20 +8252,34 @@
           <a:p>
             <a:pPr lvl="1"/>
             <a:r>
-              <a:rPr lang="en-US" altLang="zh-TW" smtClean="0">
+              <a:rPr lang="en-US" altLang="zh-TW" dirty="0" smtClean="0">
                 <a:ea typeface="新細明體" charset="-120"/>
               </a:rPr>
               <a:t>Google Code, Google Group</a:t>
             </a:r>
           </a:p>
           <a:p>
-            <a:endParaRPr lang="en-US" altLang="zh-TW" smtClean="0">
+            <a:r>
+              <a:rPr lang="en-US" dirty="0" smtClean="0"/>
+              <a:t> </a:t>
+            </a:r>
+            <a:r>
+              <a:rPr lang="en-US" dirty="0" smtClean="0"/>
+              <a:t>Easy-to-work-with Clients</a:t>
+            </a:r>
+          </a:p>
+          <a:p>
+            <a:r>
+              <a:rPr lang="en-US" dirty="0" smtClean="0"/>
+              <a:t> Experienced Instructor</a:t>
+            </a:r>
+            <a:endParaRPr lang="en-US" altLang="zh-TW" dirty="0" smtClean="0">
               <a:ea typeface="新細明體" charset="-120"/>
             </a:endParaRPr>
           </a:p>
           <a:p>
             <a:pPr lvl="1"/>
-            <a:endParaRPr lang="en-US" altLang="zh-TW" smtClean="0">
+            <a:endParaRPr lang="en-US" altLang="zh-TW" dirty="0" smtClean="0">
               <a:ea typeface="新細明體" charset="-120"/>
             </a:endParaRPr>
           </a:p>
@@ -7621,6 +8290,13 @@
   <p:clrMapOvr>
     <a:masterClrMapping/>
   </p:clrMapOvr>
+  <p:timing>
+    <p:tnLst>
+      <p:par>
+        <p:cTn id="1" dur="indefinite" restart="never" nodeType="tmRoot"/>
+      </p:par>
+    </p:tnLst>
+  </p:timing>
 </p:sld>
 </file>
 
@@ -7791,7 +8467,7 @@
                 </a:spcBef>
               </a:pPr>
               <a:r>
-                <a:rPr lang="en-US" altLang="zh-TW" b="1">
+                <a:rPr lang="en-US" altLang="zh-TW" b="1" dirty="0">
                   <a:solidFill>
                     <a:srgbClr val="FF0000"/>
                   </a:solidFill>
@@ -7879,6 +8555,299 @@
           </p:txBody>
         </p:sp>
       </p:grpSp>
+      <p:cxnSp>
+        <p:nvCxnSpPr>
+          <p:cNvPr id="11" name="Straight Connector 10"/>
+          <p:cNvCxnSpPr>
+            <a:stCxn id="9" idx="1"/>
+            <a:endCxn id="9" idx="3"/>
+          </p:cNvCxnSpPr>
+          <p:nvPr/>
+        </p:nvCxnSpPr>
+        <p:spPr>
+          <a:xfrm rot="10800000" flipH="1">
+            <a:off x="7467600" y="2715399"/>
+            <a:ext cx="1143000" cy="0"/>
+          </a:xfrm>
+          <a:prstGeom prst="line">
+            <a:avLst/>
+          </a:prstGeom>
+        </p:spPr>
+        <p:style>
+          <a:lnRef idx="1">
+            <a:schemeClr val="dk1"/>
+          </a:lnRef>
+          <a:fillRef idx="0">
+            <a:schemeClr val="dk1"/>
+          </a:fillRef>
+          <a:effectRef idx="0">
+            <a:schemeClr val="dk1"/>
+          </a:effectRef>
+          <a:fontRef idx="minor">
+            <a:schemeClr val="tx1"/>
+          </a:fontRef>
+        </p:style>
+      </p:cxnSp>
+      <p:grpSp>
+        <p:nvGrpSpPr>
+          <p:cNvPr id="30" name="Group 29"/>
+          <p:cNvGrpSpPr/>
+          <p:nvPr/>
+        </p:nvGrpSpPr>
+        <p:grpSpPr>
+          <a:xfrm>
+            <a:off x="6096000" y="2438400"/>
+            <a:ext cx="2514600" cy="3297198"/>
+            <a:chOff x="6096000" y="2438400"/>
+            <a:chExt cx="2514600" cy="3297198"/>
+          </a:xfrm>
+        </p:grpSpPr>
+        <p:sp>
+          <p:nvSpPr>
+            <p:cNvPr id="9" name="TextBox 8"/>
+            <p:cNvSpPr txBox="1"/>
+            <p:nvPr/>
+          </p:nvSpPr>
+          <p:spPr>
+            <a:xfrm>
+              <a:off x="7467600" y="2438400"/>
+              <a:ext cx="1143000" cy="553998"/>
+            </a:xfrm>
+            <a:prstGeom prst="rect">
+              <a:avLst/>
+            </a:prstGeom>
+            <a:noFill/>
+            <a:ln>
+              <a:solidFill>
+                <a:schemeClr val="tx1"/>
+              </a:solidFill>
+            </a:ln>
+          </p:spPr>
+          <p:txBody>
+            <a:bodyPr wrap="square" rtlCol="0">
+              <a:spAutoFit/>
+            </a:bodyPr>
+            <a:lstStyle/>
+            <a:p>
+              <a:pPr algn="ctr"/>
+              <a:r>
+                <a:rPr lang="en-US" sz="1000" b="1" dirty="0" err="1" smtClean="0"/>
+                <a:t>XXPathFinder</a:t>
+              </a:r>
+              <a:endParaRPr lang="en-US" sz="1000" b="1" dirty="0" smtClean="0"/>
+            </a:p>
+            <a:p>
+              <a:r>
+                <a:rPr lang="en-US" sz="1000" dirty="0" smtClean="0"/>
+                <a:t>…</a:t>
+              </a:r>
+            </a:p>
+            <a:p>
+              <a:r>
+                <a:rPr lang="en-US" sz="1000" dirty="0" smtClean="0"/>
+                <a:t>+ </a:t>
+              </a:r>
+              <a:r>
+                <a:rPr lang="en-US" sz="1000" dirty="0" err="1" smtClean="0"/>
+                <a:t>getPath</a:t>
+              </a:r>
+              <a:r>
+                <a:rPr lang="en-US" sz="1000" dirty="0" smtClean="0"/>
+                <a:t>()</a:t>
+              </a:r>
+              <a:endParaRPr lang="en-US" sz="1000" dirty="0"/>
+            </a:p>
+          </p:txBody>
+        </p:sp>
+        <p:cxnSp>
+          <p:nvCxnSpPr>
+            <p:cNvPr id="13" name="Straight Connector 12"/>
+            <p:cNvCxnSpPr/>
+            <p:nvPr/>
+          </p:nvCxnSpPr>
+          <p:spPr>
+            <a:xfrm>
+              <a:off x="7467600" y="2743200"/>
+              <a:ext cx="1143000" cy="0"/>
+            </a:xfrm>
+            <a:prstGeom prst="line">
+              <a:avLst/>
+            </a:prstGeom>
+          </p:spPr>
+          <p:style>
+            <a:lnRef idx="1">
+              <a:schemeClr val="dk1"/>
+            </a:lnRef>
+            <a:fillRef idx="0">
+              <a:schemeClr val="dk1"/>
+            </a:fillRef>
+            <a:effectRef idx="0">
+              <a:schemeClr val="dk1"/>
+            </a:effectRef>
+            <a:fontRef idx="minor">
+              <a:schemeClr val="tx1"/>
+            </a:fontRef>
+          </p:style>
+        </p:cxnSp>
+        <p:cxnSp>
+          <p:nvCxnSpPr>
+            <p:cNvPr id="21" name="Straight Arrow Connector 20"/>
+            <p:cNvCxnSpPr/>
+            <p:nvPr/>
+          </p:nvCxnSpPr>
+          <p:spPr>
+            <a:xfrm rot="10800000">
+              <a:off x="6705600" y="2819400"/>
+              <a:ext cx="762000" cy="1588"/>
+            </a:xfrm>
+            <a:prstGeom prst="straightConnector1">
+              <a:avLst/>
+            </a:prstGeom>
+            <a:ln w="22225">
+              <a:prstDash val="dash"/>
+              <a:tailEnd type="triangle" w="lg" len="lg"/>
+            </a:ln>
+          </p:spPr>
+          <p:style>
+            <a:lnRef idx="1">
+              <a:schemeClr val="dk1"/>
+            </a:lnRef>
+            <a:fillRef idx="0">
+              <a:schemeClr val="dk1"/>
+            </a:fillRef>
+            <a:effectRef idx="0">
+              <a:schemeClr val="dk1"/>
+            </a:effectRef>
+            <a:fontRef idx="minor">
+              <a:schemeClr val="tx1"/>
+            </a:fontRef>
+          </p:style>
+        </p:cxnSp>
+        <p:sp>
+          <p:nvSpPr>
+            <p:cNvPr id="23" name="TextBox 22"/>
+            <p:cNvSpPr txBox="1"/>
+            <p:nvPr/>
+          </p:nvSpPr>
+          <p:spPr>
+            <a:xfrm>
+              <a:off x="6858000" y="5181600"/>
+              <a:ext cx="1295400" cy="553998"/>
+            </a:xfrm>
+            <a:prstGeom prst="rect">
+              <a:avLst/>
+            </a:prstGeom>
+            <a:noFill/>
+            <a:ln>
+              <a:solidFill>
+                <a:schemeClr val="tx1"/>
+              </a:solidFill>
+            </a:ln>
+          </p:spPr>
+          <p:txBody>
+            <a:bodyPr wrap="square" rtlCol="0">
+              <a:spAutoFit/>
+            </a:bodyPr>
+            <a:lstStyle/>
+            <a:p>
+              <a:pPr algn="ctr"/>
+              <a:r>
+                <a:rPr lang="en-US" sz="1000" b="1" dirty="0" err="1" smtClean="0"/>
+                <a:t>XXPositionFinder</a:t>
+              </a:r>
+              <a:endParaRPr lang="en-US" sz="1000" b="1" dirty="0" smtClean="0"/>
+            </a:p>
+            <a:p>
+              <a:r>
+                <a:rPr lang="en-US" sz="1000" dirty="0" smtClean="0"/>
+                <a:t>…</a:t>
+              </a:r>
+            </a:p>
+            <a:p>
+              <a:r>
+                <a:rPr lang="en-US" sz="1000" dirty="0" smtClean="0"/>
+                <a:t>+ </a:t>
+              </a:r>
+              <a:r>
+                <a:rPr lang="en-US" sz="1000" dirty="0" err="1" smtClean="0"/>
+                <a:t>getPosition</a:t>
+              </a:r>
+              <a:r>
+                <a:rPr lang="en-US" sz="1000" dirty="0" smtClean="0"/>
+                <a:t>()</a:t>
+              </a:r>
+              <a:endParaRPr lang="en-US" sz="1000" dirty="0"/>
+            </a:p>
+          </p:txBody>
+        </p:sp>
+        <p:cxnSp>
+          <p:nvCxnSpPr>
+            <p:cNvPr id="24" name="Straight Connector 23"/>
+            <p:cNvCxnSpPr>
+              <a:stCxn id="23" idx="1"/>
+              <a:endCxn id="23" idx="3"/>
+            </p:cNvCxnSpPr>
+            <p:nvPr/>
+          </p:nvCxnSpPr>
+          <p:spPr>
+            <a:xfrm rot="10800000" flipH="1">
+              <a:off x="6858000" y="5458599"/>
+              <a:ext cx="1295400" cy="0"/>
+            </a:xfrm>
+            <a:prstGeom prst="line">
+              <a:avLst/>
+            </a:prstGeom>
+          </p:spPr>
+          <p:style>
+            <a:lnRef idx="1">
+              <a:schemeClr val="dk1"/>
+            </a:lnRef>
+            <a:fillRef idx="0">
+              <a:schemeClr val="dk1"/>
+            </a:fillRef>
+            <a:effectRef idx="0">
+              <a:schemeClr val="dk1"/>
+            </a:effectRef>
+            <a:fontRef idx="minor">
+              <a:schemeClr val="tx1"/>
+            </a:fontRef>
+          </p:style>
+        </p:cxnSp>
+        <p:cxnSp>
+          <p:nvCxnSpPr>
+            <p:cNvPr id="26" name="Straight Arrow Connector 25"/>
+            <p:cNvCxnSpPr/>
+            <p:nvPr/>
+          </p:nvCxnSpPr>
+          <p:spPr>
+            <a:xfrm rot="10800000">
+              <a:off x="6096000" y="5334000"/>
+              <a:ext cx="762000" cy="1588"/>
+            </a:xfrm>
+            <a:prstGeom prst="straightConnector1">
+              <a:avLst/>
+            </a:prstGeom>
+            <a:ln w="22225">
+              <a:prstDash val="dash"/>
+              <a:tailEnd type="triangle" w="lg" len="lg"/>
+            </a:ln>
+          </p:spPr>
+          <p:style>
+            <a:lnRef idx="1">
+              <a:schemeClr val="dk1"/>
+            </a:lnRef>
+            <a:fillRef idx="0">
+              <a:schemeClr val="dk1"/>
+            </a:fillRef>
+            <a:effectRef idx="0">
+              <a:schemeClr val="dk1"/>
+            </a:effectRef>
+            <a:fontRef idx="minor">
+              <a:schemeClr val="tx1"/>
+            </a:fontRef>
+          </p:style>
+        </p:cxnSp>
+      </p:grpSp>
     </p:spTree>
   </p:cSld>
   <p:clrMapOvr>
@@ -7887,7 +8856,136 @@
   <p:timing>
     <p:tnLst>
       <p:par>
-        <p:cTn id="1" dur="indefinite" restart="never" nodeType="tmRoot"/>
+        <p:cTn id="1" dur="indefinite" restart="never" nodeType="tmRoot">
+          <p:childTnLst>
+            <p:seq concurrent="1" nextAc="seek">
+              <p:cTn id="2" dur="indefinite" nodeType="mainSeq">
+                <p:childTnLst>
+                  <p:par>
+                    <p:cTn id="3" fill="hold">
+                      <p:stCondLst>
+                        <p:cond delay="indefinite"/>
+                      </p:stCondLst>
+                      <p:childTnLst>
+                        <p:par>
+                          <p:cTn id="4" fill="hold">
+                            <p:stCondLst>
+                              <p:cond delay="0"/>
+                            </p:stCondLst>
+                            <p:childTnLst>
+                              <p:par>
+                                <p:cTn id="5" presetID="5" presetClass="entr" presetSubtype="10" fill="hold" nodeType="clickEffect">
+                                  <p:stCondLst>
+                                    <p:cond delay="0"/>
+                                  </p:stCondLst>
+                                  <p:childTnLst>
+                                    <p:set>
+                                      <p:cBhvr>
+                                        <p:cTn id="6" dur="1" fill="hold">
+                                          <p:stCondLst>
+                                            <p:cond delay="0"/>
+                                          </p:stCondLst>
+                                        </p:cTn>
+                                        <p:tgtEl>
+                                          <p:spTgt spid="14339"/>
+                                        </p:tgtEl>
+                                        <p:attrNameLst>
+                                          <p:attrName>style.visibility</p:attrName>
+                                        </p:attrNameLst>
+                                      </p:cBhvr>
+                                      <p:to>
+                                        <p:strVal val="visible"/>
+                                      </p:to>
+                                    </p:set>
+                                    <p:animEffect transition="in" filter="checkerboard(across)">
+                                      <p:cBhvr>
+                                        <p:cTn id="7" dur="500"/>
+                                        <p:tgtEl>
+                                          <p:spTgt spid="14339"/>
+                                        </p:tgtEl>
+                                      </p:cBhvr>
+                                    </p:animEffect>
+                                  </p:childTnLst>
+                                </p:cTn>
+                              </p:par>
+                            </p:childTnLst>
+                          </p:cTn>
+                        </p:par>
+                      </p:childTnLst>
+                    </p:cTn>
+                  </p:par>
+                  <p:par>
+                    <p:cTn id="8" fill="hold">
+                      <p:stCondLst>
+                        <p:cond delay="indefinite"/>
+                      </p:stCondLst>
+                      <p:childTnLst>
+                        <p:par>
+                          <p:cTn id="9" fill="hold">
+                            <p:stCondLst>
+                              <p:cond delay="0"/>
+                            </p:stCondLst>
+                            <p:childTnLst>
+                              <p:par>
+                                <p:cTn id="10" presetID="3" presetClass="entr" presetSubtype="10" fill="hold" nodeType="clickEffect">
+                                  <p:stCondLst>
+                                    <p:cond delay="0"/>
+                                  </p:stCondLst>
+                                  <p:childTnLst>
+                                    <p:set>
+                                      <p:cBhvr>
+                                        <p:cTn id="11" dur="1" fill="hold">
+                                          <p:stCondLst>
+                                            <p:cond delay="0"/>
+                                          </p:stCondLst>
+                                        </p:cTn>
+                                        <p:tgtEl>
+                                          <p:spTgt spid="30"/>
+                                        </p:tgtEl>
+                                        <p:attrNameLst>
+                                          <p:attrName>style.visibility</p:attrName>
+                                        </p:attrNameLst>
+                                      </p:cBhvr>
+                                      <p:to>
+                                        <p:strVal val="visible"/>
+                                      </p:to>
+                                    </p:set>
+                                    <p:animEffect transition="in" filter="blinds(horizontal)">
+                                      <p:cBhvr>
+                                        <p:cTn id="12" dur="500"/>
+                                        <p:tgtEl>
+                                          <p:spTgt spid="30"/>
+                                        </p:tgtEl>
+                                      </p:cBhvr>
+                                    </p:animEffect>
+                                  </p:childTnLst>
+                                </p:cTn>
+                              </p:par>
+                            </p:childTnLst>
+                          </p:cTn>
+                        </p:par>
+                      </p:childTnLst>
+                    </p:cTn>
+                  </p:par>
+                </p:childTnLst>
+              </p:cTn>
+              <p:prevCondLst>
+                <p:cond evt="onPrev" delay="0">
+                  <p:tgtEl>
+                    <p:sldTgt/>
+                  </p:tgtEl>
+                </p:cond>
+              </p:prevCondLst>
+              <p:nextCondLst>
+                <p:cond evt="onNext" delay="0">
+                  <p:tgtEl>
+                    <p:sldTgt/>
+                  </p:tgtEl>
+                </p:cond>
+              </p:nextCondLst>
+            </p:seq>
+          </p:childTnLst>
+        </p:cTn>
       </p:par>
     </p:tnLst>
   </p:timing>
